--- a/docsrc/_resources/Sketch.pptx
+++ b/docsrc/_resources/Sketch.pptx
@@ -6,6 +6,8 @@
   </p:sldMasterIdLst>
   <p:sldIdLst>
     <p:sldId id="256" r:id="rId2"/>
+    <p:sldId id="257" r:id="rId3"/>
+    <p:sldId id="258" r:id="rId4"/>
   </p:sldIdLst>
   <p:sldSz cx="12192000" cy="6858000"/>
   <p:notesSz cx="6858000" cy="9144000"/>
@@ -104,7 +106,6426 @@
       </a:defRPr>
     </a:lvl9pPr>
   </p:defaultTextStyle>
+  <p:extLst>
+    <p:ext uri="{EFAFB233-063F-42B5-8137-9DF3F51BA10A}">
+      <p15:sldGuideLst xmlns:p15="http://schemas.microsoft.com/office/powerpoint/2012/main"/>
+    </p:ext>
+  </p:extLst>
 </p:presentation>
+</file>
+
+<file path=ppt/diagrams/colors1.xml><?xml version="1.0" encoding="utf-8"?>
+<dgm:colorsDef xmlns:dgm="http://schemas.openxmlformats.org/drawingml/2006/diagram" xmlns:a="http://schemas.openxmlformats.org/drawingml/2006/main" uniqueId="urn:microsoft.com/office/officeart/2005/8/colors/accent1_2">
+  <dgm:title val=""/>
+  <dgm:desc val=""/>
+  <dgm:catLst>
+    <dgm:cat type="accent1" pri="11200"/>
+  </dgm:catLst>
+  <dgm:styleLbl name="node0">
+    <dgm:fillClrLst meth="repeat">
+      <a:schemeClr val="accent1"/>
+    </dgm:fillClrLst>
+    <dgm:linClrLst meth="repeat">
+      <a:schemeClr val="lt1"/>
+    </dgm:linClrLst>
+    <dgm:effectClrLst/>
+    <dgm:txLinClrLst/>
+    <dgm:txFillClrLst/>
+    <dgm:txEffectClrLst/>
+  </dgm:styleLbl>
+  <dgm:styleLbl name="alignNode1">
+    <dgm:fillClrLst meth="repeat">
+      <a:schemeClr val="accent1"/>
+    </dgm:fillClrLst>
+    <dgm:linClrLst meth="repeat">
+      <a:schemeClr val="accent1"/>
+    </dgm:linClrLst>
+    <dgm:effectClrLst/>
+    <dgm:txLinClrLst/>
+    <dgm:txFillClrLst/>
+    <dgm:txEffectClrLst/>
+  </dgm:styleLbl>
+  <dgm:styleLbl name="node1">
+    <dgm:fillClrLst meth="repeat">
+      <a:schemeClr val="accent1"/>
+    </dgm:fillClrLst>
+    <dgm:linClrLst meth="repeat">
+      <a:schemeClr val="lt1"/>
+    </dgm:linClrLst>
+    <dgm:effectClrLst/>
+    <dgm:txLinClrLst/>
+    <dgm:txFillClrLst/>
+    <dgm:txEffectClrLst/>
+  </dgm:styleLbl>
+  <dgm:styleLbl name="lnNode1">
+    <dgm:fillClrLst meth="repeat">
+      <a:schemeClr val="accent1"/>
+    </dgm:fillClrLst>
+    <dgm:linClrLst meth="repeat">
+      <a:schemeClr val="lt1"/>
+    </dgm:linClrLst>
+    <dgm:effectClrLst/>
+    <dgm:txLinClrLst/>
+    <dgm:txFillClrLst/>
+    <dgm:txEffectClrLst/>
+  </dgm:styleLbl>
+  <dgm:styleLbl name="vennNode1">
+    <dgm:fillClrLst meth="repeat">
+      <a:schemeClr val="accent1">
+        <a:alpha val="50000"/>
+      </a:schemeClr>
+    </dgm:fillClrLst>
+    <dgm:linClrLst meth="repeat">
+      <a:schemeClr val="lt1"/>
+    </dgm:linClrLst>
+    <dgm:effectClrLst/>
+    <dgm:txLinClrLst/>
+    <dgm:txFillClrLst/>
+    <dgm:txEffectClrLst/>
+  </dgm:styleLbl>
+  <dgm:styleLbl name="node2">
+    <dgm:fillClrLst meth="repeat">
+      <a:schemeClr val="accent1"/>
+    </dgm:fillClrLst>
+    <dgm:linClrLst meth="repeat">
+      <a:schemeClr val="lt1"/>
+    </dgm:linClrLst>
+    <dgm:effectClrLst/>
+    <dgm:txLinClrLst/>
+    <dgm:txFillClrLst/>
+    <dgm:txEffectClrLst/>
+  </dgm:styleLbl>
+  <dgm:styleLbl name="node3">
+    <dgm:fillClrLst meth="repeat">
+      <a:schemeClr val="accent1"/>
+    </dgm:fillClrLst>
+    <dgm:linClrLst meth="repeat">
+      <a:schemeClr val="lt1"/>
+    </dgm:linClrLst>
+    <dgm:effectClrLst/>
+    <dgm:txLinClrLst/>
+    <dgm:txFillClrLst/>
+    <dgm:txEffectClrLst/>
+  </dgm:styleLbl>
+  <dgm:styleLbl name="node4">
+    <dgm:fillClrLst meth="repeat">
+      <a:schemeClr val="accent1"/>
+    </dgm:fillClrLst>
+    <dgm:linClrLst meth="repeat">
+      <a:schemeClr val="lt1"/>
+    </dgm:linClrLst>
+    <dgm:effectClrLst/>
+    <dgm:txLinClrLst/>
+    <dgm:txFillClrLst/>
+    <dgm:txEffectClrLst/>
+  </dgm:styleLbl>
+  <dgm:styleLbl name="fgImgPlace1">
+    <dgm:fillClrLst meth="repeat">
+      <a:schemeClr val="accent1">
+        <a:tint val="50000"/>
+      </a:schemeClr>
+    </dgm:fillClrLst>
+    <dgm:linClrLst meth="repeat">
+      <a:schemeClr val="lt1"/>
+    </dgm:linClrLst>
+    <dgm:effectClrLst/>
+    <dgm:txLinClrLst/>
+    <dgm:txFillClrLst meth="repeat">
+      <a:schemeClr val="lt1"/>
+    </dgm:txFillClrLst>
+    <dgm:txEffectClrLst/>
+  </dgm:styleLbl>
+  <dgm:styleLbl name="alignImgPlace1">
+    <dgm:fillClrLst meth="repeat">
+      <a:schemeClr val="accent1">
+        <a:tint val="50000"/>
+      </a:schemeClr>
+    </dgm:fillClrLst>
+    <dgm:linClrLst meth="repeat">
+      <a:schemeClr val="lt1"/>
+    </dgm:linClrLst>
+    <dgm:effectClrLst/>
+    <dgm:txLinClrLst/>
+    <dgm:txFillClrLst meth="repeat">
+      <a:schemeClr val="lt1"/>
+    </dgm:txFillClrLst>
+    <dgm:txEffectClrLst/>
+  </dgm:styleLbl>
+  <dgm:styleLbl name="bgImgPlace1">
+    <dgm:fillClrLst meth="repeat">
+      <a:schemeClr val="accent1">
+        <a:tint val="50000"/>
+      </a:schemeClr>
+    </dgm:fillClrLst>
+    <dgm:linClrLst meth="repeat">
+      <a:schemeClr val="lt1"/>
+    </dgm:linClrLst>
+    <dgm:effectClrLst/>
+    <dgm:txLinClrLst/>
+    <dgm:txFillClrLst meth="repeat">
+      <a:schemeClr val="lt1"/>
+    </dgm:txFillClrLst>
+    <dgm:txEffectClrLst/>
+  </dgm:styleLbl>
+  <dgm:styleLbl name="sibTrans2D1">
+    <dgm:fillClrLst meth="repeat">
+      <a:schemeClr val="accent1">
+        <a:tint val="60000"/>
+      </a:schemeClr>
+    </dgm:fillClrLst>
+    <dgm:linClrLst meth="repeat">
+      <a:schemeClr val="accent1">
+        <a:tint val="60000"/>
+      </a:schemeClr>
+    </dgm:linClrLst>
+    <dgm:effectClrLst/>
+    <dgm:txLinClrLst/>
+    <dgm:txFillClrLst/>
+    <dgm:txEffectClrLst/>
+  </dgm:styleLbl>
+  <dgm:styleLbl name="fgSibTrans2D1">
+    <dgm:fillClrLst meth="repeat">
+      <a:schemeClr val="accent1">
+        <a:tint val="60000"/>
+      </a:schemeClr>
+    </dgm:fillClrLst>
+    <dgm:linClrLst meth="repeat">
+      <a:schemeClr val="accent1">
+        <a:tint val="60000"/>
+      </a:schemeClr>
+    </dgm:linClrLst>
+    <dgm:effectClrLst/>
+    <dgm:txLinClrLst/>
+    <dgm:txFillClrLst/>
+    <dgm:txEffectClrLst/>
+  </dgm:styleLbl>
+  <dgm:styleLbl name="bgSibTrans2D1">
+    <dgm:fillClrLst meth="repeat">
+      <a:schemeClr val="accent1">
+        <a:tint val="60000"/>
+      </a:schemeClr>
+    </dgm:fillClrLst>
+    <dgm:linClrLst meth="repeat">
+      <a:schemeClr val="accent1">
+        <a:tint val="60000"/>
+      </a:schemeClr>
+    </dgm:linClrLst>
+    <dgm:effectClrLst/>
+    <dgm:txLinClrLst/>
+    <dgm:txFillClrLst/>
+    <dgm:txEffectClrLst/>
+  </dgm:styleLbl>
+  <dgm:styleLbl name="sibTrans1D1">
+    <dgm:fillClrLst meth="repeat">
+      <a:schemeClr val="accent1"/>
+    </dgm:fillClrLst>
+    <dgm:linClrLst meth="repeat">
+      <a:schemeClr val="accent1"/>
+    </dgm:linClrLst>
+    <dgm:effectClrLst/>
+    <dgm:txLinClrLst/>
+    <dgm:txFillClrLst meth="repeat">
+      <a:schemeClr val="tx1"/>
+    </dgm:txFillClrLst>
+    <dgm:txEffectClrLst/>
+  </dgm:styleLbl>
+  <dgm:styleLbl name="callout">
+    <dgm:fillClrLst meth="repeat">
+      <a:schemeClr val="accent1"/>
+    </dgm:fillClrLst>
+    <dgm:linClrLst meth="repeat">
+      <a:schemeClr val="accent1">
+        <a:tint val="50000"/>
+      </a:schemeClr>
+    </dgm:linClrLst>
+    <dgm:effectClrLst/>
+    <dgm:txLinClrLst/>
+    <dgm:txFillClrLst meth="repeat">
+      <a:schemeClr val="tx1"/>
+    </dgm:txFillClrLst>
+    <dgm:txEffectClrLst/>
+  </dgm:styleLbl>
+  <dgm:styleLbl name="asst0">
+    <dgm:fillClrLst meth="repeat">
+      <a:schemeClr val="accent1"/>
+    </dgm:fillClrLst>
+    <dgm:linClrLst meth="repeat">
+      <a:schemeClr val="lt1"/>
+    </dgm:linClrLst>
+    <dgm:effectClrLst/>
+    <dgm:txLinClrLst/>
+    <dgm:txFillClrLst/>
+    <dgm:txEffectClrLst/>
+  </dgm:styleLbl>
+  <dgm:styleLbl name="asst1">
+    <dgm:fillClrLst meth="repeat">
+      <a:schemeClr val="accent1"/>
+    </dgm:fillClrLst>
+    <dgm:linClrLst meth="repeat">
+      <a:schemeClr val="lt1"/>
+    </dgm:linClrLst>
+    <dgm:effectClrLst/>
+    <dgm:txLinClrLst/>
+    <dgm:txFillClrLst/>
+    <dgm:txEffectClrLst/>
+  </dgm:styleLbl>
+  <dgm:styleLbl name="asst2">
+    <dgm:fillClrLst meth="repeat">
+      <a:schemeClr val="accent1"/>
+    </dgm:fillClrLst>
+    <dgm:linClrLst meth="repeat">
+      <a:schemeClr val="lt1"/>
+    </dgm:linClrLst>
+    <dgm:effectClrLst/>
+    <dgm:txLinClrLst/>
+    <dgm:txFillClrLst/>
+    <dgm:txEffectClrLst/>
+  </dgm:styleLbl>
+  <dgm:styleLbl name="asst3">
+    <dgm:fillClrLst meth="repeat">
+      <a:schemeClr val="accent1"/>
+    </dgm:fillClrLst>
+    <dgm:linClrLst meth="repeat">
+      <a:schemeClr val="lt1"/>
+    </dgm:linClrLst>
+    <dgm:effectClrLst/>
+    <dgm:txLinClrLst/>
+    <dgm:txFillClrLst/>
+    <dgm:txEffectClrLst/>
+  </dgm:styleLbl>
+  <dgm:styleLbl name="asst4">
+    <dgm:fillClrLst meth="repeat">
+      <a:schemeClr val="accent1"/>
+    </dgm:fillClrLst>
+    <dgm:linClrLst meth="repeat">
+      <a:schemeClr val="lt1"/>
+    </dgm:linClrLst>
+    <dgm:effectClrLst/>
+    <dgm:txLinClrLst/>
+    <dgm:txFillClrLst/>
+    <dgm:txEffectClrLst/>
+  </dgm:styleLbl>
+  <dgm:styleLbl name="parChTrans2D1">
+    <dgm:fillClrLst meth="repeat">
+      <a:schemeClr val="accent1">
+        <a:tint val="60000"/>
+      </a:schemeClr>
+    </dgm:fillClrLst>
+    <dgm:linClrLst meth="repeat">
+      <a:schemeClr val="accent1">
+        <a:tint val="60000"/>
+      </a:schemeClr>
+    </dgm:linClrLst>
+    <dgm:effectClrLst/>
+    <dgm:txLinClrLst/>
+    <dgm:txFillClrLst meth="repeat">
+      <a:schemeClr val="lt1"/>
+    </dgm:txFillClrLst>
+    <dgm:txEffectClrLst/>
+  </dgm:styleLbl>
+  <dgm:styleLbl name="parChTrans2D2">
+    <dgm:fillClrLst meth="repeat">
+      <a:schemeClr val="accent1"/>
+    </dgm:fillClrLst>
+    <dgm:linClrLst meth="repeat">
+      <a:schemeClr val="accent1"/>
+    </dgm:linClrLst>
+    <dgm:effectClrLst/>
+    <dgm:txLinClrLst/>
+    <dgm:txFillClrLst meth="repeat">
+      <a:schemeClr val="lt1"/>
+    </dgm:txFillClrLst>
+    <dgm:txEffectClrLst/>
+  </dgm:styleLbl>
+  <dgm:styleLbl name="parChTrans2D3">
+    <dgm:fillClrLst meth="repeat">
+      <a:schemeClr val="accent1"/>
+    </dgm:fillClrLst>
+    <dgm:linClrLst meth="repeat">
+      <a:schemeClr val="accent1"/>
+    </dgm:linClrLst>
+    <dgm:effectClrLst/>
+    <dgm:txLinClrLst/>
+    <dgm:txFillClrLst meth="repeat">
+      <a:schemeClr val="lt1"/>
+    </dgm:txFillClrLst>
+    <dgm:txEffectClrLst/>
+  </dgm:styleLbl>
+  <dgm:styleLbl name="parChTrans2D4">
+    <dgm:fillClrLst meth="repeat">
+      <a:schemeClr val="accent1"/>
+    </dgm:fillClrLst>
+    <dgm:linClrLst meth="repeat">
+      <a:schemeClr val="accent1"/>
+    </dgm:linClrLst>
+    <dgm:effectClrLst/>
+    <dgm:txLinClrLst/>
+    <dgm:txFillClrLst meth="repeat">
+      <a:schemeClr val="lt1"/>
+    </dgm:txFillClrLst>
+    <dgm:txEffectClrLst/>
+  </dgm:styleLbl>
+  <dgm:styleLbl name="parChTrans1D1">
+    <dgm:fillClrLst meth="repeat">
+      <a:schemeClr val="accent1"/>
+    </dgm:fillClrLst>
+    <dgm:linClrLst meth="repeat">
+      <a:schemeClr val="accent1">
+        <a:shade val="60000"/>
+      </a:schemeClr>
+    </dgm:linClrLst>
+    <dgm:effectClrLst/>
+    <dgm:txLinClrLst/>
+    <dgm:txFillClrLst meth="repeat">
+      <a:schemeClr val="tx1"/>
+    </dgm:txFillClrLst>
+    <dgm:txEffectClrLst/>
+  </dgm:styleLbl>
+  <dgm:styleLbl name="parChTrans1D2">
+    <dgm:fillClrLst meth="repeat">
+      <a:schemeClr val="accent1"/>
+    </dgm:fillClrLst>
+    <dgm:linClrLst meth="repeat">
+      <a:schemeClr val="accent1">
+        <a:shade val="60000"/>
+      </a:schemeClr>
+    </dgm:linClrLst>
+    <dgm:effectClrLst/>
+    <dgm:txLinClrLst/>
+    <dgm:txFillClrLst meth="repeat">
+      <a:schemeClr val="tx1"/>
+    </dgm:txFillClrLst>
+    <dgm:txEffectClrLst/>
+  </dgm:styleLbl>
+  <dgm:styleLbl name="parChTrans1D3">
+    <dgm:fillClrLst meth="repeat">
+      <a:schemeClr val="accent1"/>
+    </dgm:fillClrLst>
+    <dgm:linClrLst meth="repeat">
+      <a:schemeClr val="accent1">
+        <a:shade val="80000"/>
+      </a:schemeClr>
+    </dgm:linClrLst>
+    <dgm:effectClrLst/>
+    <dgm:txLinClrLst/>
+    <dgm:txFillClrLst meth="repeat">
+      <a:schemeClr val="tx1"/>
+    </dgm:txFillClrLst>
+    <dgm:txEffectClrLst/>
+  </dgm:styleLbl>
+  <dgm:styleLbl name="parChTrans1D4">
+    <dgm:fillClrLst meth="repeat">
+      <a:schemeClr val="accent1"/>
+    </dgm:fillClrLst>
+    <dgm:linClrLst meth="repeat">
+      <a:schemeClr val="accent1">
+        <a:shade val="80000"/>
+      </a:schemeClr>
+    </dgm:linClrLst>
+    <dgm:effectClrLst/>
+    <dgm:txLinClrLst/>
+    <dgm:txFillClrLst meth="repeat">
+      <a:schemeClr val="tx1"/>
+    </dgm:txFillClrLst>
+    <dgm:txEffectClrLst/>
+  </dgm:styleLbl>
+  <dgm:styleLbl name="fgAcc1">
+    <dgm:fillClrLst meth="repeat">
+      <a:schemeClr val="lt1">
+        <a:alpha val="90000"/>
+      </a:schemeClr>
+    </dgm:fillClrLst>
+    <dgm:linClrLst meth="repeat">
+      <a:schemeClr val="accent1"/>
+    </dgm:linClrLst>
+    <dgm:effectClrLst/>
+    <dgm:txLinClrLst/>
+    <dgm:txFillClrLst meth="repeat">
+      <a:schemeClr val="dk1"/>
+    </dgm:txFillClrLst>
+    <dgm:txEffectClrLst/>
+  </dgm:styleLbl>
+  <dgm:styleLbl name="conFgAcc1">
+    <dgm:fillClrLst meth="repeat">
+      <a:schemeClr val="lt1">
+        <a:alpha val="90000"/>
+      </a:schemeClr>
+    </dgm:fillClrLst>
+    <dgm:linClrLst meth="repeat">
+      <a:schemeClr val="accent1"/>
+    </dgm:linClrLst>
+    <dgm:effectClrLst/>
+    <dgm:txLinClrLst/>
+    <dgm:txFillClrLst meth="repeat">
+      <a:schemeClr val="dk1"/>
+    </dgm:txFillClrLst>
+    <dgm:txEffectClrLst/>
+  </dgm:styleLbl>
+  <dgm:styleLbl name="alignAcc1">
+    <dgm:fillClrLst meth="repeat">
+      <a:schemeClr val="lt1">
+        <a:alpha val="90000"/>
+      </a:schemeClr>
+    </dgm:fillClrLst>
+    <dgm:linClrLst meth="repeat">
+      <a:schemeClr val="accent1"/>
+    </dgm:linClrLst>
+    <dgm:effectClrLst/>
+    <dgm:txLinClrLst/>
+    <dgm:txFillClrLst meth="repeat">
+      <a:schemeClr val="dk1"/>
+    </dgm:txFillClrLst>
+    <dgm:txEffectClrLst/>
+  </dgm:styleLbl>
+  <dgm:styleLbl name="trAlignAcc1">
+    <dgm:fillClrLst meth="repeat">
+      <a:schemeClr val="lt1">
+        <a:alpha val="40000"/>
+      </a:schemeClr>
+    </dgm:fillClrLst>
+    <dgm:linClrLst meth="repeat">
+      <a:schemeClr val="accent1"/>
+    </dgm:linClrLst>
+    <dgm:effectClrLst/>
+    <dgm:txLinClrLst/>
+    <dgm:txFillClrLst meth="repeat">
+      <a:schemeClr val="dk1"/>
+    </dgm:txFillClrLst>
+    <dgm:txEffectClrLst/>
+  </dgm:styleLbl>
+  <dgm:styleLbl name="bgAcc1">
+    <dgm:fillClrLst meth="repeat">
+      <a:schemeClr val="lt1">
+        <a:alpha val="90000"/>
+      </a:schemeClr>
+    </dgm:fillClrLst>
+    <dgm:linClrLst meth="repeat">
+      <a:schemeClr val="accent1"/>
+    </dgm:linClrLst>
+    <dgm:effectClrLst/>
+    <dgm:txLinClrLst/>
+    <dgm:txFillClrLst meth="repeat">
+      <a:schemeClr val="dk1"/>
+    </dgm:txFillClrLst>
+    <dgm:txEffectClrLst/>
+  </dgm:styleLbl>
+  <dgm:styleLbl name="solidFgAcc1">
+    <dgm:fillClrLst meth="repeat">
+      <a:schemeClr val="lt1"/>
+    </dgm:fillClrLst>
+    <dgm:linClrLst meth="repeat">
+      <a:schemeClr val="accent1"/>
+    </dgm:linClrLst>
+    <dgm:effectClrLst/>
+    <dgm:txLinClrLst/>
+    <dgm:txFillClrLst meth="repeat">
+      <a:schemeClr val="dk1"/>
+    </dgm:txFillClrLst>
+    <dgm:txEffectClrLst/>
+  </dgm:styleLbl>
+  <dgm:styleLbl name="solidAlignAcc1">
+    <dgm:fillClrLst meth="repeat">
+      <a:schemeClr val="lt1"/>
+    </dgm:fillClrLst>
+    <dgm:linClrLst meth="repeat">
+      <a:schemeClr val="accent1"/>
+    </dgm:linClrLst>
+    <dgm:effectClrLst/>
+    <dgm:txLinClrLst/>
+    <dgm:txFillClrLst meth="repeat">
+      <a:schemeClr val="dk1"/>
+    </dgm:txFillClrLst>
+    <dgm:txEffectClrLst/>
+  </dgm:styleLbl>
+  <dgm:styleLbl name="solidBgAcc1">
+    <dgm:fillClrLst meth="repeat">
+      <a:schemeClr val="lt1"/>
+    </dgm:fillClrLst>
+    <dgm:linClrLst meth="repeat">
+      <a:schemeClr val="accent1"/>
+    </dgm:linClrLst>
+    <dgm:effectClrLst/>
+    <dgm:txLinClrLst/>
+    <dgm:txFillClrLst meth="repeat">
+      <a:schemeClr val="dk1"/>
+    </dgm:txFillClrLst>
+    <dgm:txEffectClrLst/>
+  </dgm:styleLbl>
+  <dgm:styleLbl name="fgAccFollowNode1">
+    <dgm:fillClrLst meth="repeat">
+      <a:schemeClr val="accent1">
+        <a:alpha val="90000"/>
+        <a:tint val="40000"/>
+      </a:schemeClr>
+    </dgm:fillClrLst>
+    <dgm:linClrLst meth="repeat">
+      <a:schemeClr val="accent1">
+        <a:alpha val="90000"/>
+        <a:tint val="40000"/>
+      </a:schemeClr>
+    </dgm:linClrLst>
+    <dgm:effectClrLst/>
+    <dgm:txLinClrLst/>
+    <dgm:txFillClrLst meth="repeat">
+      <a:schemeClr val="dk1"/>
+    </dgm:txFillClrLst>
+    <dgm:txEffectClrLst/>
+  </dgm:styleLbl>
+  <dgm:styleLbl name="alignAccFollowNode1">
+    <dgm:fillClrLst meth="repeat">
+      <a:schemeClr val="accent1">
+        <a:alpha val="90000"/>
+        <a:tint val="40000"/>
+      </a:schemeClr>
+    </dgm:fillClrLst>
+    <dgm:linClrLst meth="repeat">
+      <a:schemeClr val="accent1">
+        <a:alpha val="90000"/>
+        <a:tint val="40000"/>
+      </a:schemeClr>
+    </dgm:linClrLst>
+    <dgm:effectClrLst/>
+    <dgm:txLinClrLst/>
+    <dgm:txFillClrLst meth="repeat">
+      <a:schemeClr val="dk1"/>
+    </dgm:txFillClrLst>
+    <dgm:txEffectClrLst/>
+  </dgm:styleLbl>
+  <dgm:styleLbl name="bgAccFollowNode1">
+    <dgm:fillClrLst meth="repeat">
+      <a:schemeClr val="accent1">
+        <a:alpha val="90000"/>
+        <a:tint val="40000"/>
+      </a:schemeClr>
+    </dgm:fillClrLst>
+    <dgm:linClrLst meth="repeat">
+      <a:schemeClr val="accent1">
+        <a:alpha val="90000"/>
+        <a:tint val="40000"/>
+      </a:schemeClr>
+    </dgm:linClrLst>
+    <dgm:effectClrLst/>
+    <dgm:txLinClrLst/>
+    <dgm:txFillClrLst meth="repeat">
+      <a:schemeClr val="dk1"/>
+    </dgm:txFillClrLst>
+    <dgm:txEffectClrLst/>
+  </dgm:styleLbl>
+  <dgm:styleLbl name="fgAcc0">
+    <dgm:fillClrLst meth="repeat">
+      <a:schemeClr val="lt1">
+        <a:alpha val="90000"/>
+      </a:schemeClr>
+    </dgm:fillClrLst>
+    <dgm:linClrLst meth="repeat">
+      <a:schemeClr val="accent1"/>
+    </dgm:linClrLst>
+    <dgm:effectClrLst/>
+    <dgm:txLinClrLst/>
+    <dgm:txFillClrLst meth="repeat">
+      <a:schemeClr val="dk1"/>
+    </dgm:txFillClrLst>
+    <dgm:txEffectClrLst/>
+  </dgm:styleLbl>
+  <dgm:styleLbl name="fgAcc2">
+    <dgm:fillClrLst meth="repeat">
+      <a:schemeClr val="lt1">
+        <a:alpha val="90000"/>
+      </a:schemeClr>
+    </dgm:fillClrLst>
+    <dgm:linClrLst meth="repeat">
+      <a:schemeClr val="accent1"/>
+    </dgm:linClrLst>
+    <dgm:effectClrLst/>
+    <dgm:txLinClrLst/>
+    <dgm:txFillClrLst meth="repeat">
+      <a:schemeClr val="dk1"/>
+    </dgm:txFillClrLst>
+    <dgm:txEffectClrLst/>
+  </dgm:styleLbl>
+  <dgm:styleLbl name="fgAcc3">
+    <dgm:fillClrLst meth="repeat">
+      <a:schemeClr val="lt1">
+        <a:alpha val="90000"/>
+      </a:schemeClr>
+    </dgm:fillClrLst>
+    <dgm:linClrLst meth="repeat">
+      <a:schemeClr val="accent1"/>
+    </dgm:linClrLst>
+    <dgm:effectClrLst/>
+    <dgm:txLinClrLst/>
+    <dgm:txFillClrLst meth="repeat">
+      <a:schemeClr val="dk1"/>
+    </dgm:txFillClrLst>
+    <dgm:txEffectClrLst/>
+  </dgm:styleLbl>
+  <dgm:styleLbl name="fgAcc4">
+    <dgm:fillClrLst meth="repeat">
+      <a:schemeClr val="lt1">
+        <a:alpha val="90000"/>
+      </a:schemeClr>
+    </dgm:fillClrLst>
+    <dgm:linClrLst meth="repeat">
+      <a:schemeClr val="accent1"/>
+    </dgm:linClrLst>
+    <dgm:effectClrLst/>
+    <dgm:txLinClrLst/>
+    <dgm:txFillClrLst meth="repeat">
+      <a:schemeClr val="dk1"/>
+    </dgm:txFillClrLst>
+    <dgm:txEffectClrLst/>
+  </dgm:styleLbl>
+  <dgm:styleLbl name="bgShp">
+    <dgm:fillClrLst meth="repeat">
+      <a:schemeClr val="accent1">
+        <a:tint val="40000"/>
+      </a:schemeClr>
+    </dgm:fillClrLst>
+    <dgm:linClrLst meth="repeat">
+      <a:schemeClr val="accent1"/>
+    </dgm:linClrLst>
+    <dgm:effectClrLst/>
+    <dgm:txLinClrLst/>
+    <dgm:txFillClrLst meth="repeat">
+      <a:schemeClr val="dk1"/>
+    </dgm:txFillClrLst>
+    <dgm:txEffectClrLst/>
+  </dgm:styleLbl>
+  <dgm:styleLbl name="dkBgShp">
+    <dgm:fillClrLst meth="repeat">
+      <a:schemeClr val="accent1">
+        <a:shade val="80000"/>
+      </a:schemeClr>
+    </dgm:fillClrLst>
+    <dgm:linClrLst meth="repeat">
+      <a:schemeClr val="accent1"/>
+    </dgm:linClrLst>
+    <dgm:effectClrLst/>
+    <dgm:txLinClrLst/>
+    <dgm:txFillClrLst meth="repeat">
+      <a:schemeClr val="lt1"/>
+    </dgm:txFillClrLst>
+    <dgm:txEffectClrLst/>
+  </dgm:styleLbl>
+  <dgm:styleLbl name="trBgShp">
+    <dgm:fillClrLst meth="repeat">
+      <a:schemeClr val="accent1">
+        <a:tint val="50000"/>
+        <a:alpha val="40000"/>
+      </a:schemeClr>
+    </dgm:fillClrLst>
+    <dgm:linClrLst meth="repeat">
+      <a:schemeClr val="accent1"/>
+    </dgm:linClrLst>
+    <dgm:effectClrLst/>
+    <dgm:txLinClrLst/>
+    <dgm:txFillClrLst meth="repeat">
+      <a:schemeClr val="lt1"/>
+    </dgm:txFillClrLst>
+    <dgm:txEffectClrLst/>
+  </dgm:styleLbl>
+  <dgm:styleLbl name="fgShp">
+    <dgm:fillClrLst meth="repeat">
+      <a:schemeClr val="accent1">
+        <a:tint val="60000"/>
+      </a:schemeClr>
+    </dgm:fillClrLst>
+    <dgm:linClrLst meth="repeat">
+      <a:schemeClr val="lt1"/>
+    </dgm:linClrLst>
+    <dgm:effectClrLst/>
+    <dgm:txLinClrLst/>
+    <dgm:txFillClrLst meth="repeat">
+      <a:schemeClr val="dk1"/>
+    </dgm:txFillClrLst>
+    <dgm:txEffectClrLst/>
+  </dgm:styleLbl>
+  <dgm:styleLbl name="revTx">
+    <dgm:fillClrLst meth="repeat">
+      <a:schemeClr val="lt1">
+        <a:alpha val="0"/>
+      </a:schemeClr>
+    </dgm:fillClrLst>
+    <dgm:linClrLst meth="repeat">
+      <a:schemeClr val="dk1">
+        <a:alpha val="0"/>
+      </a:schemeClr>
+    </dgm:linClrLst>
+    <dgm:effectClrLst/>
+    <dgm:txLinClrLst/>
+    <dgm:txFillClrLst meth="repeat">
+      <a:schemeClr val="tx1"/>
+    </dgm:txFillClrLst>
+    <dgm:txEffectClrLst/>
+  </dgm:styleLbl>
+</dgm:colorsDef>
+</file>
+
+<file path=ppt/diagrams/colors2.xml><?xml version="1.0" encoding="utf-8"?>
+<dgm:colorsDef xmlns:dgm="http://schemas.openxmlformats.org/drawingml/2006/diagram" xmlns:a="http://schemas.openxmlformats.org/drawingml/2006/main" uniqueId="urn:microsoft.com/office/officeart/2005/8/colors/accent1_2">
+  <dgm:title val=""/>
+  <dgm:desc val=""/>
+  <dgm:catLst>
+    <dgm:cat type="accent1" pri="11200"/>
+  </dgm:catLst>
+  <dgm:styleLbl name="node0">
+    <dgm:fillClrLst meth="repeat">
+      <a:schemeClr val="accent1"/>
+    </dgm:fillClrLst>
+    <dgm:linClrLst meth="repeat">
+      <a:schemeClr val="lt1"/>
+    </dgm:linClrLst>
+    <dgm:effectClrLst/>
+    <dgm:txLinClrLst/>
+    <dgm:txFillClrLst/>
+    <dgm:txEffectClrLst/>
+  </dgm:styleLbl>
+  <dgm:styleLbl name="alignNode1">
+    <dgm:fillClrLst meth="repeat">
+      <a:schemeClr val="accent1"/>
+    </dgm:fillClrLst>
+    <dgm:linClrLst meth="repeat">
+      <a:schemeClr val="accent1"/>
+    </dgm:linClrLst>
+    <dgm:effectClrLst/>
+    <dgm:txLinClrLst/>
+    <dgm:txFillClrLst/>
+    <dgm:txEffectClrLst/>
+  </dgm:styleLbl>
+  <dgm:styleLbl name="node1">
+    <dgm:fillClrLst meth="repeat">
+      <a:schemeClr val="accent1"/>
+    </dgm:fillClrLst>
+    <dgm:linClrLst meth="repeat">
+      <a:schemeClr val="lt1"/>
+    </dgm:linClrLst>
+    <dgm:effectClrLst/>
+    <dgm:txLinClrLst/>
+    <dgm:txFillClrLst/>
+    <dgm:txEffectClrLst/>
+  </dgm:styleLbl>
+  <dgm:styleLbl name="lnNode1">
+    <dgm:fillClrLst meth="repeat">
+      <a:schemeClr val="accent1"/>
+    </dgm:fillClrLst>
+    <dgm:linClrLst meth="repeat">
+      <a:schemeClr val="lt1"/>
+    </dgm:linClrLst>
+    <dgm:effectClrLst/>
+    <dgm:txLinClrLst/>
+    <dgm:txFillClrLst/>
+    <dgm:txEffectClrLst/>
+  </dgm:styleLbl>
+  <dgm:styleLbl name="vennNode1">
+    <dgm:fillClrLst meth="repeat">
+      <a:schemeClr val="accent1">
+        <a:alpha val="50000"/>
+      </a:schemeClr>
+    </dgm:fillClrLst>
+    <dgm:linClrLst meth="repeat">
+      <a:schemeClr val="lt1"/>
+    </dgm:linClrLst>
+    <dgm:effectClrLst/>
+    <dgm:txLinClrLst/>
+    <dgm:txFillClrLst/>
+    <dgm:txEffectClrLst/>
+  </dgm:styleLbl>
+  <dgm:styleLbl name="node2">
+    <dgm:fillClrLst meth="repeat">
+      <a:schemeClr val="accent1"/>
+    </dgm:fillClrLst>
+    <dgm:linClrLst meth="repeat">
+      <a:schemeClr val="lt1"/>
+    </dgm:linClrLst>
+    <dgm:effectClrLst/>
+    <dgm:txLinClrLst/>
+    <dgm:txFillClrLst/>
+    <dgm:txEffectClrLst/>
+  </dgm:styleLbl>
+  <dgm:styleLbl name="node3">
+    <dgm:fillClrLst meth="repeat">
+      <a:schemeClr val="accent1"/>
+    </dgm:fillClrLst>
+    <dgm:linClrLst meth="repeat">
+      <a:schemeClr val="lt1"/>
+    </dgm:linClrLst>
+    <dgm:effectClrLst/>
+    <dgm:txLinClrLst/>
+    <dgm:txFillClrLst/>
+    <dgm:txEffectClrLst/>
+  </dgm:styleLbl>
+  <dgm:styleLbl name="node4">
+    <dgm:fillClrLst meth="repeat">
+      <a:schemeClr val="accent1"/>
+    </dgm:fillClrLst>
+    <dgm:linClrLst meth="repeat">
+      <a:schemeClr val="lt1"/>
+    </dgm:linClrLst>
+    <dgm:effectClrLst/>
+    <dgm:txLinClrLst/>
+    <dgm:txFillClrLst/>
+    <dgm:txEffectClrLst/>
+  </dgm:styleLbl>
+  <dgm:styleLbl name="fgImgPlace1">
+    <dgm:fillClrLst meth="repeat">
+      <a:schemeClr val="accent1">
+        <a:tint val="50000"/>
+      </a:schemeClr>
+    </dgm:fillClrLst>
+    <dgm:linClrLst meth="repeat">
+      <a:schemeClr val="lt1"/>
+    </dgm:linClrLst>
+    <dgm:effectClrLst/>
+    <dgm:txLinClrLst/>
+    <dgm:txFillClrLst meth="repeat">
+      <a:schemeClr val="lt1"/>
+    </dgm:txFillClrLst>
+    <dgm:txEffectClrLst/>
+  </dgm:styleLbl>
+  <dgm:styleLbl name="alignImgPlace1">
+    <dgm:fillClrLst meth="repeat">
+      <a:schemeClr val="accent1">
+        <a:tint val="50000"/>
+      </a:schemeClr>
+    </dgm:fillClrLst>
+    <dgm:linClrLst meth="repeat">
+      <a:schemeClr val="lt1"/>
+    </dgm:linClrLst>
+    <dgm:effectClrLst/>
+    <dgm:txLinClrLst/>
+    <dgm:txFillClrLst meth="repeat">
+      <a:schemeClr val="lt1"/>
+    </dgm:txFillClrLst>
+    <dgm:txEffectClrLst/>
+  </dgm:styleLbl>
+  <dgm:styleLbl name="bgImgPlace1">
+    <dgm:fillClrLst meth="repeat">
+      <a:schemeClr val="accent1">
+        <a:tint val="50000"/>
+      </a:schemeClr>
+    </dgm:fillClrLst>
+    <dgm:linClrLst meth="repeat">
+      <a:schemeClr val="lt1"/>
+    </dgm:linClrLst>
+    <dgm:effectClrLst/>
+    <dgm:txLinClrLst/>
+    <dgm:txFillClrLst meth="repeat">
+      <a:schemeClr val="lt1"/>
+    </dgm:txFillClrLst>
+    <dgm:txEffectClrLst/>
+  </dgm:styleLbl>
+  <dgm:styleLbl name="sibTrans2D1">
+    <dgm:fillClrLst meth="repeat">
+      <a:schemeClr val="accent1">
+        <a:tint val="60000"/>
+      </a:schemeClr>
+    </dgm:fillClrLst>
+    <dgm:linClrLst meth="repeat">
+      <a:schemeClr val="accent1">
+        <a:tint val="60000"/>
+      </a:schemeClr>
+    </dgm:linClrLst>
+    <dgm:effectClrLst/>
+    <dgm:txLinClrLst/>
+    <dgm:txFillClrLst/>
+    <dgm:txEffectClrLst/>
+  </dgm:styleLbl>
+  <dgm:styleLbl name="fgSibTrans2D1">
+    <dgm:fillClrLst meth="repeat">
+      <a:schemeClr val="accent1">
+        <a:tint val="60000"/>
+      </a:schemeClr>
+    </dgm:fillClrLst>
+    <dgm:linClrLst meth="repeat">
+      <a:schemeClr val="accent1">
+        <a:tint val="60000"/>
+      </a:schemeClr>
+    </dgm:linClrLst>
+    <dgm:effectClrLst/>
+    <dgm:txLinClrLst/>
+    <dgm:txFillClrLst/>
+    <dgm:txEffectClrLst/>
+  </dgm:styleLbl>
+  <dgm:styleLbl name="bgSibTrans2D1">
+    <dgm:fillClrLst meth="repeat">
+      <a:schemeClr val="accent1">
+        <a:tint val="60000"/>
+      </a:schemeClr>
+    </dgm:fillClrLst>
+    <dgm:linClrLst meth="repeat">
+      <a:schemeClr val="accent1">
+        <a:tint val="60000"/>
+      </a:schemeClr>
+    </dgm:linClrLst>
+    <dgm:effectClrLst/>
+    <dgm:txLinClrLst/>
+    <dgm:txFillClrLst/>
+    <dgm:txEffectClrLst/>
+  </dgm:styleLbl>
+  <dgm:styleLbl name="sibTrans1D1">
+    <dgm:fillClrLst meth="repeat">
+      <a:schemeClr val="accent1"/>
+    </dgm:fillClrLst>
+    <dgm:linClrLst meth="repeat">
+      <a:schemeClr val="accent1"/>
+    </dgm:linClrLst>
+    <dgm:effectClrLst/>
+    <dgm:txLinClrLst/>
+    <dgm:txFillClrLst meth="repeat">
+      <a:schemeClr val="tx1"/>
+    </dgm:txFillClrLst>
+    <dgm:txEffectClrLst/>
+  </dgm:styleLbl>
+  <dgm:styleLbl name="callout">
+    <dgm:fillClrLst meth="repeat">
+      <a:schemeClr val="accent1"/>
+    </dgm:fillClrLst>
+    <dgm:linClrLst meth="repeat">
+      <a:schemeClr val="accent1">
+        <a:tint val="50000"/>
+      </a:schemeClr>
+    </dgm:linClrLst>
+    <dgm:effectClrLst/>
+    <dgm:txLinClrLst/>
+    <dgm:txFillClrLst meth="repeat">
+      <a:schemeClr val="tx1"/>
+    </dgm:txFillClrLst>
+    <dgm:txEffectClrLst/>
+  </dgm:styleLbl>
+  <dgm:styleLbl name="asst0">
+    <dgm:fillClrLst meth="repeat">
+      <a:schemeClr val="accent1"/>
+    </dgm:fillClrLst>
+    <dgm:linClrLst meth="repeat">
+      <a:schemeClr val="lt1"/>
+    </dgm:linClrLst>
+    <dgm:effectClrLst/>
+    <dgm:txLinClrLst/>
+    <dgm:txFillClrLst/>
+    <dgm:txEffectClrLst/>
+  </dgm:styleLbl>
+  <dgm:styleLbl name="asst1">
+    <dgm:fillClrLst meth="repeat">
+      <a:schemeClr val="accent1"/>
+    </dgm:fillClrLst>
+    <dgm:linClrLst meth="repeat">
+      <a:schemeClr val="lt1"/>
+    </dgm:linClrLst>
+    <dgm:effectClrLst/>
+    <dgm:txLinClrLst/>
+    <dgm:txFillClrLst/>
+    <dgm:txEffectClrLst/>
+  </dgm:styleLbl>
+  <dgm:styleLbl name="asst2">
+    <dgm:fillClrLst meth="repeat">
+      <a:schemeClr val="accent1"/>
+    </dgm:fillClrLst>
+    <dgm:linClrLst meth="repeat">
+      <a:schemeClr val="lt1"/>
+    </dgm:linClrLst>
+    <dgm:effectClrLst/>
+    <dgm:txLinClrLst/>
+    <dgm:txFillClrLst/>
+    <dgm:txEffectClrLst/>
+  </dgm:styleLbl>
+  <dgm:styleLbl name="asst3">
+    <dgm:fillClrLst meth="repeat">
+      <a:schemeClr val="accent1"/>
+    </dgm:fillClrLst>
+    <dgm:linClrLst meth="repeat">
+      <a:schemeClr val="lt1"/>
+    </dgm:linClrLst>
+    <dgm:effectClrLst/>
+    <dgm:txLinClrLst/>
+    <dgm:txFillClrLst/>
+    <dgm:txEffectClrLst/>
+  </dgm:styleLbl>
+  <dgm:styleLbl name="asst4">
+    <dgm:fillClrLst meth="repeat">
+      <a:schemeClr val="accent1"/>
+    </dgm:fillClrLst>
+    <dgm:linClrLst meth="repeat">
+      <a:schemeClr val="lt1"/>
+    </dgm:linClrLst>
+    <dgm:effectClrLst/>
+    <dgm:txLinClrLst/>
+    <dgm:txFillClrLst/>
+    <dgm:txEffectClrLst/>
+  </dgm:styleLbl>
+  <dgm:styleLbl name="parChTrans2D1">
+    <dgm:fillClrLst meth="repeat">
+      <a:schemeClr val="accent1">
+        <a:tint val="60000"/>
+      </a:schemeClr>
+    </dgm:fillClrLst>
+    <dgm:linClrLst meth="repeat">
+      <a:schemeClr val="accent1">
+        <a:tint val="60000"/>
+      </a:schemeClr>
+    </dgm:linClrLst>
+    <dgm:effectClrLst/>
+    <dgm:txLinClrLst/>
+    <dgm:txFillClrLst meth="repeat">
+      <a:schemeClr val="lt1"/>
+    </dgm:txFillClrLst>
+    <dgm:txEffectClrLst/>
+  </dgm:styleLbl>
+  <dgm:styleLbl name="parChTrans2D2">
+    <dgm:fillClrLst meth="repeat">
+      <a:schemeClr val="accent1"/>
+    </dgm:fillClrLst>
+    <dgm:linClrLst meth="repeat">
+      <a:schemeClr val="accent1"/>
+    </dgm:linClrLst>
+    <dgm:effectClrLst/>
+    <dgm:txLinClrLst/>
+    <dgm:txFillClrLst meth="repeat">
+      <a:schemeClr val="lt1"/>
+    </dgm:txFillClrLst>
+    <dgm:txEffectClrLst/>
+  </dgm:styleLbl>
+  <dgm:styleLbl name="parChTrans2D3">
+    <dgm:fillClrLst meth="repeat">
+      <a:schemeClr val="accent1"/>
+    </dgm:fillClrLst>
+    <dgm:linClrLst meth="repeat">
+      <a:schemeClr val="accent1"/>
+    </dgm:linClrLst>
+    <dgm:effectClrLst/>
+    <dgm:txLinClrLst/>
+    <dgm:txFillClrLst meth="repeat">
+      <a:schemeClr val="lt1"/>
+    </dgm:txFillClrLst>
+    <dgm:txEffectClrLst/>
+  </dgm:styleLbl>
+  <dgm:styleLbl name="parChTrans2D4">
+    <dgm:fillClrLst meth="repeat">
+      <a:schemeClr val="accent1"/>
+    </dgm:fillClrLst>
+    <dgm:linClrLst meth="repeat">
+      <a:schemeClr val="accent1"/>
+    </dgm:linClrLst>
+    <dgm:effectClrLst/>
+    <dgm:txLinClrLst/>
+    <dgm:txFillClrLst meth="repeat">
+      <a:schemeClr val="lt1"/>
+    </dgm:txFillClrLst>
+    <dgm:txEffectClrLst/>
+  </dgm:styleLbl>
+  <dgm:styleLbl name="parChTrans1D1">
+    <dgm:fillClrLst meth="repeat">
+      <a:schemeClr val="accent1"/>
+    </dgm:fillClrLst>
+    <dgm:linClrLst meth="repeat">
+      <a:schemeClr val="accent1">
+        <a:shade val="60000"/>
+      </a:schemeClr>
+    </dgm:linClrLst>
+    <dgm:effectClrLst/>
+    <dgm:txLinClrLst/>
+    <dgm:txFillClrLst meth="repeat">
+      <a:schemeClr val="tx1"/>
+    </dgm:txFillClrLst>
+    <dgm:txEffectClrLst/>
+  </dgm:styleLbl>
+  <dgm:styleLbl name="parChTrans1D2">
+    <dgm:fillClrLst meth="repeat">
+      <a:schemeClr val="accent1"/>
+    </dgm:fillClrLst>
+    <dgm:linClrLst meth="repeat">
+      <a:schemeClr val="accent1">
+        <a:shade val="60000"/>
+      </a:schemeClr>
+    </dgm:linClrLst>
+    <dgm:effectClrLst/>
+    <dgm:txLinClrLst/>
+    <dgm:txFillClrLst meth="repeat">
+      <a:schemeClr val="tx1"/>
+    </dgm:txFillClrLst>
+    <dgm:txEffectClrLst/>
+  </dgm:styleLbl>
+  <dgm:styleLbl name="parChTrans1D3">
+    <dgm:fillClrLst meth="repeat">
+      <a:schemeClr val="accent1"/>
+    </dgm:fillClrLst>
+    <dgm:linClrLst meth="repeat">
+      <a:schemeClr val="accent1">
+        <a:shade val="80000"/>
+      </a:schemeClr>
+    </dgm:linClrLst>
+    <dgm:effectClrLst/>
+    <dgm:txLinClrLst/>
+    <dgm:txFillClrLst meth="repeat">
+      <a:schemeClr val="tx1"/>
+    </dgm:txFillClrLst>
+    <dgm:txEffectClrLst/>
+  </dgm:styleLbl>
+  <dgm:styleLbl name="parChTrans1D4">
+    <dgm:fillClrLst meth="repeat">
+      <a:schemeClr val="accent1"/>
+    </dgm:fillClrLst>
+    <dgm:linClrLst meth="repeat">
+      <a:schemeClr val="accent1">
+        <a:shade val="80000"/>
+      </a:schemeClr>
+    </dgm:linClrLst>
+    <dgm:effectClrLst/>
+    <dgm:txLinClrLst/>
+    <dgm:txFillClrLst meth="repeat">
+      <a:schemeClr val="tx1"/>
+    </dgm:txFillClrLst>
+    <dgm:txEffectClrLst/>
+  </dgm:styleLbl>
+  <dgm:styleLbl name="fgAcc1">
+    <dgm:fillClrLst meth="repeat">
+      <a:schemeClr val="lt1">
+        <a:alpha val="90000"/>
+      </a:schemeClr>
+    </dgm:fillClrLst>
+    <dgm:linClrLst meth="repeat">
+      <a:schemeClr val="accent1"/>
+    </dgm:linClrLst>
+    <dgm:effectClrLst/>
+    <dgm:txLinClrLst/>
+    <dgm:txFillClrLst meth="repeat">
+      <a:schemeClr val="dk1"/>
+    </dgm:txFillClrLst>
+    <dgm:txEffectClrLst/>
+  </dgm:styleLbl>
+  <dgm:styleLbl name="conFgAcc1">
+    <dgm:fillClrLst meth="repeat">
+      <a:schemeClr val="lt1">
+        <a:alpha val="90000"/>
+      </a:schemeClr>
+    </dgm:fillClrLst>
+    <dgm:linClrLst meth="repeat">
+      <a:schemeClr val="accent1"/>
+    </dgm:linClrLst>
+    <dgm:effectClrLst/>
+    <dgm:txLinClrLst/>
+    <dgm:txFillClrLst meth="repeat">
+      <a:schemeClr val="dk1"/>
+    </dgm:txFillClrLst>
+    <dgm:txEffectClrLst/>
+  </dgm:styleLbl>
+  <dgm:styleLbl name="alignAcc1">
+    <dgm:fillClrLst meth="repeat">
+      <a:schemeClr val="lt1">
+        <a:alpha val="90000"/>
+      </a:schemeClr>
+    </dgm:fillClrLst>
+    <dgm:linClrLst meth="repeat">
+      <a:schemeClr val="accent1"/>
+    </dgm:linClrLst>
+    <dgm:effectClrLst/>
+    <dgm:txLinClrLst/>
+    <dgm:txFillClrLst meth="repeat">
+      <a:schemeClr val="dk1"/>
+    </dgm:txFillClrLst>
+    <dgm:txEffectClrLst/>
+  </dgm:styleLbl>
+  <dgm:styleLbl name="trAlignAcc1">
+    <dgm:fillClrLst meth="repeat">
+      <a:schemeClr val="lt1">
+        <a:alpha val="40000"/>
+      </a:schemeClr>
+    </dgm:fillClrLst>
+    <dgm:linClrLst meth="repeat">
+      <a:schemeClr val="accent1"/>
+    </dgm:linClrLst>
+    <dgm:effectClrLst/>
+    <dgm:txLinClrLst/>
+    <dgm:txFillClrLst meth="repeat">
+      <a:schemeClr val="dk1"/>
+    </dgm:txFillClrLst>
+    <dgm:txEffectClrLst/>
+  </dgm:styleLbl>
+  <dgm:styleLbl name="bgAcc1">
+    <dgm:fillClrLst meth="repeat">
+      <a:schemeClr val="lt1">
+        <a:alpha val="90000"/>
+      </a:schemeClr>
+    </dgm:fillClrLst>
+    <dgm:linClrLst meth="repeat">
+      <a:schemeClr val="accent1"/>
+    </dgm:linClrLst>
+    <dgm:effectClrLst/>
+    <dgm:txLinClrLst/>
+    <dgm:txFillClrLst meth="repeat">
+      <a:schemeClr val="dk1"/>
+    </dgm:txFillClrLst>
+    <dgm:txEffectClrLst/>
+  </dgm:styleLbl>
+  <dgm:styleLbl name="solidFgAcc1">
+    <dgm:fillClrLst meth="repeat">
+      <a:schemeClr val="lt1"/>
+    </dgm:fillClrLst>
+    <dgm:linClrLst meth="repeat">
+      <a:schemeClr val="accent1"/>
+    </dgm:linClrLst>
+    <dgm:effectClrLst/>
+    <dgm:txLinClrLst/>
+    <dgm:txFillClrLst meth="repeat">
+      <a:schemeClr val="dk1"/>
+    </dgm:txFillClrLst>
+    <dgm:txEffectClrLst/>
+  </dgm:styleLbl>
+  <dgm:styleLbl name="solidAlignAcc1">
+    <dgm:fillClrLst meth="repeat">
+      <a:schemeClr val="lt1"/>
+    </dgm:fillClrLst>
+    <dgm:linClrLst meth="repeat">
+      <a:schemeClr val="accent1"/>
+    </dgm:linClrLst>
+    <dgm:effectClrLst/>
+    <dgm:txLinClrLst/>
+    <dgm:txFillClrLst meth="repeat">
+      <a:schemeClr val="dk1"/>
+    </dgm:txFillClrLst>
+    <dgm:txEffectClrLst/>
+  </dgm:styleLbl>
+  <dgm:styleLbl name="solidBgAcc1">
+    <dgm:fillClrLst meth="repeat">
+      <a:schemeClr val="lt1"/>
+    </dgm:fillClrLst>
+    <dgm:linClrLst meth="repeat">
+      <a:schemeClr val="accent1"/>
+    </dgm:linClrLst>
+    <dgm:effectClrLst/>
+    <dgm:txLinClrLst/>
+    <dgm:txFillClrLst meth="repeat">
+      <a:schemeClr val="dk1"/>
+    </dgm:txFillClrLst>
+    <dgm:txEffectClrLst/>
+  </dgm:styleLbl>
+  <dgm:styleLbl name="fgAccFollowNode1">
+    <dgm:fillClrLst meth="repeat">
+      <a:schemeClr val="accent1">
+        <a:alpha val="90000"/>
+        <a:tint val="40000"/>
+      </a:schemeClr>
+    </dgm:fillClrLst>
+    <dgm:linClrLst meth="repeat">
+      <a:schemeClr val="accent1">
+        <a:alpha val="90000"/>
+        <a:tint val="40000"/>
+      </a:schemeClr>
+    </dgm:linClrLst>
+    <dgm:effectClrLst/>
+    <dgm:txLinClrLst/>
+    <dgm:txFillClrLst meth="repeat">
+      <a:schemeClr val="dk1"/>
+    </dgm:txFillClrLst>
+    <dgm:txEffectClrLst/>
+  </dgm:styleLbl>
+  <dgm:styleLbl name="alignAccFollowNode1">
+    <dgm:fillClrLst meth="repeat">
+      <a:schemeClr val="accent1">
+        <a:alpha val="90000"/>
+        <a:tint val="40000"/>
+      </a:schemeClr>
+    </dgm:fillClrLst>
+    <dgm:linClrLst meth="repeat">
+      <a:schemeClr val="accent1">
+        <a:alpha val="90000"/>
+        <a:tint val="40000"/>
+      </a:schemeClr>
+    </dgm:linClrLst>
+    <dgm:effectClrLst/>
+    <dgm:txLinClrLst/>
+    <dgm:txFillClrLst meth="repeat">
+      <a:schemeClr val="dk1"/>
+    </dgm:txFillClrLst>
+    <dgm:txEffectClrLst/>
+  </dgm:styleLbl>
+  <dgm:styleLbl name="bgAccFollowNode1">
+    <dgm:fillClrLst meth="repeat">
+      <a:schemeClr val="accent1">
+        <a:alpha val="90000"/>
+        <a:tint val="40000"/>
+      </a:schemeClr>
+    </dgm:fillClrLst>
+    <dgm:linClrLst meth="repeat">
+      <a:schemeClr val="accent1">
+        <a:alpha val="90000"/>
+        <a:tint val="40000"/>
+      </a:schemeClr>
+    </dgm:linClrLst>
+    <dgm:effectClrLst/>
+    <dgm:txLinClrLst/>
+    <dgm:txFillClrLst meth="repeat">
+      <a:schemeClr val="dk1"/>
+    </dgm:txFillClrLst>
+    <dgm:txEffectClrLst/>
+  </dgm:styleLbl>
+  <dgm:styleLbl name="fgAcc0">
+    <dgm:fillClrLst meth="repeat">
+      <a:schemeClr val="lt1">
+        <a:alpha val="90000"/>
+      </a:schemeClr>
+    </dgm:fillClrLst>
+    <dgm:linClrLst meth="repeat">
+      <a:schemeClr val="accent1"/>
+    </dgm:linClrLst>
+    <dgm:effectClrLst/>
+    <dgm:txLinClrLst/>
+    <dgm:txFillClrLst meth="repeat">
+      <a:schemeClr val="dk1"/>
+    </dgm:txFillClrLst>
+    <dgm:txEffectClrLst/>
+  </dgm:styleLbl>
+  <dgm:styleLbl name="fgAcc2">
+    <dgm:fillClrLst meth="repeat">
+      <a:schemeClr val="lt1">
+        <a:alpha val="90000"/>
+      </a:schemeClr>
+    </dgm:fillClrLst>
+    <dgm:linClrLst meth="repeat">
+      <a:schemeClr val="accent1"/>
+    </dgm:linClrLst>
+    <dgm:effectClrLst/>
+    <dgm:txLinClrLst/>
+    <dgm:txFillClrLst meth="repeat">
+      <a:schemeClr val="dk1"/>
+    </dgm:txFillClrLst>
+    <dgm:txEffectClrLst/>
+  </dgm:styleLbl>
+  <dgm:styleLbl name="fgAcc3">
+    <dgm:fillClrLst meth="repeat">
+      <a:schemeClr val="lt1">
+        <a:alpha val="90000"/>
+      </a:schemeClr>
+    </dgm:fillClrLst>
+    <dgm:linClrLst meth="repeat">
+      <a:schemeClr val="accent1"/>
+    </dgm:linClrLst>
+    <dgm:effectClrLst/>
+    <dgm:txLinClrLst/>
+    <dgm:txFillClrLst meth="repeat">
+      <a:schemeClr val="dk1"/>
+    </dgm:txFillClrLst>
+    <dgm:txEffectClrLst/>
+  </dgm:styleLbl>
+  <dgm:styleLbl name="fgAcc4">
+    <dgm:fillClrLst meth="repeat">
+      <a:schemeClr val="lt1">
+        <a:alpha val="90000"/>
+      </a:schemeClr>
+    </dgm:fillClrLst>
+    <dgm:linClrLst meth="repeat">
+      <a:schemeClr val="accent1"/>
+    </dgm:linClrLst>
+    <dgm:effectClrLst/>
+    <dgm:txLinClrLst/>
+    <dgm:txFillClrLst meth="repeat">
+      <a:schemeClr val="dk1"/>
+    </dgm:txFillClrLst>
+    <dgm:txEffectClrLst/>
+  </dgm:styleLbl>
+  <dgm:styleLbl name="bgShp">
+    <dgm:fillClrLst meth="repeat">
+      <a:schemeClr val="accent1">
+        <a:tint val="40000"/>
+      </a:schemeClr>
+    </dgm:fillClrLst>
+    <dgm:linClrLst meth="repeat">
+      <a:schemeClr val="accent1"/>
+    </dgm:linClrLst>
+    <dgm:effectClrLst/>
+    <dgm:txLinClrLst/>
+    <dgm:txFillClrLst meth="repeat">
+      <a:schemeClr val="dk1"/>
+    </dgm:txFillClrLst>
+    <dgm:txEffectClrLst/>
+  </dgm:styleLbl>
+  <dgm:styleLbl name="dkBgShp">
+    <dgm:fillClrLst meth="repeat">
+      <a:schemeClr val="accent1">
+        <a:shade val="80000"/>
+      </a:schemeClr>
+    </dgm:fillClrLst>
+    <dgm:linClrLst meth="repeat">
+      <a:schemeClr val="accent1"/>
+    </dgm:linClrLst>
+    <dgm:effectClrLst/>
+    <dgm:txLinClrLst/>
+    <dgm:txFillClrLst meth="repeat">
+      <a:schemeClr val="lt1"/>
+    </dgm:txFillClrLst>
+    <dgm:txEffectClrLst/>
+  </dgm:styleLbl>
+  <dgm:styleLbl name="trBgShp">
+    <dgm:fillClrLst meth="repeat">
+      <a:schemeClr val="accent1">
+        <a:tint val="50000"/>
+        <a:alpha val="40000"/>
+      </a:schemeClr>
+    </dgm:fillClrLst>
+    <dgm:linClrLst meth="repeat">
+      <a:schemeClr val="accent1"/>
+    </dgm:linClrLst>
+    <dgm:effectClrLst/>
+    <dgm:txLinClrLst/>
+    <dgm:txFillClrLst meth="repeat">
+      <a:schemeClr val="lt1"/>
+    </dgm:txFillClrLst>
+    <dgm:txEffectClrLst/>
+  </dgm:styleLbl>
+  <dgm:styleLbl name="fgShp">
+    <dgm:fillClrLst meth="repeat">
+      <a:schemeClr val="accent1">
+        <a:tint val="60000"/>
+      </a:schemeClr>
+    </dgm:fillClrLst>
+    <dgm:linClrLst meth="repeat">
+      <a:schemeClr val="lt1"/>
+    </dgm:linClrLst>
+    <dgm:effectClrLst/>
+    <dgm:txLinClrLst/>
+    <dgm:txFillClrLst meth="repeat">
+      <a:schemeClr val="dk1"/>
+    </dgm:txFillClrLst>
+    <dgm:txEffectClrLst/>
+  </dgm:styleLbl>
+  <dgm:styleLbl name="revTx">
+    <dgm:fillClrLst meth="repeat">
+      <a:schemeClr val="lt1">
+        <a:alpha val="0"/>
+      </a:schemeClr>
+    </dgm:fillClrLst>
+    <dgm:linClrLst meth="repeat">
+      <a:schemeClr val="dk1">
+        <a:alpha val="0"/>
+      </a:schemeClr>
+    </dgm:linClrLst>
+    <dgm:effectClrLst/>
+    <dgm:txLinClrLst/>
+    <dgm:txFillClrLst meth="repeat">
+      <a:schemeClr val="tx1"/>
+    </dgm:txFillClrLst>
+    <dgm:txEffectClrLst/>
+  </dgm:styleLbl>
+</dgm:colorsDef>
+</file>
+
+<file path=ppt/diagrams/data1.xml><?xml version="1.0" encoding="utf-8"?>
+<dgm:dataModel xmlns:dgm="http://schemas.openxmlformats.org/drawingml/2006/diagram" xmlns:a="http://schemas.openxmlformats.org/drawingml/2006/main">
+  <dgm:ptLst>
+    <dgm:pt modelId="{A997489A-18E8-4E32-8709-EB100609EC7C}" type="doc">
+      <dgm:prSet loTypeId="urn:microsoft.com/office/officeart/2005/8/layout/hierarchy1" loCatId="hierarchy" qsTypeId="urn:microsoft.com/office/officeart/2005/8/quickstyle/simple1" qsCatId="simple" csTypeId="urn:microsoft.com/office/officeart/2005/8/colors/accent1_2" csCatId="accent1" phldr="1"/>
+      <dgm:spPr/>
+      <dgm:t>
+        <a:bodyPr/>
+        <a:lstStyle/>
+        <a:p>
+          <a:endParaRPr lang="en-AU"/>
+        </a:p>
+      </dgm:t>
+    </dgm:pt>
+    <dgm:pt modelId="{760485E7-2848-472E-90D6-6D4321291025}">
+      <dgm:prSet phldrT="[Text]"/>
+      <dgm:spPr/>
+      <dgm:t>
+        <a:bodyPr/>
+        <a:lstStyle/>
+        <a:p>
+          <a:r>
+            <a:rPr lang="en-US" dirty="0" err="1"/>
+            <a:t>Nelder</a:t>
+          </a:r>
+          <a:r>
+            <a:rPr lang="en-US" dirty="0"/>
+            <a:t>-Mead </a:t>
+          </a:r>
+          <a:r>
+            <a:rPr lang="en-US" dirty="0" err="1"/>
+            <a:t>Optimiser</a:t>
+          </a:r>
+          <a:endParaRPr lang="en-AU" dirty="0"/>
+        </a:p>
+      </dgm:t>
+    </dgm:pt>
+    <dgm:pt modelId="{CF189CE4-F343-43FB-9F1D-159C69FED9A7}" type="parTrans" cxnId="{E2B4BD9E-0496-4D87-B700-249C9D0D5B25}">
+      <dgm:prSet/>
+      <dgm:spPr/>
+      <dgm:t>
+        <a:bodyPr/>
+        <a:lstStyle/>
+        <a:p>
+          <a:endParaRPr lang="en-AU"/>
+        </a:p>
+      </dgm:t>
+    </dgm:pt>
+    <dgm:pt modelId="{DDC969FF-AA5A-4313-9368-78DD18D80248}" type="sibTrans" cxnId="{E2B4BD9E-0496-4D87-B700-249C9D0D5B25}">
+      <dgm:prSet/>
+      <dgm:spPr/>
+      <dgm:t>
+        <a:bodyPr/>
+        <a:lstStyle/>
+        <a:p>
+          <a:endParaRPr lang="en-AU"/>
+        </a:p>
+      </dgm:t>
+    </dgm:pt>
+    <dgm:pt modelId="{2740FD78-6D3D-486B-BEE9-D7B2A77E6948}">
+      <dgm:prSet phldrT="[Text]"/>
+      <dgm:spPr/>
+      <dgm:t>
+        <a:bodyPr/>
+        <a:lstStyle/>
+        <a:p>
+          <a:r>
+            <a:rPr lang="en-US" dirty="0"/>
+            <a:t>Bayesian </a:t>
+          </a:r>
+          <a:r>
+            <a:rPr lang="en-US" dirty="0" err="1"/>
+            <a:t>Optimiser</a:t>
+          </a:r>
+          <a:endParaRPr lang="en-AU" dirty="0"/>
+        </a:p>
+      </dgm:t>
+    </dgm:pt>
+    <dgm:pt modelId="{BD8E5EA3-CD71-4230-9396-B57597577043}" type="parTrans" cxnId="{613816BD-4428-4F60-8EAD-2B63E70E7434}">
+      <dgm:prSet/>
+      <dgm:spPr/>
+      <dgm:t>
+        <a:bodyPr/>
+        <a:lstStyle/>
+        <a:p>
+          <a:endParaRPr lang="en-AU"/>
+        </a:p>
+      </dgm:t>
+    </dgm:pt>
+    <dgm:pt modelId="{69F25BCE-5E63-449D-BA68-0F993809CAB1}" type="sibTrans" cxnId="{613816BD-4428-4F60-8EAD-2B63E70E7434}">
+      <dgm:prSet/>
+      <dgm:spPr/>
+      <dgm:t>
+        <a:bodyPr/>
+        <a:lstStyle/>
+        <a:p>
+          <a:endParaRPr lang="en-AU"/>
+        </a:p>
+      </dgm:t>
+    </dgm:pt>
+    <dgm:pt modelId="{5BA3B12A-E335-4478-B0EC-578476540499}">
+      <dgm:prSet phldrT="[Text]"/>
+      <dgm:spPr/>
+      <dgm:t>
+        <a:bodyPr/>
+        <a:lstStyle/>
+        <a:p>
+          <a:r>
+            <a:rPr lang="en-US" dirty="0"/>
+            <a:t>Other </a:t>
+          </a:r>
+          <a:r>
+            <a:rPr lang="en-US" dirty="0" err="1"/>
+            <a:t>optimisers</a:t>
+          </a:r>
+          <a:endParaRPr lang="en-AU" dirty="0"/>
+        </a:p>
+      </dgm:t>
+    </dgm:pt>
+    <dgm:pt modelId="{B64CCA89-4E76-4CE7-B798-6C3341B51AFD}" type="parTrans" cxnId="{24630AF8-7F81-4558-BD25-40CD5559BD84}">
+      <dgm:prSet/>
+      <dgm:spPr/>
+      <dgm:t>
+        <a:bodyPr/>
+        <a:lstStyle/>
+        <a:p>
+          <a:endParaRPr lang="en-AU"/>
+        </a:p>
+      </dgm:t>
+    </dgm:pt>
+    <dgm:pt modelId="{97434E46-290D-4FB1-9C70-3BAF7F8C1E14}" type="sibTrans" cxnId="{24630AF8-7F81-4558-BD25-40CD5559BD84}">
+      <dgm:prSet/>
+      <dgm:spPr/>
+      <dgm:t>
+        <a:bodyPr/>
+        <a:lstStyle/>
+        <a:p>
+          <a:endParaRPr lang="en-AU"/>
+        </a:p>
+      </dgm:t>
+    </dgm:pt>
+    <dgm:pt modelId="{D2040A88-DC98-4268-AC3C-FA1CDE900A1F}">
+      <dgm:prSet phldrT="[Text]"/>
+      <dgm:spPr/>
+      <dgm:t>
+        <a:bodyPr/>
+        <a:lstStyle/>
+        <a:p>
+          <a:r>
+            <a:rPr lang="en-US" dirty="0" err="1"/>
+            <a:t>TopasOpt</a:t>
+          </a:r>
+          <a:r>
+            <a:rPr lang="en-US" dirty="0"/>
+            <a:t> Base Class</a:t>
+          </a:r>
+          <a:endParaRPr lang="en-AU" dirty="0"/>
+        </a:p>
+      </dgm:t>
+    </dgm:pt>
+    <dgm:pt modelId="{BD5DD8AD-A741-4D64-AE12-8A569133A0E0}" type="sibTrans" cxnId="{8DBE6120-487A-427E-8207-E710D5EE9BC2}">
+      <dgm:prSet/>
+      <dgm:spPr/>
+      <dgm:t>
+        <a:bodyPr/>
+        <a:lstStyle/>
+        <a:p>
+          <a:endParaRPr lang="en-AU"/>
+        </a:p>
+      </dgm:t>
+    </dgm:pt>
+    <dgm:pt modelId="{4EEDE561-3FEA-463F-8CD7-D3A5A855D916}" type="parTrans" cxnId="{8DBE6120-487A-427E-8207-E710D5EE9BC2}">
+      <dgm:prSet/>
+      <dgm:spPr/>
+      <dgm:t>
+        <a:bodyPr/>
+        <a:lstStyle/>
+        <a:p>
+          <a:endParaRPr lang="en-AU"/>
+        </a:p>
+      </dgm:t>
+    </dgm:pt>
+    <dgm:pt modelId="{1FF352ED-BD34-4132-A1BA-D1A5260D8B43}" type="pres">
+      <dgm:prSet presAssocID="{A997489A-18E8-4E32-8709-EB100609EC7C}" presName="hierChild1" presStyleCnt="0">
+        <dgm:presLayoutVars>
+          <dgm:chPref val="1"/>
+          <dgm:dir/>
+          <dgm:animOne val="branch"/>
+          <dgm:animLvl val="lvl"/>
+          <dgm:resizeHandles/>
+        </dgm:presLayoutVars>
+      </dgm:prSet>
+      <dgm:spPr/>
+    </dgm:pt>
+    <dgm:pt modelId="{9A8F58E7-8019-416B-819C-3E0245DFF007}" type="pres">
+      <dgm:prSet presAssocID="{D2040A88-DC98-4268-AC3C-FA1CDE900A1F}" presName="hierRoot1" presStyleCnt="0"/>
+      <dgm:spPr/>
+    </dgm:pt>
+    <dgm:pt modelId="{E3073106-1B29-4361-B42A-F3C9BC16AF7F}" type="pres">
+      <dgm:prSet presAssocID="{D2040A88-DC98-4268-AC3C-FA1CDE900A1F}" presName="composite" presStyleCnt="0"/>
+      <dgm:spPr/>
+    </dgm:pt>
+    <dgm:pt modelId="{EDFABA5C-EF01-4399-A582-F0B4180721AF}" type="pres">
+      <dgm:prSet presAssocID="{D2040A88-DC98-4268-AC3C-FA1CDE900A1F}" presName="background" presStyleLbl="node0" presStyleIdx="0" presStyleCnt="1"/>
+      <dgm:spPr/>
+    </dgm:pt>
+    <dgm:pt modelId="{058A5A77-CA2E-4749-ABAA-3E0648D9E32F}" type="pres">
+      <dgm:prSet presAssocID="{D2040A88-DC98-4268-AC3C-FA1CDE900A1F}" presName="text" presStyleLbl="fgAcc0" presStyleIdx="0" presStyleCnt="1" custLinFactNeighborX="-1553" custLinFactNeighborY="-44033">
+        <dgm:presLayoutVars>
+          <dgm:chPref val="3"/>
+        </dgm:presLayoutVars>
+      </dgm:prSet>
+      <dgm:spPr/>
+    </dgm:pt>
+    <dgm:pt modelId="{7FCB40C5-B2BF-4225-9134-567424C70B06}" type="pres">
+      <dgm:prSet presAssocID="{D2040A88-DC98-4268-AC3C-FA1CDE900A1F}" presName="hierChild2" presStyleCnt="0"/>
+      <dgm:spPr/>
+    </dgm:pt>
+    <dgm:pt modelId="{76C095CC-8C37-4D40-B242-09C166A359BC}" type="pres">
+      <dgm:prSet presAssocID="{CF189CE4-F343-43FB-9F1D-159C69FED9A7}" presName="Name10" presStyleLbl="parChTrans1D2" presStyleIdx="0" presStyleCnt="3"/>
+      <dgm:spPr/>
+    </dgm:pt>
+    <dgm:pt modelId="{3CFC2457-ECBE-4C7E-AA4A-B2C95AB20DE1}" type="pres">
+      <dgm:prSet presAssocID="{760485E7-2848-472E-90D6-6D4321291025}" presName="hierRoot2" presStyleCnt="0"/>
+      <dgm:spPr/>
+    </dgm:pt>
+    <dgm:pt modelId="{C264609B-9C4D-4D34-9216-DB3655AC8680}" type="pres">
+      <dgm:prSet presAssocID="{760485E7-2848-472E-90D6-6D4321291025}" presName="composite2" presStyleCnt="0"/>
+      <dgm:spPr/>
+    </dgm:pt>
+    <dgm:pt modelId="{67F04471-CE1B-4E68-8E60-065EE921FE7B}" type="pres">
+      <dgm:prSet presAssocID="{760485E7-2848-472E-90D6-6D4321291025}" presName="background2" presStyleLbl="node2" presStyleIdx="0" presStyleCnt="3"/>
+      <dgm:spPr/>
+    </dgm:pt>
+    <dgm:pt modelId="{1AB7223D-EA1D-4E9B-BBB6-6EB1307B4933}" type="pres">
+      <dgm:prSet presAssocID="{760485E7-2848-472E-90D6-6D4321291025}" presName="text2" presStyleLbl="fgAcc2" presStyleIdx="0" presStyleCnt="3">
+        <dgm:presLayoutVars>
+          <dgm:chPref val="3"/>
+        </dgm:presLayoutVars>
+      </dgm:prSet>
+      <dgm:spPr/>
+    </dgm:pt>
+    <dgm:pt modelId="{860C94AB-AC63-41AA-9FEF-BBC0965AEBAD}" type="pres">
+      <dgm:prSet presAssocID="{760485E7-2848-472E-90D6-6D4321291025}" presName="hierChild3" presStyleCnt="0"/>
+      <dgm:spPr/>
+    </dgm:pt>
+    <dgm:pt modelId="{F3E0AFEF-86D8-4B77-ADA6-4F1A1F15CD3D}" type="pres">
+      <dgm:prSet presAssocID="{BD8E5EA3-CD71-4230-9396-B57597577043}" presName="Name10" presStyleLbl="parChTrans1D2" presStyleIdx="1" presStyleCnt="3"/>
+      <dgm:spPr/>
+    </dgm:pt>
+    <dgm:pt modelId="{4B3D782F-D225-4E19-A5C2-8DEE700BBC4C}" type="pres">
+      <dgm:prSet presAssocID="{2740FD78-6D3D-486B-BEE9-D7B2A77E6948}" presName="hierRoot2" presStyleCnt="0"/>
+      <dgm:spPr/>
+    </dgm:pt>
+    <dgm:pt modelId="{6A96A53C-4FBD-4A1A-B8D3-9124757857D7}" type="pres">
+      <dgm:prSet presAssocID="{2740FD78-6D3D-486B-BEE9-D7B2A77E6948}" presName="composite2" presStyleCnt="0"/>
+      <dgm:spPr/>
+    </dgm:pt>
+    <dgm:pt modelId="{494C29B1-0B33-490D-9351-0CD2E11A05A4}" type="pres">
+      <dgm:prSet presAssocID="{2740FD78-6D3D-486B-BEE9-D7B2A77E6948}" presName="background2" presStyleLbl="node2" presStyleIdx="1" presStyleCnt="3"/>
+      <dgm:spPr/>
+    </dgm:pt>
+    <dgm:pt modelId="{20487E87-B3E6-4629-A97F-20B44B1891A2}" type="pres">
+      <dgm:prSet presAssocID="{2740FD78-6D3D-486B-BEE9-D7B2A77E6948}" presName="text2" presStyleLbl="fgAcc2" presStyleIdx="1" presStyleCnt="3">
+        <dgm:presLayoutVars>
+          <dgm:chPref val="3"/>
+        </dgm:presLayoutVars>
+      </dgm:prSet>
+      <dgm:spPr/>
+    </dgm:pt>
+    <dgm:pt modelId="{753C63AA-D6B7-48FF-AC43-EB653AF4FCC8}" type="pres">
+      <dgm:prSet presAssocID="{2740FD78-6D3D-486B-BEE9-D7B2A77E6948}" presName="hierChild3" presStyleCnt="0"/>
+      <dgm:spPr/>
+    </dgm:pt>
+    <dgm:pt modelId="{A48744BF-AF07-4EC7-9EB5-24FE6DE968E7}" type="pres">
+      <dgm:prSet presAssocID="{B64CCA89-4E76-4CE7-B798-6C3341B51AFD}" presName="Name10" presStyleLbl="parChTrans1D2" presStyleIdx="2" presStyleCnt="3"/>
+      <dgm:spPr/>
+    </dgm:pt>
+    <dgm:pt modelId="{8CB74FDB-923F-4FF5-BE07-570A1144CE51}" type="pres">
+      <dgm:prSet presAssocID="{5BA3B12A-E335-4478-B0EC-578476540499}" presName="hierRoot2" presStyleCnt="0"/>
+      <dgm:spPr/>
+    </dgm:pt>
+    <dgm:pt modelId="{30137E75-1E22-4866-A643-AA963AC6388B}" type="pres">
+      <dgm:prSet presAssocID="{5BA3B12A-E335-4478-B0EC-578476540499}" presName="composite2" presStyleCnt="0"/>
+      <dgm:spPr/>
+    </dgm:pt>
+    <dgm:pt modelId="{DCC66989-F8BD-4509-8ED8-A103869DCFF9}" type="pres">
+      <dgm:prSet presAssocID="{5BA3B12A-E335-4478-B0EC-578476540499}" presName="background2" presStyleLbl="node2" presStyleIdx="2" presStyleCnt="3"/>
+      <dgm:spPr/>
+    </dgm:pt>
+    <dgm:pt modelId="{556BAABD-C2B9-4946-BB39-3B6FDCE5110E}" type="pres">
+      <dgm:prSet presAssocID="{5BA3B12A-E335-4478-B0EC-578476540499}" presName="text2" presStyleLbl="fgAcc2" presStyleIdx="2" presStyleCnt="3">
+        <dgm:presLayoutVars>
+          <dgm:chPref val="3"/>
+        </dgm:presLayoutVars>
+      </dgm:prSet>
+      <dgm:spPr/>
+    </dgm:pt>
+    <dgm:pt modelId="{532F3446-49E7-4334-9FF5-63EC76BA6D7F}" type="pres">
+      <dgm:prSet presAssocID="{5BA3B12A-E335-4478-B0EC-578476540499}" presName="hierChild3" presStyleCnt="0"/>
+      <dgm:spPr/>
+    </dgm:pt>
+  </dgm:ptLst>
+  <dgm:cxnLst>
+    <dgm:cxn modelId="{7765ED13-00F1-4D43-80E9-DE3F0B23AA01}" type="presOf" srcId="{5BA3B12A-E335-4478-B0EC-578476540499}" destId="{556BAABD-C2B9-4946-BB39-3B6FDCE5110E}" srcOrd="0" destOrd="0" presId="urn:microsoft.com/office/officeart/2005/8/layout/hierarchy1"/>
+    <dgm:cxn modelId="{8DBE6120-487A-427E-8207-E710D5EE9BC2}" srcId="{A997489A-18E8-4E32-8709-EB100609EC7C}" destId="{D2040A88-DC98-4268-AC3C-FA1CDE900A1F}" srcOrd="0" destOrd="0" parTransId="{4EEDE561-3FEA-463F-8CD7-D3A5A855D916}" sibTransId="{BD5DD8AD-A741-4D64-AE12-8A569133A0E0}"/>
+    <dgm:cxn modelId="{85B2A524-1138-4BA3-9BEE-A847B86F4FA1}" type="presOf" srcId="{BD8E5EA3-CD71-4230-9396-B57597577043}" destId="{F3E0AFEF-86D8-4B77-ADA6-4F1A1F15CD3D}" srcOrd="0" destOrd="0" presId="urn:microsoft.com/office/officeart/2005/8/layout/hierarchy1"/>
+    <dgm:cxn modelId="{9F68F041-66FD-453A-8C70-523EAC3718CC}" type="presOf" srcId="{CF189CE4-F343-43FB-9F1D-159C69FED9A7}" destId="{76C095CC-8C37-4D40-B242-09C166A359BC}" srcOrd="0" destOrd="0" presId="urn:microsoft.com/office/officeart/2005/8/layout/hierarchy1"/>
+    <dgm:cxn modelId="{E2B4BD9E-0496-4D87-B700-249C9D0D5B25}" srcId="{D2040A88-DC98-4268-AC3C-FA1CDE900A1F}" destId="{760485E7-2848-472E-90D6-6D4321291025}" srcOrd="0" destOrd="0" parTransId="{CF189CE4-F343-43FB-9F1D-159C69FED9A7}" sibTransId="{DDC969FF-AA5A-4313-9368-78DD18D80248}"/>
+    <dgm:cxn modelId="{121651A6-A38A-4DE5-90FE-FAA4C68A1266}" type="presOf" srcId="{A997489A-18E8-4E32-8709-EB100609EC7C}" destId="{1FF352ED-BD34-4132-A1BA-D1A5260D8B43}" srcOrd="0" destOrd="0" presId="urn:microsoft.com/office/officeart/2005/8/layout/hierarchy1"/>
+    <dgm:cxn modelId="{28AD7DB4-1C87-44AE-B5BE-B85FF60BCB60}" type="presOf" srcId="{D2040A88-DC98-4268-AC3C-FA1CDE900A1F}" destId="{058A5A77-CA2E-4749-ABAA-3E0648D9E32F}" srcOrd="0" destOrd="0" presId="urn:microsoft.com/office/officeart/2005/8/layout/hierarchy1"/>
+    <dgm:cxn modelId="{A7B67DBC-E35C-46CA-AF56-9ED0A4B5F999}" type="presOf" srcId="{2740FD78-6D3D-486B-BEE9-D7B2A77E6948}" destId="{20487E87-B3E6-4629-A97F-20B44B1891A2}" srcOrd="0" destOrd="0" presId="urn:microsoft.com/office/officeart/2005/8/layout/hierarchy1"/>
+    <dgm:cxn modelId="{613816BD-4428-4F60-8EAD-2B63E70E7434}" srcId="{D2040A88-DC98-4268-AC3C-FA1CDE900A1F}" destId="{2740FD78-6D3D-486B-BEE9-D7B2A77E6948}" srcOrd="1" destOrd="0" parTransId="{BD8E5EA3-CD71-4230-9396-B57597577043}" sibTransId="{69F25BCE-5E63-449D-BA68-0F993809CAB1}"/>
+    <dgm:cxn modelId="{3EDC87C5-4905-434D-B614-08996E61CC17}" type="presOf" srcId="{760485E7-2848-472E-90D6-6D4321291025}" destId="{1AB7223D-EA1D-4E9B-BBB6-6EB1307B4933}" srcOrd="0" destOrd="0" presId="urn:microsoft.com/office/officeart/2005/8/layout/hierarchy1"/>
+    <dgm:cxn modelId="{756558F1-BFB3-4582-9098-650FADC72D1E}" type="presOf" srcId="{B64CCA89-4E76-4CE7-B798-6C3341B51AFD}" destId="{A48744BF-AF07-4EC7-9EB5-24FE6DE968E7}" srcOrd="0" destOrd="0" presId="urn:microsoft.com/office/officeart/2005/8/layout/hierarchy1"/>
+    <dgm:cxn modelId="{24630AF8-7F81-4558-BD25-40CD5559BD84}" srcId="{D2040A88-DC98-4268-AC3C-FA1CDE900A1F}" destId="{5BA3B12A-E335-4478-B0EC-578476540499}" srcOrd="2" destOrd="0" parTransId="{B64CCA89-4E76-4CE7-B798-6C3341B51AFD}" sibTransId="{97434E46-290D-4FB1-9C70-3BAF7F8C1E14}"/>
+    <dgm:cxn modelId="{ADB6825F-E6C0-4B16-8EED-9E80E9B6650C}" type="presParOf" srcId="{1FF352ED-BD34-4132-A1BA-D1A5260D8B43}" destId="{9A8F58E7-8019-416B-819C-3E0245DFF007}" srcOrd="0" destOrd="0" presId="urn:microsoft.com/office/officeart/2005/8/layout/hierarchy1"/>
+    <dgm:cxn modelId="{4C9AAE92-6116-4189-892C-E9A3C3781D52}" type="presParOf" srcId="{9A8F58E7-8019-416B-819C-3E0245DFF007}" destId="{E3073106-1B29-4361-B42A-F3C9BC16AF7F}" srcOrd="0" destOrd="0" presId="urn:microsoft.com/office/officeart/2005/8/layout/hierarchy1"/>
+    <dgm:cxn modelId="{91BB51B3-417D-46CD-BD49-CA068EE9816C}" type="presParOf" srcId="{E3073106-1B29-4361-B42A-F3C9BC16AF7F}" destId="{EDFABA5C-EF01-4399-A582-F0B4180721AF}" srcOrd="0" destOrd="0" presId="urn:microsoft.com/office/officeart/2005/8/layout/hierarchy1"/>
+    <dgm:cxn modelId="{8703ED0A-433C-422E-8F0B-273A680F0662}" type="presParOf" srcId="{E3073106-1B29-4361-B42A-F3C9BC16AF7F}" destId="{058A5A77-CA2E-4749-ABAA-3E0648D9E32F}" srcOrd="1" destOrd="0" presId="urn:microsoft.com/office/officeart/2005/8/layout/hierarchy1"/>
+    <dgm:cxn modelId="{3F55C9AB-642F-41E6-A481-2D1BC8A575BC}" type="presParOf" srcId="{9A8F58E7-8019-416B-819C-3E0245DFF007}" destId="{7FCB40C5-B2BF-4225-9134-567424C70B06}" srcOrd="1" destOrd="0" presId="urn:microsoft.com/office/officeart/2005/8/layout/hierarchy1"/>
+    <dgm:cxn modelId="{A67E6E88-3EE0-4DBE-A8D0-63F1AE3F70AD}" type="presParOf" srcId="{7FCB40C5-B2BF-4225-9134-567424C70B06}" destId="{76C095CC-8C37-4D40-B242-09C166A359BC}" srcOrd="0" destOrd="0" presId="urn:microsoft.com/office/officeart/2005/8/layout/hierarchy1"/>
+    <dgm:cxn modelId="{CF9AB7AD-AD5E-4FF9-8545-6B69C5ADD40C}" type="presParOf" srcId="{7FCB40C5-B2BF-4225-9134-567424C70B06}" destId="{3CFC2457-ECBE-4C7E-AA4A-B2C95AB20DE1}" srcOrd="1" destOrd="0" presId="urn:microsoft.com/office/officeart/2005/8/layout/hierarchy1"/>
+    <dgm:cxn modelId="{E2578ECF-F81A-45C5-A8BC-D8F682416732}" type="presParOf" srcId="{3CFC2457-ECBE-4C7E-AA4A-B2C95AB20DE1}" destId="{C264609B-9C4D-4D34-9216-DB3655AC8680}" srcOrd="0" destOrd="0" presId="urn:microsoft.com/office/officeart/2005/8/layout/hierarchy1"/>
+    <dgm:cxn modelId="{C87271DD-F50F-4C8D-9385-AEE002D0B7D8}" type="presParOf" srcId="{C264609B-9C4D-4D34-9216-DB3655AC8680}" destId="{67F04471-CE1B-4E68-8E60-065EE921FE7B}" srcOrd="0" destOrd="0" presId="urn:microsoft.com/office/officeart/2005/8/layout/hierarchy1"/>
+    <dgm:cxn modelId="{E945325D-F479-4D64-9A85-0CF007656AAF}" type="presParOf" srcId="{C264609B-9C4D-4D34-9216-DB3655AC8680}" destId="{1AB7223D-EA1D-4E9B-BBB6-6EB1307B4933}" srcOrd="1" destOrd="0" presId="urn:microsoft.com/office/officeart/2005/8/layout/hierarchy1"/>
+    <dgm:cxn modelId="{B8837986-76C2-44C1-886F-589CA615742E}" type="presParOf" srcId="{3CFC2457-ECBE-4C7E-AA4A-B2C95AB20DE1}" destId="{860C94AB-AC63-41AA-9FEF-BBC0965AEBAD}" srcOrd="1" destOrd="0" presId="urn:microsoft.com/office/officeart/2005/8/layout/hierarchy1"/>
+    <dgm:cxn modelId="{5071E70D-5452-4442-8DD1-1B922F12B05E}" type="presParOf" srcId="{7FCB40C5-B2BF-4225-9134-567424C70B06}" destId="{F3E0AFEF-86D8-4B77-ADA6-4F1A1F15CD3D}" srcOrd="2" destOrd="0" presId="urn:microsoft.com/office/officeart/2005/8/layout/hierarchy1"/>
+    <dgm:cxn modelId="{4301433E-83F5-4D9C-8630-A102FBAFC910}" type="presParOf" srcId="{7FCB40C5-B2BF-4225-9134-567424C70B06}" destId="{4B3D782F-D225-4E19-A5C2-8DEE700BBC4C}" srcOrd="3" destOrd="0" presId="urn:microsoft.com/office/officeart/2005/8/layout/hierarchy1"/>
+    <dgm:cxn modelId="{8AB06FC5-60B4-4AA0-AACC-3F418B0DE631}" type="presParOf" srcId="{4B3D782F-D225-4E19-A5C2-8DEE700BBC4C}" destId="{6A96A53C-4FBD-4A1A-B8D3-9124757857D7}" srcOrd="0" destOrd="0" presId="urn:microsoft.com/office/officeart/2005/8/layout/hierarchy1"/>
+    <dgm:cxn modelId="{B990F047-C7E2-47FC-A077-2E25290E3DF1}" type="presParOf" srcId="{6A96A53C-4FBD-4A1A-B8D3-9124757857D7}" destId="{494C29B1-0B33-490D-9351-0CD2E11A05A4}" srcOrd="0" destOrd="0" presId="urn:microsoft.com/office/officeart/2005/8/layout/hierarchy1"/>
+    <dgm:cxn modelId="{911FED39-EAB3-4151-A75C-A56DEF2D6613}" type="presParOf" srcId="{6A96A53C-4FBD-4A1A-B8D3-9124757857D7}" destId="{20487E87-B3E6-4629-A97F-20B44B1891A2}" srcOrd="1" destOrd="0" presId="urn:microsoft.com/office/officeart/2005/8/layout/hierarchy1"/>
+    <dgm:cxn modelId="{7DC7FAD6-0414-4255-B274-F88C80FD5A0D}" type="presParOf" srcId="{4B3D782F-D225-4E19-A5C2-8DEE700BBC4C}" destId="{753C63AA-D6B7-48FF-AC43-EB653AF4FCC8}" srcOrd="1" destOrd="0" presId="urn:microsoft.com/office/officeart/2005/8/layout/hierarchy1"/>
+    <dgm:cxn modelId="{900DB3B4-A503-4E34-907F-3F5EA000778D}" type="presParOf" srcId="{7FCB40C5-B2BF-4225-9134-567424C70B06}" destId="{A48744BF-AF07-4EC7-9EB5-24FE6DE968E7}" srcOrd="4" destOrd="0" presId="urn:microsoft.com/office/officeart/2005/8/layout/hierarchy1"/>
+    <dgm:cxn modelId="{4A38AE40-6CB0-44A7-9CF1-B25E94E9700B}" type="presParOf" srcId="{7FCB40C5-B2BF-4225-9134-567424C70B06}" destId="{8CB74FDB-923F-4FF5-BE07-570A1144CE51}" srcOrd="5" destOrd="0" presId="urn:microsoft.com/office/officeart/2005/8/layout/hierarchy1"/>
+    <dgm:cxn modelId="{3A9AD2E3-71E1-432E-9F47-9E49A56D7C5B}" type="presParOf" srcId="{8CB74FDB-923F-4FF5-BE07-570A1144CE51}" destId="{30137E75-1E22-4866-A643-AA963AC6388B}" srcOrd="0" destOrd="0" presId="urn:microsoft.com/office/officeart/2005/8/layout/hierarchy1"/>
+    <dgm:cxn modelId="{05BF5723-5D1B-4A81-8E44-2D51D4BD70B7}" type="presParOf" srcId="{30137E75-1E22-4866-A643-AA963AC6388B}" destId="{DCC66989-F8BD-4509-8ED8-A103869DCFF9}" srcOrd="0" destOrd="0" presId="urn:microsoft.com/office/officeart/2005/8/layout/hierarchy1"/>
+    <dgm:cxn modelId="{6F3D651D-66A1-4D90-A4CB-6712F03AA027}" type="presParOf" srcId="{30137E75-1E22-4866-A643-AA963AC6388B}" destId="{556BAABD-C2B9-4946-BB39-3B6FDCE5110E}" srcOrd="1" destOrd="0" presId="urn:microsoft.com/office/officeart/2005/8/layout/hierarchy1"/>
+    <dgm:cxn modelId="{8A01EA09-BE8F-4365-B459-DA471BE0500D}" type="presParOf" srcId="{8CB74FDB-923F-4FF5-BE07-570A1144CE51}" destId="{532F3446-49E7-4334-9FF5-63EC76BA6D7F}" srcOrd="1" destOrd="0" presId="urn:microsoft.com/office/officeart/2005/8/layout/hierarchy1"/>
+  </dgm:cxnLst>
+  <dgm:bg/>
+  <dgm:whole/>
+  <dgm:extLst>
+    <a:ext uri="http://schemas.microsoft.com/office/drawing/2008/diagram">
+      <dsp:dataModelExt xmlns:dsp="http://schemas.microsoft.com/office/drawing/2008/diagram" relId="rId6" minVer="http://schemas.openxmlformats.org/drawingml/2006/diagram"/>
+    </a:ext>
+  </dgm:extLst>
+</dgm:dataModel>
+</file>
+
+<file path=ppt/diagrams/data2.xml><?xml version="1.0" encoding="utf-8"?>
+<dgm:dataModel xmlns:dgm="http://schemas.openxmlformats.org/drawingml/2006/diagram" xmlns:a="http://schemas.openxmlformats.org/drawingml/2006/main">
+  <dgm:ptLst>
+    <dgm:pt modelId="{6E6CB94E-DA87-46EB-8112-A3730D201D1D}" type="doc">
+      <dgm:prSet loTypeId="urn:microsoft.com/office/officeart/2005/8/layout/cycle5" loCatId="cycle" qsTypeId="urn:microsoft.com/office/officeart/2005/8/quickstyle/simple1" qsCatId="simple" csTypeId="urn:microsoft.com/office/officeart/2005/8/colors/accent1_2" csCatId="accent1" phldr="1"/>
+      <dgm:spPr/>
+      <dgm:t>
+        <a:bodyPr/>
+        <a:lstStyle/>
+        <a:p>
+          <a:endParaRPr lang="en-AU"/>
+        </a:p>
+      </dgm:t>
+    </dgm:pt>
+    <dgm:pt modelId="{05ABC217-74D7-4CAF-8D14-32DC04C7D9CB}">
+      <dgm:prSet phldrT="[Text]"/>
+      <dgm:spPr/>
+      <dgm:t>
+        <a:bodyPr/>
+        <a:lstStyle/>
+        <a:p>
+          <a:r>
+            <a:rPr lang="en-US" dirty="0"/>
+            <a:t>Generate model</a:t>
+          </a:r>
+          <a:endParaRPr lang="en-AU" dirty="0"/>
+        </a:p>
+      </dgm:t>
+    </dgm:pt>
+    <dgm:pt modelId="{CF6FDF15-DC3E-4404-B575-2C8FDD8A1781}" type="parTrans" cxnId="{598F59F4-EF5C-48C7-B162-E06FAC0051C0}">
+      <dgm:prSet/>
+      <dgm:spPr/>
+      <dgm:t>
+        <a:bodyPr/>
+        <a:lstStyle/>
+        <a:p>
+          <a:endParaRPr lang="en-AU"/>
+        </a:p>
+      </dgm:t>
+    </dgm:pt>
+    <dgm:pt modelId="{698CB638-DB9A-4979-B7C4-CE388769FBC2}" type="sibTrans" cxnId="{598F59F4-EF5C-48C7-B162-E06FAC0051C0}">
+      <dgm:prSet/>
+      <dgm:spPr/>
+      <dgm:t>
+        <a:bodyPr/>
+        <a:lstStyle/>
+        <a:p>
+          <a:endParaRPr lang="en-AU"/>
+        </a:p>
+      </dgm:t>
+    </dgm:pt>
+    <dgm:pt modelId="{126F605A-F7E6-4F85-83FD-5EDF6AB3177C}">
+      <dgm:prSet phldrT="[Text]"/>
+      <dgm:spPr/>
+      <dgm:t>
+        <a:bodyPr/>
+        <a:lstStyle/>
+        <a:p>
+          <a:r>
+            <a:rPr lang="en-US" dirty="0"/>
+            <a:t>Run model</a:t>
+          </a:r>
+          <a:endParaRPr lang="en-AU" dirty="0"/>
+        </a:p>
+      </dgm:t>
+    </dgm:pt>
+    <dgm:pt modelId="{03092286-16BA-40AE-A4B9-024C3593CA57}" type="parTrans" cxnId="{13C76B49-9D84-4C74-ABCD-CA1918CCF767}">
+      <dgm:prSet/>
+      <dgm:spPr/>
+      <dgm:t>
+        <a:bodyPr/>
+        <a:lstStyle/>
+        <a:p>
+          <a:endParaRPr lang="en-AU"/>
+        </a:p>
+      </dgm:t>
+    </dgm:pt>
+    <dgm:pt modelId="{5CA2E3D5-7312-4121-AB7B-12D28B0F4517}" type="sibTrans" cxnId="{13C76B49-9D84-4C74-ABCD-CA1918CCF767}">
+      <dgm:prSet/>
+      <dgm:spPr/>
+      <dgm:t>
+        <a:bodyPr/>
+        <a:lstStyle/>
+        <a:p>
+          <a:endParaRPr lang="en-AU"/>
+        </a:p>
+      </dgm:t>
+    </dgm:pt>
+    <dgm:pt modelId="{384E5CB9-6790-44BD-BDF7-EEE4F6A93F38}">
+      <dgm:prSet phldrT="[Text]" phldr="1"/>
+      <dgm:spPr/>
+      <dgm:t>
+        <a:bodyPr/>
+        <a:lstStyle/>
+        <a:p>
+          <a:endParaRPr lang="en-AU" dirty="0"/>
+        </a:p>
+      </dgm:t>
+    </dgm:pt>
+    <dgm:pt modelId="{0FBF3E4A-8B29-42A6-B941-FB6AF41F2530}" type="parTrans" cxnId="{1A383E35-3346-41AE-8212-24BCF7A938AF}">
+      <dgm:prSet/>
+      <dgm:spPr/>
+      <dgm:t>
+        <a:bodyPr/>
+        <a:lstStyle/>
+        <a:p>
+          <a:endParaRPr lang="en-AU"/>
+        </a:p>
+      </dgm:t>
+    </dgm:pt>
+    <dgm:pt modelId="{AEBE7094-2CE6-4BBB-B9F0-A7B3F7E0A878}" type="sibTrans" cxnId="{1A383E35-3346-41AE-8212-24BCF7A938AF}">
+      <dgm:prSet/>
+      <dgm:spPr/>
+      <dgm:t>
+        <a:bodyPr/>
+        <a:lstStyle/>
+        <a:p>
+          <a:endParaRPr lang="en-AU"/>
+        </a:p>
+      </dgm:t>
+    </dgm:pt>
+    <dgm:pt modelId="{0F40A5DD-8394-4141-8294-B0826CDA0365}">
+      <dgm:prSet phldrT="[Text]" phldr="1"/>
+      <dgm:spPr/>
+      <dgm:t>
+        <a:bodyPr/>
+        <a:lstStyle/>
+        <a:p>
+          <a:endParaRPr lang="en-AU"/>
+        </a:p>
+      </dgm:t>
+    </dgm:pt>
+    <dgm:pt modelId="{30CFC380-DD46-4A74-A166-5082CF8CC8B3}" type="parTrans" cxnId="{283EC18D-1233-4B1C-9105-D01E31019B62}">
+      <dgm:prSet/>
+      <dgm:spPr/>
+      <dgm:t>
+        <a:bodyPr/>
+        <a:lstStyle/>
+        <a:p>
+          <a:endParaRPr lang="en-AU"/>
+        </a:p>
+      </dgm:t>
+    </dgm:pt>
+    <dgm:pt modelId="{B884C1D6-D8DD-4DDC-AE3F-6A623D2457CF}" type="sibTrans" cxnId="{283EC18D-1233-4B1C-9105-D01E31019B62}">
+      <dgm:prSet/>
+      <dgm:spPr/>
+      <dgm:t>
+        <a:bodyPr/>
+        <a:lstStyle/>
+        <a:p>
+          <a:endParaRPr lang="en-AU"/>
+        </a:p>
+      </dgm:t>
+    </dgm:pt>
+    <dgm:pt modelId="{97312F4E-115E-4D53-91CC-0E17A8E48B95}">
+      <dgm:prSet phldrT="[Text]" phldr="1"/>
+      <dgm:spPr/>
+      <dgm:t>
+        <a:bodyPr/>
+        <a:lstStyle/>
+        <a:p>
+          <a:endParaRPr lang="en-AU"/>
+        </a:p>
+      </dgm:t>
+    </dgm:pt>
+    <dgm:pt modelId="{8BFA5FBC-7E9E-4702-A695-0288B8BDAC71}" type="parTrans" cxnId="{2247C9BB-6FB5-4B6F-9F20-5D56B2C8FB12}">
+      <dgm:prSet/>
+      <dgm:spPr/>
+      <dgm:t>
+        <a:bodyPr/>
+        <a:lstStyle/>
+        <a:p>
+          <a:endParaRPr lang="en-AU"/>
+        </a:p>
+      </dgm:t>
+    </dgm:pt>
+    <dgm:pt modelId="{A64C2A1D-9616-4F86-AE0B-15A7FDEF9FAD}" type="sibTrans" cxnId="{2247C9BB-6FB5-4B6F-9F20-5D56B2C8FB12}">
+      <dgm:prSet/>
+      <dgm:spPr/>
+      <dgm:t>
+        <a:bodyPr/>
+        <a:lstStyle/>
+        <a:p>
+          <a:endParaRPr lang="en-AU"/>
+        </a:p>
+      </dgm:t>
+    </dgm:pt>
+    <dgm:pt modelId="{4B4C112A-5139-47A8-A7E1-7E3417F75D6A}" type="pres">
+      <dgm:prSet presAssocID="{6E6CB94E-DA87-46EB-8112-A3730D201D1D}" presName="cycle" presStyleCnt="0">
+        <dgm:presLayoutVars>
+          <dgm:dir/>
+          <dgm:resizeHandles val="exact"/>
+        </dgm:presLayoutVars>
+      </dgm:prSet>
+      <dgm:spPr/>
+    </dgm:pt>
+    <dgm:pt modelId="{A31CC1F7-60FE-4B7C-B85F-3F4397C0158D}" type="pres">
+      <dgm:prSet presAssocID="{05ABC217-74D7-4CAF-8D14-32DC04C7D9CB}" presName="node" presStyleLbl="node1" presStyleIdx="0" presStyleCnt="5">
+        <dgm:presLayoutVars>
+          <dgm:bulletEnabled val="1"/>
+        </dgm:presLayoutVars>
+      </dgm:prSet>
+      <dgm:spPr/>
+    </dgm:pt>
+    <dgm:pt modelId="{C100BF06-03EC-43CF-A498-95F6008ED7E3}" type="pres">
+      <dgm:prSet presAssocID="{05ABC217-74D7-4CAF-8D14-32DC04C7D9CB}" presName="spNode" presStyleCnt="0"/>
+      <dgm:spPr/>
+    </dgm:pt>
+    <dgm:pt modelId="{7BD50D8D-58FC-4216-85D4-B6BF9630CBC4}" type="pres">
+      <dgm:prSet presAssocID="{698CB638-DB9A-4979-B7C4-CE388769FBC2}" presName="sibTrans" presStyleLbl="sibTrans1D1" presStyleIdx="0" presStyleCnt="5"/>
+      <dgm:spPr/>
+    </dgm:pt>
+    <dgm:pt modelId="{4D429D02-90DB-4BF1-A96D-8F0FD96F601F}" type="pres">
+      <dgm:prSet presAssocID="{126F605A-F7E6-4F85-83FD-5EDF6AB3177C}" presName="node" presStyleLbl="node1" presStyleIdx="1" presStyleCnt="5">
+        <dgm:presLayoutVars>
+          <dgm:bulletEnabled val="1"/>
+        </dgm:presLayoutVars>
+      </dgm:prSet>
+      <dgm:spPr/>
+    </dgm:pt>
+    <dgm:pt modelId="{A9990E06-88FD-4AB7-B981-C12825C1F802}" type="pres">
+      <dgm:prSet presAssocID="{126F605A-F7E6-4F85-83FD-5EDF6AB3177C}" presName="spNode" presStyleCnt="0"/>
+      <dgm:spPr/>
+    </dgm:pt>
+    <dgm:pt modelId="{13FB90BD-7D44-4D40-B181-4CDAAD1EF864}" type="pres">
+      <dgm:prSet presAssocID="{5CA2E3D5-7312-4121-AB7B-12D28B0F4517}" presName="sibTrans" presStyleLbl="sibTrans1D1" presStyleIdx="1" presStyleCnt="5"/>
+      <dgm:spPr/>
+    </dgm:pt>
+    <dgm:pt modelId="{4394D5A6-88BE-4778-B61D-949313331D48}" type="pres">
+      <dgm:prSet presAssocID="{384E5CB9-6790-44BD-BDF7-EEE4F6A93F38}" presName="node" presStyleLbl="node1" presStyleIdx="2" presStyleCnt="5">
+        <dgm:presLayoutVars>
+          <dgm:bulletEnabled val="1"/>
+        </dgm:presLayoutVars>
+      </dgm:prSet>
+      <dgm:spPr/>
+    </dgm:pt>
+    <dgm:pt modelId="{6D6B64E9-E25B-481D-8A40-4301525F6C40}" type="pres">
+      <dgm:prSet presAssocID="{384E5CB9-6790-44BD-BDF7-EEE4F6A93F38}" presName="spNode" presStyleCnt="0"/>
+      <dgm:spPr/>
+    </dgm:pt>
+    <dgm:pt modelId="{E0970447-FFB7-432C-ABAF-E4405A48A7D0}" type="pres">
+      <dgm:prSet presAssocID="{AEBE7094-2CE6-4BBB-B9F0-A7B3F7E0A878}" presName="sibTrans" presStyleLbl="sibTrans1D1" presStyleIdx="2" presStyleCnt="5"/>
+      <dgm:spPr/>
+    </dgm:pt>
+    <dgm:pt modelId="{FB64DF27-050B-43CB-B83A-84DFBE06C818}" type="pres">
+      <dgm:prSet presAssocID="{0F40A5DD-8394-4141-8294-B0826CDA0365}" presName="node" presStyleLbl="node1" presStyleIdx="3" presStyleCnt="5">
+        <dgm:presLayoutVars>
+          <dgm:bulletEnabled val="1"/>
+        </dgm:presLayoutVars>
+      </dgm:prSet>
+      <dgm:spPr/>
+    </dgm:pt>
+    <dgm:pt modelId="{F4E36518-9F67-486B-A6AF-FA6C4DF23FC4}" type="pres">
+      <dgm:prSet presAssocID="{0F40A5DD-8394-4141-8294-B0826CDA0365}" presName="spNode" presStyleCnt="0"/>
+      <dgm:spPr/>
+    </dgm:pt>
+    <dgm:pt modelId="{CDC47236-6643-4E16-B31C-C0B6AE412CF1}" type="pres">
+      <dgm:prSet presAssocID="{B884C1D6-D8DD-4DDC-AE3F-6A623D2457CF}" presName="sibTrans" presStyleLbl="sibTrans1D1" presStyleIdx="3" presStyleCnt="5"/>
+      <dgm:spPr/>
+    </dgm:pt>
+    <dgm:pt modelId="{0C66FA79-4F4C-4D26-A54E-90C3BC682A1F}" type="pres">
+      <dgm:prSet presAssocID="{97312F4E-115E-4D53-91CC-0E17A8E48B95}" presName="node" presStyleLbl="node1" presStyleIdx="4" presStyleCnt="5">
+        <dgm:presLayoutVars>
+          <dgm:bulletEnabled val="1"/>
+        </dgm:presLayoutVars>
+      </dgm:prSet>
+      <dgm:spPr/>
+    </dgm:pt>
+    <dgm:pt modelId="{53B063CF-882B-4A4D-B481-FDED7A0D576A}" type="pres">
+      <dgm:prSet presAssocID="{97312F4E-115E-4D53-91CC-0E17A8E48B95}" presName="spNode" presStyleCnt="0"/>
+      <dgm:spPr/>
+    </dgm:pt>
+    <dgm:pt modelId="{14D7FD77-27A2-4F3C-BCF7-2C72ED76FC37}" type="pres">
+      <dgm:prSet presAssocID="{A64C2A1D-9616-4F86-AE0B-15A7FDEF9FAD}" presName="sibTrans" presStyleLbl="sibTrans1D1" presStyleIdx="4" presStyleCnt="5"/>
+      <dgm:spPr/>
+    </dgm:pt>
+  </dgm:ptLst>
+  <dgm:cxnLst>
+    <dgm:cxn modelId="{56F5F71C-0BD8-4A75-B934-0201381CC1E6}" type="presOf" srcId="{AEBE7094-2CE6-4BBB-B9F0-A7B3F7E0A878}" destId="{E0970447-FFB7-432C-ABAF-E4405A48A7D0}" srcOrd="0" destOrd="0" presId="urn:microsoft.com/office/officeart/2005/8/layout/cycle5"/>
+    <dgm:cxn modelId="{65C61A27-ADD7-447E-AFC5-B8E41B445C3C}" type="presOf" srcId="{0F40A5DD-8394-4141-8294-B0826CDA0365}" destId="{FB64DF27-050B-43CB-B83A-84DFBE06C818}" srcOrd="0" destOrd="0" presId="urn:microsoft.com/office/officeart/2005/8/layout/cycle5"/>
+    <dgm:cxn modelId="{1A383E35-3346-41AE-8212-24BCF7A938AF}" srcId="{6E6CB94E-DA87-46EB-8112-A3730D201D1D}" destId="{384E5CB9-6790-44BD-BDF7-EEE4F6A93F38}" srcOrd="2" destOrd="0" parTransId="{0FBF3E4A-8B29-42A6-B941-FB6AF41F2530}" sibTransId="{AEBE7094-2CE6-4BBB-B9F0-A7B3F7E0A878}"/>
+    <dgm:cxn modelId="{AD74523D-78D7-41FE-B2B4-AB9720806E96}" type="presOf" srcId="{6E6CB94E-DA87-46EB-8112-A3730D201D1D}" destId="{4B4C112A-5139-47A8-A7E1-7E3417F75D6A}" srcOrd="0" destOrd="0" presId="urn:microsoft.com/office/officeart/2005/8/layout/cycle5"/>
+    <dgm:cxn modelId="{13C76B49-9D84-4C74-ABCD-CA1918CCF767}" srcId="{6E6CB94E-DA87-46EB-8112-A3730D201D1D}" destId="{126F605A-F7E6-4F85-83FD-5EDF6AB3177C}" srcOrd="1" destOrd="0" parTransId="{03092286-16BA-40AE-A4B9-024C3593CA57}" sibTransId="{5CA2E3D5-7312-4121-AB7B-12D28B0F4517}"/>
+    <dgm:cxn modelId="{617F2A50-637E-4769-86FD-2AB58121F772}" type="presOf" srcId="{126F605A-F7E6-4F85-83FD-5EDF6AB3177C}" destId="{4D429D02-90DB-4BF1-A96D-8F0FD96F601F}" srcOrd="0" destOrd="0" presId="urn:microsoft.com/office/officeart/2005/8/layout/cycle5"/>
+    <dgm:cxn modelId="{38D63451-703F-4B67-A0FB-40CF6BB8645B}" type="presOf" srcId="{A64C2A1D-9616-4F86-AE0B-15A7FDEF9FAD}" destId="{14D7FD77-27A2-4F3C-BCF7-2C72ED76FC37}" srcOrd="0" destOrd="0" presId="urn:microsoft.com/office/officeart/2005/8/layout/cycle5"/>
+    <dgm:cxn modelId="{556FDF57-1DC2-4CCE-A6B4-9256A40638E8}" type="presOf" srcId="{05ABC217-74D7-4CAF-8D14-32DC04C7D9CB}" destId="{A31CC1F7-60FE-4B7C-B85F-3F4397C0158D}" srcOrd="0" destOrd="0" presId="urn:microsoft.com/office/officeart/2005/8/layout/cycle5"/>
+    <dgm:cxn modelId="{283EC18D-1233-4B1C-9105-D01E31019B62}" srcId="{6E6CB94E-DA87-46EB-8112-A3730D201D1D}" destId="{0F40A5DD-8394-4141-8294-B0826CDA0365}" srcOrd="3" destOrd="0" parTransId="{30CFC380-DD46-4A74-A166-5082CF8CC8B3}" sibTransId="{B884C1D6-D8DD-4DDC-AE3F-6A623D2457CF}"/>
+    <dgm:cxn modelId="{3CC11AA6-B962-4FF4-95A9-3239258911FC}" type="presOf" srcId="{698CB638-DB9A-4979-B7C4-CE388769FBC2}" destId="{7BD50D8D-58FC-4216-85D4-B6BF9630CBC4}" srcOrd="0" destOrd="0" presId="urn:microsoft.com/office/officeart/2005/8/layout/cycle5"/>
+    <dgm:cxn modelId="{820FA7B8-F0F6-4082-9112-B370FBE9D5CC}" type="presOf" srcId="{5CA2E3D5-7312-4121-AB7B-12D28B0F4517}" destId="{13FB90BD-7D44-4D40-B181-4CDAAD1EF864}" srcOrd="0" destOrd="0" presId="urn:microsoft.com/office/officeart/2005/8/layout/cycle5"/>
+    <dgm:cxn modelId="{2247C9BB-6FB5-4B6F-9F20-5D56B2C8FB12}" srcId="{6E6CB94E-DA87-46EB-8112-A3730D201D1D}" destId="{97312F4E-115E-4D53-91CC-0E17A8E48B95}" srcOrd="4" destOrd="0" parTransId="{8BFA5FBC-7E9E-4702-A695-0288B8BDAC71}" sibTransId="{A64C2A1D-9616-4F86-AE0B-15A7FDEF9FAD}"/>
+    <dgm:cxn modelId="{14CED4CE-1F17-4DEA-93C6-7F169A2314BD}" type="presOf" srcId="{97312F4E-115E-4D53-91CC-0E17A8E48B95}" destId="{0C66FA79-4F4C-4D26-A54E-90C3BC682A1F}" srcOrd="0" destOrd="0" presId="urn:microsoft.com/office/officeart/2005/8/layout/cycle5"/>
+    <dgm:cxn modelId="{ACEC10D7-8AB4-4F23-A05E-31F2D658A678}" type="presOf" srcId="{B884C1D6-D8DD-4DDC-AE3F-6A623D2457CF}" destId="{CDC47236-6643-4E16-B31C-C0B6AE412CF1}" srcOrd="0" destOrd="0" presId="urn:microsoft.com/office/officeart/2005/8/layout/cycle5"/>
+    <dgm:cxn modelId="{598F59F4-EF5C-48C7-B162-E06FAC0051C0}" srcId="{6E6CB94E-DA87-46EB-8112-A3730D201D1D}" destId="{05ABC217-74D7-4CAF-8D14-32DC04C7D9CB}" srcOrd="0" destOrd="0" parTransId="{CF6FDF15-DC3E-4404-B575-2C8FDD8A1781}" sibTransId="{698CB638-DB9A-4979-B7C4-CE388769FBC2}"/>
+    <dgm:cxn modelId="{A49758FA-7EA1-4FC4-ADBE-7E352D879CED}" type="presOf" srcId="{384E5CB9-6790-44BD-BDF7-EEE4F6A93F38}" destId="{4394D5A6-88BE-4778-B61D-949313331D48}" srcOrd="0" destOrd="0" presId="urn:microsoft.com/office/officeart/2005/8/layout/cycle5"/>
+    <dgm:cxn modelId="{30EF86D1-AF4F-484E-A3E5-51B26575280F}" type="presParOf" srcId="{4B4C112A-5139-47A8-A7E1-7E3417F75D6A}" destId="{A31CC1F7-60FE-4B7C-B85F-3F4397C0158D}" srcOrd="0" destOrd="0" presId="urn:microsoft.com/office/officeart/2005/8/layout/cycle5"/>
+    <dgm:cxn modelId="{D8E5C53C-3340-4F64-9E88-8741F3B81C49}" type="presParOf" srcId="{4B4C112A-5139-47A8-A7E1-7E3417F75D6A}" destId="{C100BF06-03EC-43CF-A498-95F6008ED7E3}" srcOrd="1" destOrd="0" presId="urn:microsoft.com/office/officeart/2005/8/layout/cycle5"/>
+    <dgm:cxn modelId="{880F2517-3081-4E5D-8F64-502727E9F984}" type="presParOf" srcId="{4B4C112A-5139-47A8-A7E1-7E3417F75D6A}" destId="{7BD50D8D-58FC-4216-85D4-B6BF9630CBC4}" srcOrd="2" destOrd="0" presId="urn:microsoft.com/office/officeart/2005/8/layout/cycle5"/>
+    <dgm:cxn modelId="{07CEAF92-477A-4C89-847C-B276A19DD5FB}" type="presParOf" srcId="{4B4C112A-5139-47A8-A7E1-7E3417F75D6A}" destId="{4D429D02-90DB-4BF1-A96D-8F0FD96F601F}" srcOrd="3" destOrd="0" presId="urn:microsoft.com/office/officeart/2005/8/layout/cycle5"/>
+    <dgm:cxn modelId="{03E67F57-0A68-4005-8575-4344B7EE355E}" type="presParOf" srcId="{4B4C112A-5139-47A8-A7E1-7E3417F75D6A}" destId="{A9990E06-88FD-4AB7-B981-C12825C1F802}" srcOrd="4" destOrd="0" presId="urn:microsoft.com/office/officeart/2005/8/layout/cycle5"/>
+    <dgm:cxn modelId="{543A0707-41A8-42D1-BEA5-A5D16EF609D4}" type="presParOf" srcId="{4B4C112A-5139-47A8-A7E1-7E3417F75D6A}" destId="{13FB90BD-7D44-4D40-B181-4CDAAD1EF864}" srcOrd="5" destOrd="0" presId="urn:microsoft.com/office/officeart/2005/8/layout/cycle5"/>
+    <dgm:cxn modelId="{471697E6-B2DD-4EE0-843C-C83F131DC077}" type="presParOf" srcId="{4B4C112A-5139-47A8-A7E1-7E3417F75D6A}" destId="{4394D5A6-88BE-4778-B61D-949313331D48}" srcOrd="6" destOrd="0" presId="urn:microsoft.com/office/officeart/2005/8/layout/cycle5"/>
+    <dgm:cxn modelId="{EB4EE2F1-0226-4D39-9417-5EAAD7261B12}" type="presParOf" srcId="{4B4C112A-5139-47A8-A7E1-7E3417F75D6A}" destId="{6D6B64E9-E25B-481D-8A40-4301525F6C40}" srcOrd="7" destOrd="0" presId="urn:microsoft.com/office/officeart/2005/8/layout/cycle5"/>
+    <dgm:cxn modelId="{EDEE8435-D077-4B13-9F34-FB0AB17CA6AE}" type="presParOf" srcId="{4B4C112A-5139-47A8-A7E1-7E3417F75D6A}" destId="{E0970447-FFB7-432C-ABAF-E4405A48A7D0}" srcOrd="8" destOrd="0" presId="urn:microsoft.com/office/officeart/2005/8/layout/cycle5"/>
+    <dgm:cxn modelId="{B9E5F160-7C29-4E8F-BD34-544E73E6C2E4}" type="presParOf" srcId="{4B4C112A-5139-47A8-A7E1-7E3417F75D6A}" destId="{FB64DF27-050B-43CB-B83A-84DFBE06C818}" srcOrd="9" destOrd="0" presId="urn:microsoft.com/office/officeart/2005/8/layout/cycle5"/>
+    <dgm:cxn modelId="{90362A5F-D1B5-491A-829E-C6C93DF44C95}" type="presParOf" srcId="{4B4C112A-5139-47A8-A7E1-7E3417F75D6A}" destId="{F4E36518-9F67-486B-A6AF-FA6C4DF23FC4}" srcOrd="10" destOrd="0" presId="urn:microsoft.com/office/officeart/2005/8/layout/cycle5"/>
+    <dgm:cxn modelId="{F0CF7DE4-EAAD-4902-B10D-44B8B2797655}" type="presParOf" srcId="{4B4C112A-5139-47A8-A7E1-7E3417F75D6A}" destId="{CDC47236-6643-4E16-B31C-C0B6AE412CF1}" srcOrd="11" destOrd="0" presId="urn:microsoft.com/office/officeart/2005/8/layout/cycle5"/>
+    <dgm:cxn modelId="{A19455DE-FE28-460D-98E0-5B07D67FE2DF}" type="presParOf" srcId="{4B4C112A-5139-47A8-A7E1-7E3417F75D6A}" destId="{0C66FA79-4F4C-4D26-A54E-90C3BC682A1F}" srcOrd="12" destOrd="0" presId="urn:microsoft.com/office/officeart/2005/8/layout/cycle5"/>
+    <dgm:cxn modelId="{6FCE4197-0774-43B1-ACCF-9E082F4BE2F1}" type="presParOf" srcId="{4B4C112A-5139-47A8-A7E1-7E3417F75D6A}" destId="{53B063CF-882B-4A4D-B481-FDED7A0D576A}" srcOrd="13" destOrd="0" presId="urn:microsoft.com/office/officeart/2005/8/layout/cycle5"/>
+    <dgm:cxn modelId="{B8DFC895-173B-4D1F-8C1F-CA7910388BFF}" type="presParOf" srcId="{4B4C112A-5139-47A8-A7E1-7E3417F75D6A}" destId="{14D7FD77-27A2-4F3C-BCF7-2C72ED76FC37}" srcOrd="14" destOrd="0" presId="urn:microsoft.com/office/officeart/2005/8/layout/cycle5"/>
+  </dgm:cxnLst>
+  <dgm:bg/>
+  <dgm:whole/>
+  <dgm:extLst>
+    <a:ext uri="http://schemas.microsoft.com/office/drawing/2008/diagram">
+      <dsp:dataModelExt xmlns:dsp="http://schemas.microsoft.com/office/drawing/2008/diagram" relId="rId6" minVer="http://schemas.openxmlformats.org/drawingml/2006/diagram"/>
+    </a:ext>
+  </dgm:extLst>
+</dgm:dataModel>
+</file>
+
+<file path=ppt/diagrams/drawing1.xml><?xml version="1.0" encoding="utf-8"?>
+<dsp:drawing xmlns:dgm="http://schemas.openxmlformats.org/drawingml/2006/diagram" xmlns:dsp="http://schemas.microsoft.com/office/drawing/2008/diagram" xmlns:a="http://schemas.openxmlformats.org/drawingml/2006/main">
+  <dsp:spTree>
+    <dsp:nvGrpSpPr>
+      <dsp:cNvPr id="0" name=""/>
+      <dsp:cNvGrpSpPr/>
+    </dsp:nvGrpSpPr>
+    <dsp:grpSpPr/>
+    <dsp:sp modelId="{A48744BF-AF07-4EC7-9EB5-24FE6DE968E7}">
+      <dsp:nvSpPr>
+        <dsp:cNvPr id="0" name=""/>
+        <dsp:cNvSpPr/>
+      </dsp:nvSpPr>
+      <dsp:spPr>
+        <a:xfrm>
+          <a:off x="3901498" y="1617073"/>
+          <a:ext cx="2829501" cy="1304032"/>
+        </a:xfrm>
+        <a:custGeom>
+          <a:avLst/>
+          <a:gdLst/>
+          <a:ahLst/>
+          <a:cxnLst/>
+          <a:rect l="0" t="0" r="0" b="0"/>
+          <a:pathLst>
+            <a:path>
+              <a:moveTo>
+                <a:pt x="0" y="0"/>
+              </a:moveTo>
+              <a:lnTo>
+                <a:pt x="0" y="1092259"/>
+              </a:lnTo>
+              <a:lnTo>
+                <a:pt x="2829501" y="1092259"/>
+              </a:lnTo>
+              <a:lnTo>
+                <a:pt x="2829501" y="1304032"/>
+              </a:lnTo>
+            </a:path>
+          </a:pathLst>
+        </a:custGeom>
+        <a:noFill/>
+        <a:ln w="12700" cap="flat" cmpd="sng" algn="ctr">
+          <a:solidFill>
+            <a:schemeClr val="accent1">
+              <a:shade val="60000"/>
+              <a:hueOff val="0"/>
+              <a:satOff val="0"/>
+              <a:lumOff val="0"/>
+              <a:alphaOff val="0"/>
+            </a:schemeClr>
+          </a:solidFill>
+          <a:prstDash val="solid"/>
+          <a:miter lim="800000"/>
+        </a:ln>
+        <a:effectLst/>
+      </dsp:spPr>
+      <dsp:style>
+        <a:lnRef idx="2">
+          <a:scrgbClr r="0" g="0" b="0"/>
+        </a:lnRef>
+        <a:fillRef idx="0">
+          <a:scrgbClr r="0" g="0" b="0"/>
+        </a:fillRef>
+        <a:effectRef idx="0">
+          <a:scrgbClr r="0" g="0" b="0"/>
+        </a:effectRef>
+        <a:fontRef idx="minor"/>
+      </dsp:style>
+    </dsp:sp>
+    <dsp:sp modelId="{F3E0AFEF-86D8-4B77-ADA6-4F1A1F15CD3D}">
+      <dsp:nvSpPr>
+        <dsp:cNvPr id="0" name=""/>
+        <dsp:cNvSpPr/>
+      </dsp:nvSpPr>
+      <dsp:spPr>
+        <a:xfrm>
+          <a:off x="3855778" y="1617073"/>
+          <a:ext cx="91440" cy="1304032"/>
+        </a:xfrm>
+        <a:custGeom>
+          <a:avLst/>
+          <a:gdLst/>
+          <a:ahLst/>
+          <a:cxnLst/>
+          <a:rect l="0" t="0" r="0" b="0"/>
+          <a:pathLst>
+            <a:path>
+              <a:moveTo>
+                <a:pt x="45720" y="0"/>
+              </a:moveTo>
+              <a:lnTo>
+                <a:pt x="45720" y="1092259"/>
+              </a:lnTo>
+              <a:lnTo>
+                <a:pt x="81221" y="1092259"/>
+              </a:lnTo>
+              <a:lnTo>
+                <a:pt x="81221" y="1304032"/>
+              </a:lnTo>
+            </a:path>
+          </a:pathLst>
+        </a:custGeom>
+        <a:noFill/>
+        <a:ln w="12700" cap="flat" cmpd="sng" algn="ctr">
+          <a:solidFill>
+            <a:schemeClr val="accent1">
+              <a:shade val="60000"/>
+              <a:hueOff val="0"/>
+              <a:satOff val="0"/>
+              <a:lumOff val="0"/>
+              <a:alphaOff val="0"/>
+            </a:schemeClr>
+          </a:solidFill>
+          <a:prstDash val="solid"/>
+          <a:miter lim="800000"/>
+        </a:ln>
+        <a:effectLst/>
+      </dsp:spPr>
+      <dsp:style>
+        <a:lnRef idx="2">
+          <a:scrgbClr r="0" g="0" b="0"/>
+        </a:lnRef>
+        <a:fillRef idx="0">
+          <a:scrgbClr r="0" g="0" b="0"/>
+        </a:fillRef>
+        <a:effectRef idx="0">
+          <a:scrgbClr r="0" g="0" b="0"/>
+        </a:effectRef>
+        <a:fontRef idx="minor"/>
+      </dsp:style>
+    </dsp:sp>
+    <dsp:sp modelId="{76C095CC-8C37-4D40-B242-09C166A359BC}">
+      <dsp:nvSpPr>
+        <dsp:cNvPr id="0" name=""/>
+        <dsp:cNvSpPr/>
+      </dsp:nvSpPr>
+      <dsp:spPr>
+        <a:xfrm>
+          <a:off x="1143000" y="1617073"/>
+          <a:ext cx="2758498" cy="1304032"/>
+        </a:xfrm>
+        <a:custGeom>
+          <a:avLst/>
+          <a:gdLst/>
+          <a:ahLst/>
+          <a:cxnLst/>
+          <a:rect l="0" t="0" r="0" b="0"/>
+          <a:pathLst>
+            <a:path>
+              <a:moveTo>
+                <a:pt x="2758498" y="0"/>
+              </a:moveTo>
+              <a:lnTo>
+                <a:pt x="2758498" y="1092259"/>
+              </a:lnTo>
+              <a:lnTo>
+                <a:pt x="0" y="1092259"/>
+              </a:lnTo>
+              <a:lnTo>
+                <a:pt x="0" y="1304032"/>
+              </a:lnTo>
+            </a:path>
+          </a:pathLst>
+        </a:custGeom>
+        <a:noFill/>
+        <a:ln w="12700" cap="flat" cmpd="sng" algn="ctr">
+          <a:solidFill>
+            <a:schemeClr val="accent1">
+              <a:shade val="60000"/>
+              <a:hueOff val="0"/>
+              <a:satOff val="0"/>
+              <a:lumOff val="0"/>
+              <a:alphaOff val="0"/>
+            </a:schemeClr>
+          </a:solidFill>
+          <a:prstDash val="solid"/>
+          <a:miter lim="800000"/>
+        </a:ln>
+        <a:effectLst/>
+      </dsp:spPr>
+      <dsp:style>
+        <a:lnRef idx="2">
+          <a:scrgbClr r="0" g="0" b="0"/>
+        </a:lnRef>
+        <a:fillRef idx="0">
+          <a:scrgbClr r="0" g="0" b="0"/>
+        </a:fillRef>
+        <a:effectRef idx="0">
+          <a:scrgbClr r="0" g="0" b="0"/>
+        </a:effectRef>
+        <a:fontRef idx="minor"/>
+      </dsp:style>
+    </dsp:sp>
+    <dsp:sp modelId="{EDFABA5C-EF01-4399-A582-F0B4180721AF}">
+      <dsp:nvSpPr>
+        <dsp:cNvPr id="0" name=""/>
+        <dsp:cNvSpPr/>
+      </dsp:nvSpPr>
+      <dsp:spPr>
+        <a:xfrm>
+          <a:off x="2758498" y="165463"/>
+          <a:ext cx="2285999" cy="1451609"/>
+        </a:xfrm>
+        <a:prstGeom prst="roundRect">
+          <a:avLst>
+            <a:gd name="adj" fmla="val 10000"/>
+          </a:avLst>
+        </a:prstGeom>
+        <a:solidFill>
+          <a:schemeClr val="accent1">
+            <a:hueOff val="0"/>
+            <a:satOff val="0"/>
+            <a:lumOff val="0"/>
+            <a:alphaOff val="0"/>
+          </a:schemeClr>
+        </a:solidFill>
+        <a:ln w="12700" cap="flat" cmpd="sng" algn="ctr">
+          <a:solidFill>
+            <a:schemeClr val="lt1">
+              <a:hueOff val="0"/>
+              <a:satOff val="0"/>
+              <a:lumOff val="0"/>
+              <a:alphaOff val="0"/>
+            </a:schemeClr>
+          </a:solidFill>
+          <a:prstDash val="solid"/>
+          <a:miter lim="800000"/>
+        </a:ln>
+        <a:effectLst/>
+      </dsp:spPr>
+      <dsp:style>
+        <a:lnRef idx="2">
+          <a:scrgbClr r="0" g="0" b="0"/>
+        </a:lnRef>
+        <a:fillRef idx="1">
+          <a:scrgbClr r="0" g="0" b="0"/>
+        </a:fillRef>
+        <a:effectRef idx="0">
+          <a:scrgbClr r="0" g="0" b="0"/>
+        </a:effectRef>
+        <a:fontRef idx="minor">
+          <a:schemeClr val="lt1"/>
+        </a:fontRef>
+      </dsp:style>
+    </dsp:sp>
+    <dsp:sp modelId="{058A5A77-CA2E-4749-ABAA-3E0648D9E32F}">
+      <dsp:nvSpPr>
+        <dsp:cNvPr id="0" name=""/>
+        <dsp:cNvSpPr/>
+      </dsp:nvSpPr>
+      <dsp:spPr>
+        <a:xfrm>
+          <a:off x="3012498" y="406763"/>
+          <a:ext cx="2285999" cy="1451609"/>
+        </a:xfrm>
+        <a:prstGeom prst="roundRect">
+          <a:avLst>
+            <a:gd name="adj" fmla="val 10000"/>
+          </a:avLst>
+        </a:prstGeom>
+        <a:solidFill>
+          <a:schemeClr val="lt1">
+            <a:alpha val="90000"/>
+            <a:hueOff val="0"/>
+            <a:satOff val="0"/>
+            <a:lumOff val="0"/>
+            <a:alphaOff val="0"/>
+          </a:schemeClr>
+        </a:solidFill>
+        <a:ln w="12700" cap="flat" cmpd="sng" algn="ctr">
+          <a:solidFill>
+            <a:schemeClr val="accent1">
+              <a:hueOff val="0"/>
+              <a:satOff val="0"/>
+              <a:lumOff val="0"/>
+              <a:alphaOff val="0"/>
+            </a:schemeClr>
+          </a:solidFill>
+          <a:prstDash val="solid"/>
+          <a:miter lim="800000"/>
+        </a:ln>
+        <a:effectLst/>
+      </dsp:spPr>
+      <dsp:style>
+        <a:lnRef idx="2">
+          <a:scrgbClr r="0" g="0" b="0"/>
+        </a:lnRef>
+        <a:fillRef idx="1">
+          <a:scrgbClr r="0" g="0" b="0"/>
+        </a:fillRef>
+        <a:effectRef idx="0">
+          <a:scrgbClr r="0" g="0" b="0"/>
+        </a:effectRef>
+        <a:fontRef idx="minor"/>
+      </dsp:style>
+      <dsp:txBody>
+        <a:bodyPr spcFirstLastPara="0" vert="horz" wrap="square" lIns="106680" tIns="106680" rIns="106680" bIns="106680" numCol="1" spcCol="1270" anchor="ctr" anchorCtr="0">
+          <a:noAutofit/>
+        </a:bodyPr>
+        <a:lstStyle/>
+        <a:p>
+          <a:pPr marL="0" lvl="0" indent="0" algn="ctr" defTabSz="1244600">
+            <a:lnSpc>
+              <a:spcPct val="90000"/>
+            </a:lnSpc>
+            <a:spcBef>
+              <a:spcPct val="0"/>
+            </a:spcBef>
+            <a:spcAft>
+              <a:spcPct val="35000"/>
+            </a:spcAft>
+            <a:buNone/>
+          </a:pPr>
+          <a:r>
+            <a:rPr lang="en-US" sz="2800" kern="1200" dirty="0" err="1"/>
+            <a:t>TopasOpt</a:t>
+          </a:r>
+          <a:r>
+            <a:rPr lang="en-US" sz="2800" kern="1200" dirty="0"/>
+            <a:t> Base Class</a:t>
+          </a:r>
+          <a:endParaRPr lang="en-AU" sz="2800" kern="1200" dirty="0"/>
+        </a:p>
+      </dsp:txBody>
+      <dsp:txXfrm>
+        <a:off x="3055014" y="449279"/>
+        <a:ext cx="2200967" cy="1366577"/>
+      </dsp:txXfrm>
+    </dsp:sp>
+    <dsp:sp modelId="{67F04471-CE1B-4E68-8E60-065EE921FE7B}">
+      <dsp:nvSpPr>
+        <dsp:cNvPr id="0" name=""/>
+        <dsp:cNvSpPr/>
+      </dsp:nvSpPr>
+      <dsp:spPr>
+        <a:xfrm>
+          <a:off x="0" y="2921106"/>
+          <a:ext cx="2285999" cy="1451609"/>
+        </a:xfrm>
+        <a:prstGeom prst="roundRect">
+          <a:avLst>
+            <a:gd name="adj" fmla="val 10000"/>
+          </a:avLst>
+        </a:prstGeom>
+        <a:solidFill>
+          <a:schemeClr val="accent1">
+            <a:hueOff val="0"/>
+            <a:satOff val="0"/>
+            <a:lumOff val="0"/>
+            <a:alphaOff val="0"/>
+          </a:schemeClr>
+        </a:solidFill>
+        <a:ln w="12700" cap="flat" cmpd="sng" algn="ctr">
+          <a:solidFill>
+            <a:schemeClr val="lt1">
+              <a:hueOff val="0"/>
+              <a:satOff val="0"/>
+              <a:lumOff val="0"/>
+              <a:alphaOff val="0"/>
+            </a:schemeClr>
+          </a:solidFill>
+          <a:prstDash val="solid"/>
+          <a:miter lim="800000"/>
+        </a:ln>
+        <a:effectLst/>
+      </dsp:spPr>
+      <dsp:style>
+        <a:lnRef idx="2">
+          <a:scrgbClr r="0" g="0" b="0"/>
+        </a:lnRef>
+        <a:fillRef idx="1">
+          <a:scrgbClr r="0" g="0" b="0"/>
+        </a:fillRef>
+        <a:effectRef idx="0">
+          <a:scrgbClr r="0" g="0" b="0"/>
+        </a:effectRef>
+        <a:fontRef idx="minor">
+          <a:schemeClr val="lt1"/>
+        </a:fontRef>
+      </dsp:style>
+    </dsp:sp>
+    <dsp:sp modelId="{1AB7223D-EA1D-4E9B-BBB6-6EB1307B4933}">
+      <dsp:nvSpPr>
+        <dsp:cNvPr id="0" name=""/>
+        <dsp:cNvSpPr/>
+      </dsp:nvSpPr>
+      <dsp:spPr>
+        <a:xfrm>
+          <a:off x="254000" y="3162406"/>
+          <a:ext cx="2285999" cy="1451609"/>
+        </a:xfrm>
+        <a:prstGeom prst="roundRect">
+          <a:avLst>
+            <a:gd name="adj" fmla="val 10000"/>
+          </a:avLst>
+        </a:prstGeom>
+        <a:solidFill>
+          <a:schemeClr val="lt1">
+            <a:alpha val="90000"/>
+            <a:hueOff val="0"/>
+            <a:satOff val="0"/>
+            <a:lumOff val="0"/>
+            <a:alphaOff val="0"/>
+          </a:schemeClr>
+        </a:solidFill>
+        <a:ln w="12700" cap="flat" cmpd="sng" algn="ctr">
+          <a:solidFill>
+            <a:schemeClr val="accent1">
+              <a:hueOff val="0"/>
+              <a:satOff val="0"/>
+              <a:lumOff val="0"/>
+              <a:alphaOff val="0"/>
+            </a:schemeClr>
+          </a:solidFill>
+          <a:prstDash val="solid"/>
+          <a:miter lim="800000"/>
+        </a:ln>
+        <a:effectLst/>
+      </dsp:spPr>
+      <dsp:style>
+        <a:lnRef idx="2">
+          <a:scrgbClr r="0" g="0" b="0"/>
+        </a:lnRef>
+        <a:fillRef idx="1">
+          <a:scrgbClr r="0" g="0" b="0"/>
+        </a:fillRef>
+        <a:effectRef idx="0">
+          <a:scrgbClr r="0" g="0" b="0"/>
+        </a:effectRef>
+        <a:fontRef idx="minor"/>
+      </dsp:style>
+      <dsp:txBody>
+        <a:bodyPr spcFirstLastPara="0" vert="horz" wrap="square" lIns="106680" tIns="106680" rIns="106680" bIns="106680" numCol="1" spcCol="1270" anchor="ctr" anchorCtr="0">
+          <a:noAutofit/>
+        </a:bodyPr>
+        <a:lstStyle/>
+        <a:p>
+          <a:pPr marL="0" lvl="0" indent="0" algn="ctr" defTabSz="1244600">
+            <a:lnSpc>
+              <a:spcPct val="90000"/>
+            </a:lnSpc>
+            <a:spcBef>
+              <a:spcPct val="0"/>
+            </a:spcBef>
+            <a:spcAft>
+              <a:spcPct val="35000"/>
+            </a:spcAft>
+            <a:buNone/>
+          </a:pPr>
+          <a:r>
+            <a:rPr lang="en-US" sz="2800" kern="1200" dirty="0" err="1"/>
+            <a:t>Nelder</a:t>
+          </a:r>
+          <a:r>
+            <a:rPr lang="en-US" sz="2800" kern="1200" dirty="0"/>
+            <a:t>-Mead </a:t>
+          </a:r>
+          <a:r>
+            <a:rPr lang="en-US" sz="2800" kern="1200" dirty="0" err="1"/>
+            <a:t>Optimiser</a:t>
+          </a:r>
+          <a:endParaRPr lang="en-AU" sz="2800" kern="1200" dirty="0"/>
+        </a:p>
+      </dsp:txBody>
+      <dsp:txXfrm>
+        <a:off x="296516" y="3204922"/>
+        <a:ext cx="2200967" cy="1366577"/>
+      </dsp:txXfrm>
+    </dsp:sp>
+    <dsp:sp modelId="{494C29B1-0B33-490D-9351-0CD2E11A05A4}">
+      <dsp:nvSpPr>
+        <dsp:cNvPr id="0" name=""/>
+        <dsp:cNvSpPr/>
+      </dsp:nvSpPr>
+      <dsp:spPr>
+        <a:xfrm>
+          <a:off x="2794000" y="2921106"/>
+          <a:ext cx="2285999" cy="1451609"/>
+        </a:xfrm>
+        <a:prstGeom prst="roundRect">
+          <a:avLst>
+            <a:gd name="adj" fmla="val 10000"/>
+          </a:avLst>
+        </a:prstGeom>
+        <a:solidFill>
+          <a:schemeClr val="accent1">
+            <a:hueOff val="0"/>
+            <a:satOff val="0"/>
+            <a:lumOff val="0"/>
+            <a:alphaOff val="0"/>
+          </a:schemeClr>
+        </a:solidFill>
+        <a:ln w="12700" cap="flat" cmpd="sng" algn="ctr">
+          <a:solidFill>
+            <a:schemeClr val="lt1">
+              <a:hueOff val="0"/>
+              <a:satOff val="0"/>
+              <a:lumOff val="0"/>
+              <a:alphaOff val="0"/>
+            </a:schemeClr>
+          </a:solidFill>
+          <a:prstDash val="solid"/>
+          <a:miter lim="800000"/>
+        </a:ln>
+        <a:effectLst/>
+      </dsp:spPr>
+      <dsp:style>
+        <a:lnRef idx="2">
+          <a:scrgbClr r="0" g="0" b="0"/>
+        </a:lnRef>
+        <a:fillRef idx="1">
+          <a:scrgbClr r="0" g="0" b="0"/>
+        </a:fillRef>
+        <a:effectRef idx="0">
+          <a:scrgbClr r="0" g="0" b="0"/>
+        </a:effectRef>
+        <a:fontRef idx="minor">
+          <a:schemeClr val="lt1"/>
+        </a:fontRef>
+      </dsp:style>
+    </dsp:sp>
+    <dsp:sp modelId="{20487E87-B3E6-4629-A97F-20B44B1891A2}">
+      <dsp:nvSpPr>
+        <dsp:cNvPr id="0" name=""/>
+        <dsp:cNvSpPr/>
+      </dsp:nvSpPr>
+      <dsp:spPr>
+        <a:xfrm>
+          <a:off x="3048000" y="3162406"/>
+          <a:ext cx="2285999" cy="1451609"/>
+        </a:xfrm>
+        <a:prstGeom prst="roundRect">
+          <a:avLst>
+            <a:gd name="adj" fmla="val 10000"/>
+          </a:avLst>
+        </a:prstGeom>
+        <a:solidFill>
+          <a:schemeClr val="lt1">
+            <a:alpha val="90000"/>
+            <a:hueOff val="0"/>
+            <a:satOff val="0"/>
+            <a:lumOff val="0"/>
+            <a:alphaOff val="0"/>
+          </a:schemeClr>
+        </a:solidFill>
+        <a:ln w="12700" cap="flat" cmpd="sng" algn="ctr">
+          <a:solidFill>
+            <a:schemeClr val="accent1">
+              <a:hueOff val="0"/>
+              <a:satOff val="0"/>
+              <a:lumOff val="0"/>
+              <a:alphaOff val="0"/>
+            </a:schemeClr>
+          </a:solidFill>
+          <a:prstDash val="solid"/>
+          <a:miter lim="800000"/>
+        </a:ln>
+        <a:effectLst/>
+      </dsp:spPr>
+      <dsp:style>
+        <a:lnRef idx="2">
+          <a:scrgbClr r="0" g="0" b="0"/>
+        </a:lnRef>
+        <a:fillRef idx="1">
+          <a:scrgbClr r="0" g="0" b="0"/>
+        </a:fillRef>
+        <a:effectRef idx="0">
+          <a:scrgbClr r="0" g="0" b="0"/>
+        </a:effectRef>
+        <a:fontRef idx="minor"/>
+      </dsp:style>
+      <dsp:txBody>
+        <a:bodyPr spcFirstLastPara="0" vert="horz" wrap="square" lIns="106680" tIns="106680" rIns="106680" bIns="106680" numCol="1" spcCol="1270" anchor="ctr" anchorCtr="0">
+          <a:noAutofit/>
+        </a:bodyPr>
+        <a:lstStyle/>
+        <a:p>
+          <a:pPr marL="0" lvl="0" indent="0" algn="ctr" defTabSz="1244600">
+            <a:lnSpc>
+              <a:spcPct val="90000"/>
+            </a:lnSpc>
+            <a:spcBef>
+              <a:spcPct val="0"/>
+            </a:spcBef>
+            <a:spcAft>
+              <a:spcPct val="35000"/>
+            </a:spcAft>
+            <a:buNone/>
+          </a:pPr>
+          <a:r>
+            <a:rPr lang="en-US" sz="2800" kern="1200" dirty="0"/>
+            <a:t>Bayesian </a:t>
+          </a:r>
+          <a:r>
+            <a:rPr lang="en-US" sz="2800" kern="1200" dirty="0" err="1"/>
+            <a:t>Optimiser</a:t>
+          </a:r>
+          <a:endParaRPr lang="en-AU" sz="2800" kern="1200" dirty="0"/>
+        </a:p>
+      </dsp:txBody>
+      <dsp:txXfrm>
+        <a:off x="3090516" y="3204922"/>
+        <a:ext cx="2200967" cy="1366577"/>
+      </dsp:txXfrm>
+    </dsp:sp>
+    <dsp:sp modelId="{DCC66989-F8BD-4509-8ED8-A103869DCFF9}">
+      <dsp:nvSpPr>
+        <dsp:cNvPr id="0" name=""/>
+        <dsp:cNvSpPr/>
+      </dsp:nvSpPr>
+      <dsp:spPr>
+        <a:xfrm>
+          <a:off x="5587999" y="2921106"/>
+          <a:ext cx="2285999" cy="1451609"/>
+        </a:xfrm>
+        <a:prstGeom prst="roundRect">
+          <a:avLst>
+            <a:gd name="adj" fmla="val 10000"/>
+          </a:avLst>
+        </a:prstGeom>
+        <a:solidFill>
+          <a:schemeClr val="accent1">
+            <a:hueOff val="0"/>
+            <a:satOff val="0"/>
+            <a:lumOff val="0"/>
+            <a:alphaOff val="0"/>
+          </a:schemeClr>
+        </a:solidFill>
+        <a:ln w="12700" cap="flat" cmpd="sng" algn="ctr">
+          <a:solidFill>
+            <a:schemeClr val="lt1">
+              <a:hueOff val="0"/>
+              <a:satOff val="0"/>
+              <a:lumOff val="0"/>
+              <a:alphaOff val="0"/>
+            </a:schemeClr>
+          </a:solidFill>
+          <a:prstDash val="solid"/>
+          <a:miter lim="800000"/>
+        </a:ln>
+        <a:effectLst/>
+      </dsp:spPr>
+      <dsp:style>
+        <a:lnRef idx="2">
+          <a:scrgbClr r="0" g="0" b="0"/>
+        </a:lnRef>
+        <a:fillRef idx="1">
+          <a:scrgbClr r="0" g="0" b="0"/>
+        </a:fillRef>
+        <a:effectRef idx="0">
+          <a:scrgbClr r="0" g="0" b="0"/>
+        </a:effectRef>
+        <a:fontRef idx="minor">
+          <a:schemeClr val="lt1"/>
+        </a:fontRef>
+      </dsp:style>
+    </dsp:sp>
+    <dsp:sp modelId="{556BAABD-C2B9-4946-BB39-3B6FDCE5110E}">
+      <dsp:nvSpPr>
+        <dsp:cNvPr id="0" name=""/>
+        <dsp:cNvSpPr/>
+      </dsp:nvSpPr>
+      <dsp:spPr>
+        <a:xfrm>
+          <a:off x="5841999" y="3162406"/>
+          <a:ext cx="2285999" cy="1451609"/>
+        </a:xfrm>
+        <a:prstGeom prst="roundRect">
+          <a:avLst>
+            <a:gd name="adj" fmla="val 10000"/>
+          </a:avLst>
+        </a:prstGeom>
+        <a:solidFill>
+          <a:schemeClr val="lt1">
+            <a:alpha val="90000"/>
+            <a:hueOff val="0"/>
+            <a:satOff val="0"/>
+            <a:lumOff val="0"/>
+            <a:alphaOff val="0"/>
+          </a:schemeClr>
+        </a:solidFill>
+        <a:ln w="12700" cap="flat" cmpd="sng" algn="ctr">
+          <a:solidFill>
+            <a:schemeClr val="accent1">
+              <a:hueOff val="0"/>
+              <a:satOff val="0"/>
+              <a:lumOff val="0"/>
+              <a:alphaOff val="0"/>
+            </a:schemeClr>
+          </a:solidFill>
+          <a:prstDash val="solid"/>
+          <a:miter lim="800000"/>
+        </a:ln>
+        <a:effectLst/>
+      </dsp:spPr>
+      <dsp:style>
+        <a:lnRef idx="2">
+          <a:scrgbClr r="0" g="0" b="0"/>
+        </a:lnRef>
+        <a:fillRef idx="1">
+          <a:scrgbClr r="0" g="0" b="0"/>
+        </a:fillRef>
+        <a:effectRef idx="0">
+          <a:scrgbClr r="0" g="0" b="0"/>
+        </a:effectRef>
+        <a:fontRef idx="minor"/>
+      </dsp:style>
+      <dsp:txBody>
+        <a:bodyPr spcFirstLastPara="0" vert="horz" wrap="square" lIns="106680" tIns="106680" rIns="106680" bIns="106680" numCol="1" spcCol="1270" anchor="ctr" anchorCtr="0">
+          <a:noAutofit/>
+        </a:bodyPr>
+        <a:lstStyle/>
+        <a:p>
+          <a:pPr marL="0" lvl="0" indent="0" algn="ctr" defTabSz="1244600">
+            <a:lnSpc>
+              <a:spcPct val="90000"/>
+            </a:lnSpc>
+            <a:spcBef>
+              <a:spcPct val="0"/>
+            </a:spcBef>
+            <a:spcAft>
+              <a:spcPct val="35000"/>
+            </a:spcAft>
+            <a:buNone/>
+          </a:pPr>
+          <a:r>
+            <a:rPr lang="en-US" sz="2800" kern="1200" dirty="0"/>
+            <a:t>Other </a:t>
+          </a:r>
+          <a:r>
+            <a:rPr lang="en-US" sz="2800" kern="1200" dirty="0" err="1"/>
+            <a:t>optimisers</a:t>
+          </a:r>
+          <a:endParaRPr lang="en-AU" sz="2800" kern="1200" dirty="0"/>
+        </a:p>
+      </dsp:txBody>
+      <dsp:txXfrm>
+        <a:off x="5884515" y="3204922"/>
+        <a:ext cx="2200967" cy="1366577"/>
+      </dsp:txXfrm>
+    </dsp:sp>
+  </dsp:spTree>
+</dsp:drawing>
+</file>
+
+<file path=ppt/diagrams/drawing2.xml><?xml version="1.0" encoding="utf-8"?>
+<dsp:drawing xmlns:dgm="http://schemas.openxmlformats.org/drawingml/2006/diagram" xmlns:dsp="http://schemas.microsoft.com/office/drawing/2008/diagram" xmlns:a="http://schemas.openxmlformats.org/drawingml/2006/main">
+  <dsp:spTree>
+    <dsp:nvGrpSpPr>
+      <dsp:cNvPr id="0" name=""/>
+      <dsp:cNvGrpSpPr/>
+    </dsp:nvGrpSpPr>
+    <dsp:grpSpPr/>
+    <dsp:sp modelId="{A31CC1F7-60FE-4B7C-B85F-3F4397C0158D}">
+      <dsp:nvSpPr>
+        <dsp:cNvPr id="0" name=""/>
+        <dsp:cNvSpPr/>
+      </dsp:nvSpPr>
+      <dsp:spPr>
+        <a:xfrm>
+          <a:off x="3174007" y="3160"/>
+          <a:ext cx="1779984" cy="1156989"/>
+        </a:xfrm>
+        <a:prstGeom prst="roundRect">
+          <a:avLst/>
+        </a:prstGeom>
+        <a:solidFill>
+          <a:schemeClr val="accent1">
+            <a:hueOff val="0"/>
+            <a:satOff val="0"/>
+            <a:lumOff val="0"/>
+            <a:alphaOff val="0"/>
+          </a:schemeClr>
+        </a:solidFill>
+        <a:ln w="12700" cap="flat" cmpd="sng" algn="ctr">
+          <a:solidFill>
+            <a:schemeClr val="lt1">
+              <a:hueOff val="0"/>
+              <a:satOff val="0"/>
+              <a:lumOff val="0"/>
+              <a:alphaOff val="0"/>
+            </a:schemeClr>
+          </a:solidFill>
+          <a:prstDash val="solid"/>
+          <a:miter lim="800000"/>
+        </a:ln>
+        <a:effectLst/>
+      </dsp:spPr>
+      <dsp:style>
+        <a:lnRef idx="2">
+          <a:scrgbClr r="0" g="0" b="0"/>
+        </a:lnRef>
+        <a:fillRef idx="1">
+          <a:scrgbClr r="0" g="0" b="0"/>
+        </a:fillRef>
+        <a:effectRef idx="0">
+          <a:scrgbClr r="0" g="0" b="0"/>
+        </a:effectRef>
+        <a:fontRef idx="minor">
+          <a:schemeClr val="lt1"/>
+        </a:fontRef>
+      </dsp:style>
+      <dsp:txBody>
+        <a:bodyPr spcFirstLastPara="0" vert="horz" wrap="square" lIns="110490" tIns="110490" rIns="110490" bIns="110490" numCol="1" spcCol="1270" anchor="ctr" anchorCtr="0">
+          <a:noAutofit/>
+        </a:bodyPr>
+        <a:lstStyle/>
+        <a:p>
+          <a:pPr marL="0" lvl="0" indent="0" algn="ctr" defTabSz="1289050">
+            <a:lnSpc>
+              <a:spcPct val="90000"/>
+            </a:lnSpc>
+            <a:spcBef>
+              <a:spcPct val="0"/>
+            </a:spcBef>
+            <a:spcAft>
+              <a:spcPct val="35000"/>
+            </a:spcAft>
+            <a:buNone/>
+          </a:pPr>
+          <a:r>
+            <a:rPr lang="en-US" sz="2900" kern="1200" dirty="0"/>
+            <a:t>Generate model</a:t>
+          </a:r>
+          <a:endParaRPr lang="en-AU" sz="2900" kern="1200" dirty="0"/>
+        </a:p>
+      </dsp:txBody>
+      <dsp:txXfrm>
+        <a:off x="3230487" y="59640"/>
+        <a:ext cx="1667024" cy="1044029"/>
+      </dsp:txXfrm>
+    </dsp:sp>
+    <dsp:sp modelId="{7BD50D8D-58FC-4216-85D4-B6BF9630CBC4}">
+      <dsp:nvSpPr>
+        <dsp:cNvPr id="0" name=""/>
+        <dsp:cNvSpPr/>
+      </dsp:nvSpPr>
+      <dsp:spPr>
+        <a:xfrm>
+          <a:off x="1753873" y="581655"/>
+          <a:ext cx="4620252" cy="4620252"/>
+        </a:xfrm>
+        <a:custGeom>
+          <a:avLst/>
+          <a:gdLst/>
+          <a:ahLst/>
+          <a:cxnLst/>
+          <a:rect l="0" t="0" r="0" b="0"/>
+          <a:pathLst>
+            <a:path>
+              <a:moveTo>
+                <a:pt x="3438230" y="294173"/>
+              </a:moveTo>
+              <a:arcTo wR="2310126" hR="2310126" stAng="17953853" swAng="1210876"/>
+            </a:path>
+          </a:pathLst>
+        </a:custGeom>
+        <a:noFill/>
+        <a:ln w="6350" cap="flat" cmpd="sng" algn="ctr">
+          <a:solidFill>
+            <a:schemeClr val="accent1">
+              <a:hueOff val="0"/>
+              <a:satOff val="0"/>
+              <a:lumOff val="0"/>
+              <a:alphaOff val="0"/>
+            </a:schemeClr>
+          </a:solidFill>
+          <a:prstDash val="solid"/>
+          <a:miter lim="800000"/>
+          <a:tailEnd type="arrow"/>
+        </a:ln>
+        <a:effectLst/>
+      </dsp:spPr>
+      <dsp:style>
+        <a:lnRef idx="1">
+          <a:scrgbClr r="0" g="0" b="0"/>
+        </a:lnRef>
+        <a:fillRef idx="0">
+          <a:scrgbClr r="0" g="0" b="0"/>
+        </a:fillRef>
+        <a:effectRef idx="0">
+          <a:scrgbClr r="0" g="0" b="0"/>
+        </a:effectRef>
+        <a:fontRef idx="minor"/>
+      </dsp:style>
+    </dsp:sp>
+    <dsp:sp modelId="{4D429D02-90DB-4BF1-A96D-8F0FD96F601F}">
+      <dsp:nvSpPr>
+        <dsp:cNvPr id="0" name=""/>
+        <dsp:cNvSpPr/>
+      </dsp:nvSpPr>
+      <dsp:spPr>
+        <a:xfrm>
+          <a:off x="5371068" y="1599418"/>
+          <a:ext cx="1779984" cy="1156989"/>
+        </a:xfrm>
+        <a:prstGeom prst="roundRect">
+          <a:avLst/>
+        </a:prstGeom>
+        <a:solidFill>
+          <a:schemeClr val="accent1">
+            <a:hueOff val="0"/>
+            <a:satOff val="0"/>
+            <a:lumOff val="0"/>
+            <a:alphaOff val="0"/>
+          </a:schemeClr>
+        </a:solidFill>
+        <a:ln w="12700" cap="flat" cmpd="sng" algn="ctr">
+          <a:solidFill>
+            <a:schemeClr val="lt1">
+              <a:hueOff val="0"/>
+              <a:satOff val="0"/>
+              <a:lumOff val="0"/>
+              <a:alphaOff val="0"/>
+            </a:schemeClr>
+          </a:solidFill>
+          <a:prstDash val="solid"/>
+          <a:miter lim="800000"/>
+        </a:ln>
+        <a:effectLst/>
+      </dsp:spPr>
+      <dsp:style>
+        <a:lnRef idx="2">
+          <a:scrgbClr r="0" g="0" b="0"/>
+        </a:lnRef>
+        <a:fillRef idx="1">
+          <a:scrgbClr r="0" g="0" b="0"/>
+        </a:fillRef>
+        <a:effectRef idx="0">
+          <a:scrgbClr r="0" g="0" b="0"/>
+        </a:effectRef>
+        <a:fontRef idx="minor">
+          <a:schemeClr val="lt1"/>
+        </a:fontRef>
+      </dsp:style>
+      <dsp:txBody>
+        <a:bodyPr spcFirstLastPara="0" vert="horz" wrap="square" lIns="110490" tIns="110490" rIns="110490" bIns="110490" numCol="1" spcCol="1270" anchor="ctr" anchorCtr="0">
+          <a:noAutofit/>
+        </a:bodyPr>
+        <a:lstStyle/>
+        <a:p>
+          <a:pPr marL="0" lvl="0" indent="0" algn="ctr" defTabSz="1289050">
+            <a:lnSpc>
+              <a:spcPct val="90000"/>
+            </a:lnSpc>
+            <a:spcBef>
+              <a:spcPct val="0"/>
+            </a:spcBef>
+            <a:spcAft>
+              <a:spcPct val="35000"/>
+            </a:spcAft>
+            <a:buNone/>
+          </a:pPr>
+          <a:r>
+            <a:rPr lang="en-US" sz="2900" kern="1200" dirty="0"/>
+            <a:t>Run model</a:t>
+          </a:r>
+          <a:endParaRPr lang="en-AU" sz="2900" kern="1200" dirty="0"/>
+        </a:p>
+      </dsp:txBody>
+      <dsp:txXfrm>
+        <a:off x="5427548" y="1655898"/>
+        <a:ext cx="1667024" cy="1044029"/>
+      </dsp:txXfrm>
+    </dsp:sp>
+    <dsp:sp modelId="{13FB90BD-7D44-4D40-B181-4CDAAD1EF864}">
+      <dsp:nvSpPr>
+        <dsp:cNvPr id="0" name=""/>
+        <dsp:cNvSpPr/>
+      </dsp:nvSpPr>
+      <dsp:spPr>
+        <a:xfrm>
+          <a:off x="1753873" y="581655"/>
+          <a:ext cx="4620252" cy="4620252"/>
+        </a:xfrm>
+        <a:custGeom>
+          <a:avLst/>
+          <a:gdLst/>
+          <a:ahLst/>
+          <a:cxnLst/>
+          <a:rect l="0" t="0" r="0" b="0"/>
+          <a:pathLst>
+            <a:path>
+              <a:moveTo>
+                <a:pt x="4614700" y="2470186"/>
+              </a:moveTo>
+              <a:arcTo wR="2310126" hR="2310126" stAng="21838381" swAng="1359213"/>
+            </a:path>
+          </a:pathLst>
+        </a:custGeom>
+        <a:noFill/>
+        <a:ln w="6350" cap="flat" cmpd="sng" algn="ctr">
+          <a:solidFill>
+            <a:schemeClr val="accent1">
+              <a:hueOff val="0"/>
+              <a:satOff val="0"/>
+              <a:lumOff val="0"/>
+              <a:alphaOff val="0"/>
+            </a:schemeClr>
+          </a:solidFill>
+          <a:prstDash val="solid"/>
+          <a:miter lim="800000"/>
+          <a:tailEnd type="arrow"/>
+        </a:ln>
+        <a:effectLst/>
+      </dsp:spPr>
+      <dsp:style>
+        <a:lnRef idx="1">
+          <a:scrgbClr r="0" g="0" b="0"/>
+        </a:lnRef>
+        <a:fillRef idx="0">
+          <a:scrgbClr r="0" g="0" b="0"/>
+        </a:fillRef>
+        <a:effectRef idx="0">
+          <a:scrgbClr r="0" g="0" b="0"/>
+        </a:effectRef>
+        <a:fontRef idx="minor"/>
+      </dsp:style>
+    </dsp:sp>
+    <dsp:sp modelId="{4394D5A6-88BE-4778-B61D-949313331D48}">
+      <dsp:nvSpPr>
+        <dsp:cNvPr id="0" name=""/>
+        <dsp:cNvSpPr/>
+      </dsp:nvSpPr>
+      <dsp:spPr>
+        <a:xfrm>
+          <a:off x="4531865" y="4182218"/>
+          <a:ext cx="1779984" cy="1156989"/>
+        </a:xfrm>
+        <a:prstGeom prst="roundRect">
+          <a:avLst/>
+        </a:prstGeom>
+        <a:solidFill>
+          <a:schemeClr val="accent1">
+            <a:hueOff val="0"/>
+            <a:satOff val="0"/>
+            <a:lumOff val="0"/>
+            <a:alphaOff val="0"/>
+          </a:schemeClr>
+        </a:solidFill>
+        <a:ln w="12700" cap="flat" cmpd="sng" algn="ctr">
+          <a:solidFill>
+            <a:schemeClr val="lt1">
+              <a:hueOff val="0"/>
+              <a:satOff val="0"/>
+              <a:lumOff val="0"/>
+              <a:alphaOff val="0"/>
+            </a:schemeClr>
+          </a:solidFill>
+          <a:prstDash val="solid"/>
+          <a:miter lim="800000"/>
+        </a:ln>
+        <a:effectLst/>
+      </dsp:spPr>
+      <dsp:style>
+        <a:lnRef idx="2">
+          <a:scrgbClr r="0" g="0" b="0"/>
+        </a:lnRef>
+        <a:fillRef idx="1">
+          <a:scrgbClr r="0" g="0" b="0"/>
+        </a:fillRef>
+        <a:effectRef idx="0">
+          <a:scrgbClr r="0" g="0" b="0"/>
+        </a:effectRef>
+        <a:fontRef idx="minor">
+          <a:schemeClr val="lt1"/>
+        </a:fontRef>
+      </dsp:style>
+      <dsp:txBody>
+        <a:bodyPr spcFirstLastPara="0" vert="horz" wrap="square" lIns="110490" tIns="110490" rIns="110490" bIns="110490" numCol="1" spcCol="1270" anchor="ctr" anchorCtr="0">
+          <a:noAutofit/>
+        </a:bodyPr>
+        <a:lstStyle/>
+        <a:p>
+          <a:pPr marL="0" lvl="0" indent="0" algn="ctr" defTabSz="1289050">
+            <a:lnSpc>
+              <a:spcPct val="90000"/>
+            </a:lnSpc>
+            <a:spcBef>
+              <a:spcPct val="0"/>
+            </a:spcBef>
+            <a:spcAft>
+              <a:spcPct val="35000"/>
+            </a:spcAft>
+            <a:buNone/>
+          </a:pPr>
+          <a:endParaRPr lang="en-AU" sz="2900" kern="1200"/>
+        </a:p>
+      </dsp:txBody>
+      <dsp:txXfrm>
+        <a:off x="4588345" y="4238698"/>
+        <a:ext cx="1667024" cy="1044029"/>
+      </dsp:txXfrm>
+    </dsp:sp>
+    <dsp:sp modelId="{E0970447-FFB7-432C-ABAF-E4405A48A7D0}">
+      <dsp:nvSpPr>
+        <dsp:cNvPr id="0" name=""/>
+        <dsp:cNvSpPr/>
+      </dsp:nvSpPr>
+      <dsp:spPr>
+        <a:xfrm>
+          <a:off x="1753873" y="581655"/>
+          <a:ext cx="4620252" cy="4620252"/>
+        </a:xfrm>
+        <a:custGeom>
+          <a:avLst/>
+          <a:gdLst/>
+          <a:ahLst/>
+          <a:cxnLst/>
+          <a:rect l="0" t="0" r="0" b="0"/>
+          <a:pathLst>
+            <a:path>
+              <a:moveTo>
+                <a:pt x="2593389" y="4602819"/>
+              </a:moveTo>
+              <a:arcTo wR="2310126" hR="2310126" stAng="4977406" swAng="845189"/>
+            </a:path>
+          </a:pathLst>
+        </a:custGeom>
+        <a:noFill/>
+        <a:ln w="6350" cap="flat" cmpd="sng" algn="ctr">
+          <a:solidFill>
+            <a:schemeClr val="accent1">
+              <a:hueOff val="0"/>
+              <a:satOff val="0"/>
+              <a:lumOff val="0"/>
+              <a:alphaOff val="0"/>
+            </a:schemeClr>
+          </a:solidFill>
+          <a:prstDash val="solid"/>
+          <a:miter lim="800000"/>
+          <a:tailEnd type="arrow"/>
+        </a:ln>
+        <a:effectLst/>
+      </dsp:spPr>
+      <dsp:style>
+        <a:lnRef idx="1">
+          <a:scrgbClr r="0" g="0" b="0"/>
+        </a:lnRef>
+        <a:fillRef idx="0">
+          <a:scrgbClr r="0" g="0" b="0"/>
+        </a:fillRef>
+        <a:effectRef idx="0">
+          <a:scrgbClr r="0" g="0" b="0"/>
+        </a:effectRef>
+        <a:fontRef idx="minor"/>
+      </dsp:style>
+    </dsp:sp>
+    <dsp:sp modelId="{FB64DF27-050B-43CB-B83A-84DFBE06C818}">
+      <dsp:nvSpPr>
+        <dsp:cNvPr id="0" name=""/>
+        <dsp:cNvSpPr/>
+      </dsp:nvSpPr>
+      <dsp:spPr>
+        <a:xfrm>
+          <a:off x="1816149" y="4182218"/>
+          <a:ext cx="1779984" cy="1156989"/>
+        </a:xfrm>
+        <a:prstGeom prst="roundRect">
+          <a:avLst/>
+        </a:prstGeom>
+        <a:solidFill>
+          <a:schemeClr val="accent1">
+            <a:hueOff val="0"/>
+            <a:satOff val="0"/>
+            <a:lumOff val="0"/>
+            <a:alphaOff val="0"/>
+          </a:schemeClr>
+        </a:solidFill>
+        <a:ln w="12700" cap="flat" cmpd="sng" algn="ctr">
+          <a:solidFill>
+            <a:schemeClr val="lt1">
+              <a:hueOff val="0"/>
+              <a:satOff val="0"/>
+              <a:lumOff val="0"/>
+              <a:alphaOff val="0"/>
+            </a:schemeClr>
+          </a:solidFill>
+          <a:prstDash val="solid"/>
+          <a:miter lim="800000"/>
+        </a:ln>
+        <a:effectLst/>
+      </dsp:spPr>
+      <dsp:style>
+        <a:lnRef idx="2">
+          <a:scrgbClr r="0" g="0" b="0"/>
+        </a:lnRef>
+        <a:fillRef idx="1">
+          <a:scrgbClr r="0" g="0" b="0"/>
+        </a:fillRef>
+        <a:effectRef idx="0">
+          <a:scrgbClr r="0" g="0" b="0"/>
+        </a:effectRef>
+        <a:fontRef idx="minor">
+          <a:schemeClr val="lt1"/>
+        </a:fontRef>
+      </dsp:style>
+      <dsp:txBody>
+        <a:bodyPr spcFirstLastPara="0" vert="horz" wrap="square" lIns="110490" tIns="110490" rIns="110490" bIns="110490" numCol="1" spcCol="1270" anchor="ctr" anchorCtr="0">
+          <a:noAutofit/>
+        </a:bodyPr>
+        <a:lstStyle/>
+        <a:p>
+          <a:pPr marL="0" lvl="0" indent="0" algn="ctr" defTabSz="1289050">
+            <a:lnSpc>
+              <a:spcPct val="90000"/>
+            </a:lnSpc>
+            <a:spcBef>
+              <a:spcPct val="0"/>
+            </a:spcBef>
+            <a:spcAft>
+              <a:spcPct val="35000"/>
+            </a:spcAft>
+            <a:buNone/>
+          </a:pPr>
+          <a:endParaRPr lang="en-AU" sz="2900" kern="1200"/>
+        </a:p>
+      </dsp:txBody>
+      <dsp:txXfrm>
+        <a:off x="1872629" y="4238698"/>
+        <a:ext cx="1667024" cy="1044029"/>
+      </dsp:txXfrm>
+    </dsp:sp>
+    <dsp:sp modelId="{CDC47236-6643-4E16-B31C-C0B6AE412CF1}">
+      <dsp:nvSpPr>
+        <dsp:cNvPr id="0" name=""/>
+        <dsp:cNvSpPr/>
+      </dsp:nvSpPr>
+      <dsp:spPr>
+        <a:xfrm>
+          <a:off x="1753873" y="581655"/>
+          <a:ext cx="4620252" cy="4620252"/>
+        </a:xfrm>
+        <a:custGeom>
+          <a:avLst/>
+          <a:gdLst/>
+          <a:ahLst/>
+          <a:cxnLst/>
+          <a:rect l="0" t="0" r="0" b="0"/>
+          <a:pathLst>
+            <a:path>
+              <a:moveTo>
+                <a:pt x="244996" y="3345463"/>
+              </a:moveTo>
+              <a:arcTo wR="2310126" hR="2310126" stAng="9202406" swAng="1359213"/>
+            </a:path>
+          </a:pathLst>
+        </a:custGeom>
+        <a:noFill/>
+        <a:ln w="6350" cap="flat" cmpd="sng" algn="ctr">
+          <a:solidFill>
+            <a:schemeClr val="accent1">
+              <a:hueOff val="0"/>
+              <a:satOff val="0"/>
+              <a:lumOff val="0"/>
+              <a:alphaOff val="0"/>
+            </a:schemeClr>
+          </a:solidFill>
+          <a:prstDash val="solid"/>
+          <a:miter lim="800000"/>
+          <a:tailEnd type="arrow"/>
+        </a:ln>
+        <a:effectLst/>
+      </dsp:spPr>
+      <dsp:style>
+        <a:lnRef idx="1">
+          <a:scrgbClr r="0" g="0" b="0"/>
+        </a:lnRef>
+        <a:fillRef idx="0">
+          <a:scrgbClr r="0" g="0" b="0"/>
+        </a:fillRef>
+        <a:effectRef idx="0">
+          <a:scrgbClr r="0" g="0" b="0"/>
+        </a:effectRef>
+        <a:fontRef idx="minor"/>
+      </dsp:style>
+    </dsp:sp>
+    <dsp:sp modelId="{0C66FA79-4F4C-4D26-A54E-90C3BC682A1F}">
+      <dsp:nvSpPr>
+        <dsp:cNvPr id="0" name=""/>
+        <dsp:cNvSpPr/>
+      </dsp:nvSpPr>
+      <dsp:spPr>
+        <a:xfrm>
+          <a:off x="976947" y="1599418"/>
+          <a:ext cx="1779984" cy="1156989"/>
+        </a:xfrm>
+        <a:prstGeom prst="roundRect">
+          <a:avLst/>
+        </a:prstGeom>
+        <a:solidFill>
+          <a:schemeClr val="accent1">
+            <a:hueOff val="0"/>
+            <a:satOff val="0"/>
+            <a:lumOff val="0"/>
+            <a:alphaOff val="0"/>
+          </a:schemeClr>
+        </a:solidFill>
+        <a:ln w="12700" cap="flat" cmpd="sng" algn="ctr">
+          <a:solidFill>
+            <a:schemeClr val="lt1">
+              <a:hueOff val="0"/>
+              <a:satOff val="0"/>
+              <a:lumOff val="0"/>
+              <a:alphaOff val="0"/>
+            </a:schemeClr>
+          </a:solidFill>
+          <a:prstDash val="solid"/>
+          <a:miter lim="800000"/>
+        </a:ln>
+        <a:effectLst/>
+      </dsp:spPr>
+      <dsp:style>
+        <a:lnRef idx="2">
+          <a:scrgbClr r="0" g="0" b="0"/>
+        </a:lnRef>
+        <a:fillRef idx="1">
+          <a:scrgbClr r="0" g="0" b="0"/>
+        </a:fillRef>
+        <a:effectRef idx="0">
+          <a:scrgbClr r="0" g="0" b="0"/>
+        </a:effectRef>
+        <a:fontRef idx="minor">
+          <a:schemeClr val="lt1"/>
+        </a:fontRef>
+      </dsp:style>
+      <dsp:txBody>
+        <a:bodyPr spcFirstLastPara="0" vert="horz" wrap="square" lIns="110490" tIns="110490" rIns="110490" bIns="110490" numCol="1" spcCol="1270" anchor="ctr" anchorCtr="0">
+          <a:noAutofit/>
+        </a:bodyPr>
+        <a:lstStyle/>
+        <a:p>
+          <a:pPr marL="0" lvl="0" indent="0" algn="ctr" defTabSz="1289050">
+            <a:lnSpc>
+              <a:spcPct val="90000"/>
+            </a:lnSpc>
+            <a:spcBef>
+              <a:spcPct val="0"/>
+            </a:spcBef>
+            <a:spcAft>
+              <a:spcPct val="35000"/>
+            </a:spcAft>
+            <a:buNone/>
+          </a:pPr>
+          <a:endParaRPr lang="en-AU" sz="2900" kern="1200"/>
+        </a:p>
+      </dsp:txBody>
+      <dsp:txXfrm>
+        <a:off x="1033427" y="1655898"/>
+        <a:ext cx="1667024" cy="1044029"/>
+      </dsp:txXfrm>
+    </dsp:sp>
+    <dsp:sp modelId="{14D7FD77-27A2-4F3C-BCF7-2C72ED76FC37}">
+      <dsp:nvSpPr>
+        <dsp:cNvPr id="0" name=""/>
+        <dsp:cNvSpPr/>
+      </dsp:nvSpPr>
+      <dsp:spPr>
+        <a:xfrm>
+          <a:off x="1753873" y="581655"/>
+          <a:ext cx="4620252" cy="4620252"/>
+        </a:xfrm>
+        <a:custGeom>
+          <a:avLst/>
+          <a:gdLst/>
+          <a:ahLst/>
+          <a:cxnLst/>
+          <a:rect l="0" t="0" r="0" b="0"/>
+          <a:pathLst>
+            <a:path>
+              <a:moveTo>
+                <a:pt x="555794" y="807127"/>
+              </a:moveTo>
+              <a:arcTo wR="2310126" hR="2310126" stAng="13235271" swAng="1210876"/>
+            </a:path>
+          </a:pathLst>
+        </a:custGeom>
+        <a:noFill/>
+        <a:ln w="6350" cap="flat" cmpd="sng" algn="ctr">
+          <a:solidFill>
+            <a:schemeClr val="accent1">
+              <a:hueOff val="0"/>
+              <a:satOff val="0"/>
+              <a:lumOff val="0"/>
+              <a:alphaOff val="0"/>
+            </a:schemeClr>
+          </a:solidFill>
+          <a:prstDash val="solid"/>
+          <a:miter lim="800000"/>
+          <a:tailEnd type="arrow"/>
+        </a:ln>
+        <a:effectLst/>
+      </dsp:spPr>
+      <dsp:style>
+        <a:lnRef idx="1">
+          <a:scrgbClr r="0" g="0" b="0"/>
+        </a:lnRef>
+        <a:fillRef idx="0">
+          <a:scrgbClr r="0" g="0" b="0"/>
+        </a:fillRef>
+        <a:effectRef idx="0">
+          <a:scrgbClr r="0" g="0" b="0"/>
+        </a:effectRef>
+        <a:fontRef idx="minor"/>
+      </dsp:style>
+    </dsp:sp>
+  </dsp:spTree>
+</dsp:drawing>
+</file>
+
+<file path=ppt/diagrams/layout1.xml><?xml version="1.0" encoding="utf-8"?>
+<dgm:layoutDef xmlns:dgm="http://schemas.openxmlformats.org/drawingml/2006/diagram" xmlns:a="http://schemas.openxmlformats.org/drawingml/2006/main" uniqueId="urn:microsoft.com/office/officeart/2005/8/layout/hierarchy1">
+  <dgm:title val=""/>
+  <dgm:desc val=""/>
+  <dgm:catLst>
+    <dgm:cat type="hierarchy" pri="2000"/>
+  </dgm:catLst>
+  <dgm:sampData>
+    <dgm:dataModel>
+      <dgm:ptLst>
+        <dgm:pt modelId="0" type="doc"/>
+        <dgm:pt modelId="1">
+          <dgm:prSet phldr="1"/>
+        </dgm:pt>
+        <dgm:pt modelId="2">
+          <dgm:prSet phldr="1"/>
+        </dgm:pt>
+        <dgm:pt modelId="21">
+          <dgm:prSet phldr="1"/>
+        </dgm:pt>
+        <dgm:pt modelId="22">
+          <dgm:prSet phldr="1"/>
+        </dgm:pt>
+        <dgm:pt modelId="3">
+          <dgm:prSet phldr="1"/>
+        </dgm:pt>
+        <dgm:pt modelId="31">
+          <dgm:prSet phldr="1"/>
+        </dgm:pt>
+      </dgm:ptLst>
+      <dgm:cxnLst>
+        <dgm:cxn modelId="4" srcId="0" destId="1" srcOrd="0" destOrd="0"/>
+        <dgm:cxn modelId="5" srcId="1" destId="2" srcOrd="0" destOrd="0"/>
+        <dgm:cxn modelId="6" srcId="1" destId="3" srcOrd="1" destOrd="0"/>
+        <dgm:cxn modelId="23" srcId="2" destId="21" srcOrd="0" destOrd="0"/>
+        <dgm:cxn modelId="24" srcId="2" destId="22" srcOrd="1" destOrd="0"/>
+        <dgm:cxn modelId="33" srcId="3" destId="31" srcOrd="0" destOrd="0"/>
+      </dgm:cxnLst>
+      <dgm:bg/>
+      <dgm:whole/>
+    </dgm:dataModel>
+  </dgm:sampData>
+  <dgm:styleData>
+    <dgm:dataModel>
+      <dgm:ptLst>
+        <dgm:pt modelId="0" type="doc"/>
+        <dgm:pt modelId="1"/>
+        <dgm:pt modelId="11"/>
+        <dgm:pt modelId="12"/>
+      </dgm:ptLst>
+      <dgm:cxnLst>
+        <dgm:cxn modelId="2" srcId="0" destId="1" srcOrd="0" destOrd="0"/>
+        <dgm:cxn modelId="13" srcId="1" destId="11" srcOrd="0" destOrd="0"/>
+        <dgm:cxn modelId="14" srcId="1" destId="12" srcOrd="1" destOrd="0"/>
+      </dgm:cxnLst>
+      <dgm:bg/>
+      <dgm:whole/>
+    </dgm:dataModel>
+  </dgm:styleData>
+  <dgm:clrData>
+    <dgm:dataModel>
+      <dgm:ptLst>
+        <dgm:pt modelId="0" type="doc"/>
+        <dgm:pt modelId="1"/>
+        <dgm:pt modelId="2"/>
+        <dgm:pt modelId="21"/>
+        <dgm:pt modelId="211"/>
+        <dgm:pt modelId="3"/>
+        <dgm:pt modelId="31"/>
+        <dgm:pt modelId="311"/>
+      </dgm:ptLst>
+      <dgm:cxnLst>
+        <dgm:cxn modelId="4" srcId="0" destId="1" srcOrd="0" destOrd="0"/>
+        <dgm:cxn modelId="5" srcId="1" destId="2" srcOrd="0" destOrd="0"/>
+        <dgm:cxn modelId="6" srcId="1" destId="3" srcOrd="1" destOrd="0"/>
+        <dgm:cxn modelId="23" srcId="2" destId="21" srcOrd="0" destOrd="0"/>
+        <dgm:cxn modelId="24" srcId="21" destId="211" srcOrd="0" destOrd="0"/>
+        <dgm:cxn modelId="33" srcId="3" destId="31" srcOrd="0" destOrd="0"/>
+        <dgm:cxn modelId="34" srcId="31" destId="311" srcOrd="0" destOrd="0"/>
+      </dgm:cxnLst>
+      <dgm:bg/>
+      <dgm:whole/>
+    </dgm:dataModel>
+  </dgm:clrData>
+  <dgm:layoutNode name="hierChild1">
+    <dgm:varLst>
+      <dgm:chPref val="1"/>
+      <dgm:dir/>
+      <dgm:animOne val="branch"/>
+      <dgm:animLvl val="lvl"/>
+      <dgm:resizeHandles/>
+    </dgm:varLst>
+    <dgm:choose name="Name0">
+      <dgm:if name="Name1" func="var" arg="dir" op="equ" val="norm">
+        <dgm:alg type="hierChild">
+          <dgm:param type="linDir" val="fromL"/>
+        </dgm:alg>
+      </dgm:if>
+      <dgm:else name="Name2">
+        <dgm:alg type="hierChild">
+          <dgm:param type="linDir" val="fromR"/>
+        </dgm:alg>
+      </dgm:else>
+    </dgm:choose>
+    <dgm:shape xmlns:r="http://schemas.openxmlformats.org/officeDocument/2006/relationships" r:blip="">
+      <dgm:adjLst/>
+    </dgm:shape>
+    <dgm:presOf/>
+    <dgm:constrLst>
+      <dgm:constr type="primFontSz" for="des" ptType="node" op="equ" val="65"/>
+      <dgm:constr type="w" for="des" forName="composite" refType="w"/>
+      <dgm:constr type="h" for="des" forName="composite" refType="w" refFor="des" refForName="composite" fact="0.667"/>
+      <dgm:constr type="w" for="des" forName="composite2" refType="w" refFor="des" refForName="composite"/>
+      <dgm:constr type="h" for="des" forName="composite2" refType="h" refFor="des" refForName="composite"/>
+      <dgm:constr type="w" for="des" forName="composite3" refType="w" refFor="des" refForName="composite"/>
+      <dgm:constr type="h" for="des" forName="composite3" refType="h" refFor="des" refForName="composite"/>
+      <dgm:constr type="w" for="des" forName="composite4" refType="w" refFor="des" refForName="composite"/>
+      <dgm:constr type="h" for="des" forName="composite4" refType="h" refFor="des" refForName="composite"/>
+      <dgm:constr type="w" for="des" forName="composite5" refType="w" refFor="des" refForName="composite"/>
+      <dgm:constr type="h" for="des" forName="composite5" refType="h" refFor="des" refForName="composite"/>
+      <dgm:constr type="sibSp" refType="w" refFor="des" refForName="composite" fact="0.1"/>
+      <dgm:constr type="sibSp" for="des" forName="hierChild2" refType="sibSp"/>
+      <dgm:constr type="sibSp" for="des" forName="hierChild3" refType="sibSp"/>
+      <dgm:constr type="sibSp" for="des" forName="hierChild4" refType="sibSp"/>
+      <dgm:constr type="sibSp" for="des" forName="hierChild5" refType="sibSp"/>
+      <dgm:constr type="sibSp" for="des" forName="hierChild6" refType="sibSp"/>
+      <dgm:constr type="sp" for="des" forName="hierRoot1" refType="h" refFor="des" refForName="composite" fact="0.25"/>
+      <dgm:constr type="sp" for="des" forName="hierRoot2" refType="sp" refFor="des" refForName="hierRoot1"/>
+      <dgm:constr type="sp" for="des" forName="hierRoot3" refType="sp" refFor="des" refForName="hierRoot1"/>
+      <dgm:constr type="sp" for="des" forName="hierRoot4" refType="sp" refFor="des" refForName="hierRoot1"/>
+      <dgm:constr type="sp" for="des" forName="hierRoot5" refType="sp" refFor="des" refForName="hierRoot1"/>
+    </dgm:constrLst>
+    <dgm:ruleLst/>
+    <dgm:forEach name="Name3" axis="ch">
+      <dgm:forEach name="Name4" axis="self" ptType="node">
+        <dgm:layoutNode name="hierRoot1">
+          <dgm:alg type="hierRoot"/>
+          <dgm:shape xmlns:r="http://schemas.openxmlformats.org/officeDocument/2006/relationships" r:blip="">
+            <dgm:adjLst/>
+          </dgm:shape>
+          <dgm:presOf/>
+          <dgm:constrLst>
+            <dgm:constr type="bendDist" for="des" ptType="parTrans" refType="sp" fact="0.5"/>
+          </dgm:constrLst>
+          <dgm:ruleLst/>
+          <dgm:layoutNode name="composite">
+            <dgm:alg type="composite"/>
+            <dgm:shape xmlns:r="http://schemas.openxmlformats.org/officeDocument/2006/relationships" r:blip="">
+              <dgm:adjLst/>
+            </dgm:shape>
+            <dgm:presOf/>
+            <dgm:constrLst>
+              <dgm:constr type="w" for="ch" forName="background" refType="w" fact="0.9"/>
+              <dgm:constr type="h" for="ch" forName="background" refType="w" refFor="ch" refForName="background" fact="0.635"/>
+              <dgm:constr type="t" for="ch" forName="background"/>
+              <dgm:constr type="l" for="ch" forName="background"/>
+              <dgm:constr type="w" for="ch" forName="text" refType="w" fact="0.9"/>
+              <dgm:constr type="h" for="ch" forName="text" refType="w" refFor="ch" refForName="text" fact="0.635"/>
+              <dgm:constr type="t" for="ch" forName="text" refType="w" fact="0.095"/>
+              <dgm:constr type="l" for="ch" forName="text" refType="w" fact="0.1"/>
+            </dgm:constrLst>
+            <dgm:ruleLst/>
+            <dgm:layoutNode name="background" styleLbl="node0" moveWith="text">
+              <dgm:alg type="sp"/>
+              <dgm:shape xmlns:r="http://schemas.openxmlformats.org/officeDocument/2006/relationships" type="roundRect" r:blip="">
+                <dgm:adjLst>
+                  <dgm:adj idx="1" val="0.1"/>
+                </dgm:adjLst>
+              </dgm:shape>
+              <dgm:presOf/>
+              <dgm:constrLst/>
+              <dgm:ruleLst/>
+            </dgm:layoutNode>
+            <dgm:layoutNode name="text" styleLbl="fgAcc0">
+              <dgm:varLst>
+                <dgm:chPref val="3"/>
+              </dgm:varLst>
+              <dgm:alg type="tx"/>
+              <dgm:shape xmlns:r="http://schemas.openxmlformats.org/officeDocument/2006/relationships" type="roundRect" r:blip="">
+                <dgm:adjLst>
+                  <dgm:adj idx="1" val="0.1"/>
+                </dgm:adjLst>
+              </dgm:shape>
+              <dgm:presOf axis="self"/>
+              <dgm:constrLst>
+                <dgm:constr type="tMarg" refType="primFontSz" fact="0.3"/>
+                <dgm:constr type="bMarg" refType="primFontSz" fact="0.3"/>
+                <dgm:constr type="lMarg" refType="primFontSz" fact="0.3"/>
+                <dgm:constr type="rMarg" refType="primFontSz" fact="0.3"/>
+              </dgm:constrLst>
+              <dgm:ruleLst>
+                <dgm:rule type="primFontSz" val="5" fact="NaN" max="NaN"/>
+              </dgm:ruleLst>
+            </dgm:layoutNode>
+          </dgm:layoutNode>
+          <dgm:layoutNode name="hierChild2">
+            <dgm:choose name="Name5">
+              <dgm:if name="Name6" func="var" arg="dir" op="equ" val="norm">
+                <dgm:alg type="hierChild">
+                  <dgm:param type="linDir" val="fromL"/>
+                </dgm:alg>
+              </dgm:if>
+              <dgm:else name="Name7">
+                <dgm:alg type="hierChild">
+                  <dgm:param type="linDir" val="fromR"/>
+                </dgm:alg>
+              </dgm:else>
+            </dgm:choose>
+            <dgm:shape xmlns:r="http://schemas.openxmlformats.org/officeDocument/2006/relationships" r:blip="">
+              <dgm:adjLst/>
+            </dgm:shape>
+            <dgm:presOf/>
+            <dgm:constrLst/>
+            <dgm:ruleLst/>
+            <dgm:forEach name="Name8" axis="ch">
+              <dgm:forEach name="Name9" axis="self" ptType="parTrans" cnt="1">
+                <dgm:layoutNode name="Name10">
+                  <dgm:alg type="conn">
+                    <dgm:param type="dim" val="1D"/>
+                    <dgm:param type="endSty" val="noArr"/>
+                    <dgm:param type="connRout" val="bend"/>
+                    <dgm:param type="bendPt" val="end"/>
+                    <dgm:param type="begPts" val="bCtr"/>
+                    <dgm:param type="endPts" val="tCtr"/>
+                    <dgm:param type="srcNode" val="background"/>
+                    <dgm:param type="dstNode" val="background2"/>
+                  </dgm:alg>
+                  <dgm:shape xmlns:r="http://schemas.openxmlformats.org/officeDocument/2006/relationships" type="conn" r:blip="" zOrderOff="-999">
+                    <dgm:adjLst/>
+                  </dgm:shape>
+                  <dgm:presOf axis="self"/>
+                  <dgm:constrLst>
+                    <dgm:constr type="begPad"/>
+                    <dgm:constr type="endPad"/>
+                  </dgm:constrLst>
+                  <dgm:ruleLst/>
+                </dgm:layoutNode>
+              </dgm:forEach>
+              <dgm:forEach name="Name11" axis="self" ptType="node">
+                <dgm:layoutNode name="hierRoot2">
+                  <dgm:alg type="hierRoot"/>
+                  <dgm:shape xmlns:r="http://schemas.openxmlformats.org/officeDocument/2006/relationships" r:blip="">
+                    <dgm:adjLst/>
+                  </dgm:shape>
+                  <dgm:presOf/>
+                  <dgm:constrLst>
+                    <dgm:constr type="bendDist" for="des" ptType="parTrans" refType="sp" fact="0.5"/>
+                  </dgm:constrLst>
+                  <dgm:ruleLst/>
+                  <dgm:layoutNode name="composite2">
+                    <dgm:alg type="composite"/>
+                    <dgm:shape xmlns:r="http://schemas.openxmlformats.org/officeDocument/2006/relationships" r:blip="">
+                      <dgm:adjLst/>
+                    </dgm:shape>
+                    <dgm:presOf/>
+                    <dgm:constrLst>
+                      <dgm:constr type="w" for="ch" forName="background2" refType="w" fact="0.9"/>
+                      <dgm:constr type="h" for="ch" forName="background2" refType="w" refFor="ch" refForName="background2" fact="0.635"/>
+                      <dgm:constr type="t" for="ch" forName="background2"/>
+                      <dgm:constr type="l" for="ch" forName="background2"/>
+                      <dgm:constr type="w" for="ch" forName="text2" refType="w" fact="0.9"/>
+                      <dgm:constr type="h" for="ch" forName="text2" refType="w" refFor="ch" refForName="text2" fact="0.635"/>
+                      <dgm:constr type="t" for="ch" forName="text2" refType="w" fact="0.095"/>
+                      <dgm:constr type="l" for="ch" forName="text2" refType="w" fact="0.1"/>
+                    </dgm:constrLst>
+                    <dgm:ruleLst/>
+                    <dgm:layoutNode name="background2" moveWith="text2">
+                      <dgm:alg type="sp"/>
+                      <dgm:shape xmlns:r="http://schemas.openxmlformats.org/officeDocument/2006/relationships" type="roundRect" r:blip="">
+                        <dgm:adjLst>
+                          <dgm:adj idx="1" val="0.1"/>
+                        </dgm:adjLst>
+                      </dgm:shape>
+                      <dgm:presOf/>
+                      <dgm:constrLst/>
+                      <dgm:ruleLst/>
+                    </dgm:layoutNode>
+                    <dgm:layoutNode name="text2" styleLbl="fgAcc2">
+                      <dgm:varLst>
+                        <dgm:chPref val="3"/>
+                      </dgm:varLst>
+                      <dgm:alg type="tx"/>
+                      <dgm:shape xmlns:r="http://schemas.openxmlformats.org/officeDocument/2006/relationships" type="roundRect" r:blip="">
+                        <dgm:adjLst>
+                          <dgm:adj idx="1" val="0.1"/>
+                        </dgm:adjLst>
+                      </dgm:shape>
+                      <dgm:presOf axis="self"/>
+                      <dgm:constrLst>
+                        <dgm:constr type="tMarg" refType="primFontSz" fact="0.3"/>
+                        <dgm:constr type="bMarg" refType="primFontSz" fact="0.3"/>
+                        <dgm:constr type="lMarg" refType="primFontSz" fact="0.3"/>
+                        <dgm:constr type="rMarg" refType="primFontSz" fact="0.3"/>
+                      </dgm:constrLst>
+                      <dgm:ruleLst>
+                        <dgm:rule type="primFontSz" val="5" fact="NaN" max="NaN"/>
+                      </dgm:ruleLst>
+                    </dgm:layoutNode>
+                  </dgm:layoutNode>
+                  <dgm:layoutNode name="hierChild3">
+                    <dgm:choose name="Name12">
+                      <dgm:if name="Name13" func="var" arg="dir" op="equ" val="norm">
+                        <dgm:alg type="hierChild">
+                          <dgm:param type="linDir" val="fromL"/>
+                        </dgm:alg>
+                      </dgm:if>
+                      <dgm:else name="Name14">
+                        <dgm:alg type="hierChild">
+                          <dgm:param type="linDir" val="fromR"/>
+                        </dgm:alg>
+                      </dgm:else>
+                    </dgm:choose>
+                    <dgm:shape xmlns:r="http://schemas.openxmlformats.org/officeDocument/2006/relationships" r:blip="">
+                      <dgm:adjLst/>
+                    </dgm:shape>
+                    <dgm:presOf/>
+                    <dgm:constrLst/>
+                    <dgm:ruleLst/>
+                    <dgm:forEach name="Name15" axis="ch">
+                      <dgm:forEach name="Name16" axis="self" ptType="parTrans" cnt="1">
+                        <dgm:layoutNode name="Name17">
+                          <dgm:alg type="conn">
+                            <dgm:param type="dim" val="1D"/>
+                            <dgm:param type="endSty" val="noArr"/>
+                            <dgm:param type="connRout" val="bend"/>
+                            <dgm:param type="bendPt" val="end"/>
+                            <dgm:param type="begPts" val="bCtr"/>
+                            <dgm:param type="endPts" val="tCtr"/>
+                            <dgm:param type="srcNode" val="background2"/>
+                            <dgm:param type="dstNode" val="background3"/>
+                          </dgm:alg>
+                          <dgm:shape xmlns:r="http://schemas.openxmlformats.org/officeDocument/2006/relationships" type="conn" r:blip="" zOrderOff="-999">
+                            <dgm:adjLst/>
+                          </dgm:shape>
+                          <dgm:presOf axis="self"/>
+                          <dgm:constrLst>
+                            <dgm:constr type="begPad"/>
+                            <dgm:constr type="endPad"/>
+                          </dgm:constrLst>
+                          <dgm:ruleLst/>
+                        </dgm:layoutNode>
+                      </dgm:forEach>
+                      <dgm:forEach name="Name18" axis="self" ptType="node">
+                        <dgm:layoutNode name="hierRoot3">
+                          <dgm:alg type="hierRoot"/>
+                          <dgm:shape xmlns:r="http://schemas.openxmlformats.org/officeDocument/2006/relationships" r:blip="">
+                            <dgm:adjLst/>
+                          </dgm:shape>
+                          <dgm:presOf/>
+                          <dgm:constrLst>
+                            <dgm:constr type="bendDist" for="des" ptType="parTrans" refType="sp" fact="0.5"/>
+                          </dgm:constrLst>
+                          <dgm:ruleLst/>
+                          <dgm:layoutNode name="composite3">
+                            <dgm:alg type="composite"/>
+                            <dgm:shape xmlns:r="http://schemas.openxmlformats.org/officeDocument/2006/relationships" r:blip="">
+                              <dgm:adjLst/>
+                            </dgm:shape>
+                            <dgm:presOf/>
+                            <dgm:constrLst>
+                              <dgm:constr type="w" for="ch" forName="background3" refType="w" fact="0.9"/>
+                              <dgm:constr type="h" for="ch" forName="background3" refType="w" refFor="ch" refForName="background3" fact="0.635"/>
+                              <dgm:constr type="t" for="ch" forName="background3"/>
+                              <dgm:constr type="l" for="ch" forName="background3"/>
+                              <dgm:constr type="w" for="ch" forName="text3" refType="w" fact="0.9"/>
+                              <dgm:constr type="h" for="ch" forName="text3" refType="w" refFor="ch" refForName="text3" fact="0.635"/>
+                              <dgm:constr type="t" for="ch" forName="text3" refType="w" fact="0.095"/>
+                              <dgm:constr type="l" for="ch" forName="text3" refType="w" fact="0.1"/>
+                            </dgm:constrLst>
+                            <dgm:ruleLst/>
+                            <dgm:layoutNode name="background3" moveWith="text3">
+                              <dgm:alg type="sp"/>
+                              <dgm:shape xmlns:r="http://schemas.openxmlformats.org/officeDocument/2006/relationships" type="roundRect" r:blip="">
+                                <dgm:adjLst>
+                                  <dgm:adj idx="1" val="0.1"/>
+                                </dgm:adjLst>
+                              </dgm:shape>
+                              <dgm:presOf/>
+                              <dgm:constrLst/>
+                              <dgm:ruleLst/>
+                            </dgm:layoutNode>
+                            <dgm:layoutNode name="text3" styleLbl="fgAcc3">
+                              <dgm:varLst>
+                                <dgm:chPref val="3"/>
+                              </dgm:varLst>
+                              <dgm:alg type="tx"/>
+                              <dgm:shape xmlns:r="http://schemas.openxmlformats.org/officeDocument/2006/relationships" type="roundRect" r:blip="">
+                                <dgm:adjLst>
+                                  <dgm:adj idx="1" val="0.1"/>
+                                </dgm:adjLst>
+                              </dgm:shape>
+                              <dgm:presOf axis="self"/>
+                              <dgm:constrLst>
+                                <dgm:constr type="tMarg" refType="primFontSz" fact="0.3"/>
+                                <dgm:constr type="bMarg" refType="primFontSz" fact="0.3"/>
+                                <dgm:constr type="lMarg" refType="primFontSz" fact="0.3"/>
+                                <dgm:constr type="rMarg" refType="primFontSz" fact="0.3"/>
+                              </dgm:constrLst>
+                              <dgm:ruleLst>
+                                <dgm:rule type="primFontSz" val="5" fact="NaN" max="NaN"/>
+                              </dgm:ruleLst>
+                            </dgm:layoutNode>
+                          </dgm:layoutNode>
+                          <dgm:layoutNode name="hierChild4">
+                            <dgm:choose name="Name19">
+                              <dgm:if name="Name20" func="var" arg="dir" op="equ" val="norm">
+                                <dgm:alg type="hierChild">
+                                  <dgm:param type="linDir" val="fromL"/>
+                                </dgm:alg>
+                              </dgm:if>
+                              <dgm:else name="Name21">
+                                <dgm:alg type="hierChild">
+                                  <dgm:param type="linDir" val="fromR"/>
+                                </dgm:alg>
+                              </dgm:else>
+                            </dgm:choose>
+                            <dgm:shape xmlns:r="http://schemas.openxmlformats.org/officeDocument/2006/relationships" r:blip="">
+                              <dgm:adjLst/>
+                            </dgm:shape>
+                            <dgm:presOf/>
+                            <dgm:constrLst/>
+                            <dgm:ruleLst/>
+                            <dgm:forEach name="repeat" axis="ch">
+                              <dgm:forEach name="Name22" axis="self" ptType="parTrans" cnt="1">
+                                <dgm:layoutNode name="Name23">
+                                  <dgm:choose name="Name24">
+                                    <dgm:if name="Name25" axis="self" func="depth" op="lte" val="4">
+                                      <dgm:alg type="conn">
+                                        <dgm:param type="dim" val="1D"/>
+                                        <dgm:param type="endSty" val="noArr"/>
+                                        <dgm:param type="connRout" val="bend"/>
+                                        <dgm:param type="bendPt" val="end"/>
+                                        <dgm:param type="begPts" val="bCtr"/>
+                                        <dgm:param type="endPts" val="tCtr"/>
+                                        <dgm:param type="srcNode" val="background3"/>
+                                        <dgm:param type="dstNode" val="background4"/>
+                                      </dgm:alg>
+                                    </dgm:if>
+                                    <dgm:else name="Name26">
+                                      <dgm:alg type="conn">
+                                        <dgm:param type="dim" val="1D"/>
+                                        <dgm:param type="endSty" val="noArr"/>
+                                        <dgm:param type="connRout" val="bend"/>
+                                        <dgm:param type="bendPt" val="end"/>
+                                        <dgm:param type="begPts" val="bCtr"/>
+                                        <dgm:param type="endPts" val="tCtr"/>
+                                        <dgm:param type="srcNode" val="background4"/>
+                                        <dgm:param type="dstNode" val="background4"/>
+                                      </dgm:alg>
+                                    </dgm:else>
+                                  </dgm:choose>
+                                  <dgm:shape xmlns:r="http://schemas.openxmlformats.org/officeDocument/2006/relationships" type="conn" r:blip="" zOrderOff="-999">
+                                    <dgm:adjLst/>
+                                  </dgm:shape>
+                                  <dgm:presOf axis="self"/>
+                                  <dgm:constrLst>
+                                    <dgm:constr type="begPad"/>
+                                    <dgm:constr type="endPad"/>
+                                  </dgm:constrLst>
+                                  <dgm:ruleLst/>
+                                </dgm:layoutNode>
+                              </dgm:forEach>
+                              <dgm:forEach name="Name27" axis="self" ptType="node">
+                                <dgm:layoutNode name="hierRoot4">
+                                  <dgm:alg type="hierRoot"/>
+                                  <dgm:shape xmlns:r="http://schemas.openxmlformats.org/officeDocument/2006/relationships" r:blip="">
+                                    <dgm:adjLst/>
+                                  </dgm:shape>
+                                  <dgm:presOf/>
+                                  <dgm:constrLst>
+                                    <dgm:constr type="bendDist" for="des" ptType="parTrans" refType="sp" fact="0.5"/>
+                                  </dgm:constrLst>
+                                  <dgm:ruleLst/>
+                                  <dgm:layoutNode name="composite4">
+                                    <dgm:alg type="composite"/>
+                                    <dgm:shape xmlns:r="http://schemas.openxmlformats.org/officeDocument/2006/relationships" r:blip="">
+                                      <dgm:adjLst/>
+                                    </dgm:shape>
+                                    <dgm:presOf/>
+                                    <dgm:constrLst>
+                                      <dgm:constr type="w" for="ch" forName="background4" refType="w" fact="0.9"/>
+                                      <dgm:constr type="h" for="ch" forName="background4" refType="w" refFor="ch" refForName="background4" fact="0.635"/>
+                                      <dgm:constr type="t" for="ch" forName="background4"/>
+                                      <dgm:constr type="l" for="ch" forName="background4"/>
+                                      <dgm:constr type="w" for="ch" forName="text4" refType="w" fact="0.9"/>
+                                      <dgm:constr type="h" for="ch" forName="text4" refType="w" refFor="ch" refForName="text4" fact="0.635"/>
+                                      <dgm:constr type="t" for="ch" forName="text4" refType="w" fact="0.095"/>
+                                      <dgm:constr type="l" for="ch" forName="text4" refType="w" fact="0.1"/>
+                                    </dgm:constrLst>
+                                    <dgm:ruleLst/>
+                                    <dgm:layoutNode name="background4" moveWith="text4">
+                                      <dgm:alg type="sp"/>
+                                      <dgm:shape xmlns:r="http://schemas.openxmlformats.org/officeDocument/2006/relationships" type="roundRect" r:blip="">
+                                        <dgm:adjLst>
+                                          <dgm:adj idx="1" val="0.1"/>
+                                        </dgm:adjLst>
+                                      </dgm:shape>
+                                      <dgm:presOf/>
+                                      <dgm:constrLst/>
+                                      <dgm:ruleLst/>
+                                    </dgm:layoutNode>
+                                    <dgm:layoutNode name="text4" styleLbl="fgAcc4">
+                                      <dgm:varLst>
+                                        <dgm:chPref val="3"/>
+                                      </dgm:varLst>
+                                      <dgm:alg type="tx"/>
+                                      <dgm:shape xmlns:r="http://schemas.openxmlformats.org/officeDocument/2006/relationships" type="roundRect" r:blip="">
+                                        <dgm:adjLst>
+                                          <dgm:adj idx="1" val="0.1"/>
+                                        </dgm:adjLst>
+                                      </dgm:shape>
+                                      <dgm:presOf axis="self"/>
+                                      <dgm:constrLst>
+                                        <dgm:constr type="tMarg" refType="primFontSz" fact="0.3"/>
+                                        <dgm:constr type="bMarg" refType="primFontSz" fact="0.3"/>
+                                        <dgm:constr type="lMarg" refType="primFontSz" fact="0.3"/>
+                                        <dgm:constr type="rMarg" refType="primFontSz" fact="0.3"/>
+                                      </dgm:constrLst>
+                                      <dgm:ruleLst>
+                                        <dgm:rule type="primFontSz" val="5" fact="NaN" max="NaN"/>
+                                      </dgm:ruleLst>
+                                    </dgm:layoutNode>
+                                  </dgm:layoutNode>
+                                  <dgm:layoutNode name="hierChild5">
+                                    <dgm:choose name="Name28">
+                                      <dgm:if name="Name29" func="var" arg="dir" op="equ" val="norm">
+                                        <dgm:alg type="hierChild">
+                                          <dgm:param type="linDir" val="fromL"/>
+                                        </dgm:alg>
+                                      </dgm:if>
+                                      <dgm:else name="Name30">
+                                        <dgm:alg type="hierChild">
+                                          <dgm:param type="linDir" val="fromR"/>
+                                        </dgm:alg>
+                                      </dgm:else>
+                                    </dgm:choose>
+                                    <dgm:shape xmlns:r="http://schemas.openxmlformats.org/officeDocument/2006/relationships" r:blip="">
+                                      <dgm:adjLst/>
+                                    </dgm:shape>
+                                    <dgm:presOf/>
+                                    <dgm:constrLst/>
+                                    <dgm:ruleLst/>
+                                    <dgm:forEach name="Name31" ref="repeat"/>
+                                  </dgm:layoutNode>
+                                </dgm:layoutNode>
+                              </dgm:forEach>
+                            </dgm:forEach>
+                          </dgm:layoutNode>
+                        </dgm:layoutNode>
+                      </dgm:forEach>
+                    </dgm:forEach>
+                  </dgm:layoutNode>
+                </dgm:layoutNode>
+              </dgm:forEach>
+            </dgm:forEach>
+          </dgm:layoutNode>
+        </dgm:layoutNode>
+      </dgm:forEach>
+    </dgm:forEach>
+  </dgm:layoutNode>
+</dgm:layoutDef>
+</file>
+
+<file path=ppt/diagrams/layout2.xml><?xml version="1.0" encoding="utf-8"?>
+<dgm:layoutDef xmlns:dgm="http://schemas.openxmlformats.org/drawingml/2006/diagram" xmlns:a="http://schemas.openxmlformats.org/drawingml/2006/main" uniqueId="urn:microsoft.com/office/officeart/2005/8/layout/cycle5">
+  <dgm:title val=""/>
+  <dgm:desc val=""/>
+  <dgm:catLst>
+    <dgm:cat type="cycle" pri="3000"/>
+  </dgm:catLst>
+  <dgm:sampData>
+    <dgm:dataModel>
+      <dgm:ptLst>
+        <dgm:pt modelId="0" type="doc"/>
+        <dgm:pt modelId="1">
+          <dgm:prSet phldr="1"/>
+        </dgm:pt>
+        <dgm:pt modelId="2">
+          <dgm:prSet phldr="1"/>
+        </dgm:pt>
+        <dgm:pt modelId="3">
+          <dgm:prSet phldr="1"/>
+        </dgm:pt>
+        <dgm:pt modelId="4">
+          <dgm:prSet phldr="1"/>
+        </dgm:pt>
+        <dgm:pt modelId="5">
+          <dgm:prSet phldr="1"/>
+        </dgm:pt>
+      </dgm:ptLst>
+      <dgm:cxnLst>
+        <dgm:cxn modelId="6" srcId="0" destId="1" srcOrd="0" destOrd="0"/>
+        <dgm:cxn modelId="7" srcId="0" destId="2" srcOrd="1" destOrd="0"/>
+        <dgm:cxn modelId="8" srcId="0" destId="3" srcOrd="2" destOrd="0"/>
+        <dgm:cxn modelId="9" srcId="0" destId="4" srcOrd="3" destOrd="0"/>
+        <dgm:cxn modelId="10" srcId="0" destId="5" srcOrd="4" destOrd="0"/>
+      </dgm:cxnLst>
+      <dgm:bg/>
+      <dgm:whole/>
+    </dgm:dataModel>
+  </dgm:sampData>
+  <dgm:styleData>
+    <dgm:dataModel>
+      <dgm:ptLst>
+        <dgm:pt modelId="0" type="doc"/>
+        <dgm:pt modelId="1"/>
+        <dgm:pt modelId="2"/>
+        <dgm:pt modelId="3"/>
+      </dgm:ptLst>
+      <dgm:cxnLst>
+        <dgm:cxn modelId="4" srcId="0" destId="1" srcOrd="0" destOrd="0"/>
+        <dgm:cxn modelId="5" srcId="0" destId="2" srcOrd="1" destOrd="0"/>
+        <dgm:cxn modelId="6" srcId="0" destId="3" srcOrd="2" destOrd="0"/>
+      </dgm:cxnLst>
+      <dgm:bg/>
+      <dgm:whole/>
+    </dgm:dataModel>
+  </dgm:styleData>
+  <dgm:clrData>
+    <dgm:dataModel>
+      <dgm:ptLst>
+        <dgm:pt modelId="0" type="doc"/>
+        <dgm:pt modelId="1"/>
+        <dgm:pt modelId="2"/>
+        <dgm:pt modelId="3"/>
+        <dgm:pt modelId="4"/>
+        <dgm:pt modelId="5"/>
+        <dgm:pt modelId="6"/>
+      </dgm:ptLst>
+      <dgm:cxnLst>
+        <dgm:cxn modelId="7" srcId="0" destId="1" srcOrd="0" destOrd="0"/>
+        <dgm:cxn modelId="8" srcId="0" destId="2" srcOrd="1" destOrd="0"/>
+        <dgm:cxn modelId="9" srcId="0" destId="3" srcOrd="2" destOrd="0"/>
+        <dgm:cxn modelId="10" srcId="0" destId="4" srcOrd="3" destOrd="0"/>
+        <dgm:cxn modelId="11" srcId="0" destId="5" srcOrd="4" destOrd="0"/>
+        <dgm:cxn modelId="12" srcId="0" destId="6" srcOrd="5" destOrd="0"/>
+      </dgm:cxnLst>
+      <dgm:bg/>
+      <dgm:whole/>
+    </dgm:dataModel>
+  </dgm:clrData>
+  <dgm:layoutNode name="cycle">
+    <dgm:varLst>
+      <dgm:dir/>
+      <dgm:resizeHandles val="exact"/>
+    </dgm:varLst>
+    <dgm:choose name="Name0">
+      <dgm:if name="Name1" func="var" arg="dir" op="equ" val="norm">
+        <dgm:choose name="Name2">
+          <dgm:if name="Name3" axis="ch" ptType="node" func="cnt" op="gt" val="2">
+            <dgm:alg type="cycle">
+              <dgm:param type="stAng" val="0"/>
+              <dgm:param type="spanAng" val="360"/>
+            </dgm:alg>
+          </dgm:if>
+          <dgm:else name="Name4">
+            <dgm:alg type="cycle">
+              <dgm:param type="stAng" val="-90"/>
+              <dgm:param type="spanAng" val="360"/>
+            </dgm:alg>
+          </dgm:else>
+        </dgm:choose>
+      </dgm:if>
+      <dgm:else name="Name5">
+        <dgm:choose name="Name6">
+          <dgm:if name="Name7" axis="ch" ptType="node" func="cnt" op="gt" val="2">
+            <dgm:alg type="cycle">
+              <dgm:param type="stAng" val="0"/>
+              <dgm:param type="spanAng" val="-360"/>
+            </dgm:alg>
+          </dgm:if>
+          <dgm:else name="Name8">
+            <dgm:alg type="cycle">
+              <dgm:param type="stAng" val="90"/>
+              <dgm:param type="spanAng" val="-360"/>
+            </dgm:alg>
+          </dgm:else>
+        </dgm:choose>
+      </dgm:else>
+    </dgm:choose>
+    <dgm:shape xmlns:r="http://schemas.openxmlformats.org/officeDocument/2006/relationships" r:blip="">
+      <dgm:adjLst/>
+    </dgm:shape>
+    <dgm:presOf/>
+    <dgm:choose name="Name9">
+      <dgm:if name="Name10" func="var" arg="dir" op="equ" val="norm">
+        <dgm:constrLst>
+          <dgm:constr type="w" for="ch" forName="node" refType="w"/>
+          <dgm:constr type="w" for="ch" ptType="sibTrans" refType="w" refFor="ch" refForName="node" op="equ" fact="0.3"/>
+          <dgm:constr type="diam" for="ch" ptType="sibTrans" refType="diam" op="equ"/>
+          <dgm:constr type="sibSp" refType="w" refFor="ch" refForName="node" op="equ" fact="0.15"/>
+          <dgm:constr type="w" for="ch" forName="spNode" refType="sibSp" fact="1.6"/>
+          <dgm:constr type="primFontSz" for="ch" forName="node" op="equ" val="65"/>
+        </dgm:constrLst>
+      </dgm:if>
+      <dgm:else name="Name11">
+        <dgm:constrLst>
+          <dgm:constr type="w" for="ch" forName="node" refType="w"/>
+          <dgm:constr type="w" for="ch" ptType="sibTrans" refType="w" refFor="ch" refForName="node" op="equ" fact="0.3"/>
+          <dgm:constr type="diam" for="ch" ptType="sibTrans" refType="diam" fact="-1"/>
+          <dgm:constr type="diam" for="ch" refType="diam" op="equ" fact="-1"/>
+          <dgm:constr type="sibSp" refType="w" refFor="ch" refForName="node" op="equ" fact="0.15"/>
+          <dgm:constr type="w" for="ch" forName="spNode" refType="sibSp" fact="1.6"/>
+          <dgm:constr type="primFontSz" for="ch" forName="node" op="equ" val="65"/>
+        </dgm:constrLst>
+      </dgm:else>
+    </dgm:choose>
+    <dgm:ruleLst/>
+    <dgm:forEach name="Name12" axis="ch" ptType="node">
+      <dgm:layoutNode name="node">
+        <dgm:varLst>
+          <dgm:bulletEnabled val="1"/>
+        </dgm:varLst>
+        <dgm:alg type="tx"/>
+        <dgm:shape xmlns:r="http://schemas.openxmlformats.org/officeDocument/2006/relationships" type="roundRect" r:blip="">
+          <dgm:adjLst/>
+        </dgm:shape>
+        <dgm:presOf axis="desOrSelf" ptType="node"/>
+        <dgm:constrLst>
+          <dgm:constr type="h" refType="w" fact="0.65"/>
+          <dgm:constr type="tMarg" refType="primFontSz" fact="0.3"/>
+          <dgm:constr type="bMarg" refType="primFontSz" fact="0.3"/>
+          <dgm:constr type="lMarg" refType="primFontSz" fact="0.3"/>
+          <dgm:constr type="rMarg" refType="primFontSz" fact="0.3"/>
+        </dgm:constrLst>
+        <dgm:ruleLst>
+          <dgm:rule type="primFontSz" val="5" fact="NaN" max="NaN"/>
+        </dgm:ruleLst>
+      </dgm:layoutNode>
+      <dgm:choose name="Name13">
+        <dgm:if name="Name14" axis="par ch" ptType="doc node" func="cnt" op="gt" val="1">
+          <dgm:layoutNode name="spNode">
+            <dgm:alg type="sp"/>
+            <dgm:shape xmlns:r="http://schemas.openxmlformats.org/officeDocument/2006/relationships" r:blip="">
+              <dgm:adjLst/>
+            </dgm:shape>
+            <dgm:presOf/>
+            <dgm:constrLst>
+              <dgm:constr type="h" refType="w"/>
+            </dgm:constrLst>
+            <dgm:ruleLst/>
+          </dgm:layoutNode>
+          <dgm:forEach name="Name15" axis="followSib" ptType="sibTrans" hideLastTrans="0" cnt="1">
+            <dgm:layoutNode name="sibTrans">
+              <dgm:alg type="conn">
+                <dgm:param type="dim" val="1D"/>
+                <dgm:param type="connRout" val="curve"/>
+                <dgm:param type="begPts" val="radial"/>
+                <dgm:param type="endPts" val="radial"/>
+              </dgm:alg>
+              <dgm:shape xmlns:r="http://schemas.openxmlformats.org/officeDocument/2006/relationships" type="conn" r:blip="">
+                <dgm:adjLst/>
+              </dgm:shape>
+              <dgm:presOf axis="self"/>
+              <dgm:constrLst>
+                <dgm:constr type="h" refType="w" fact="0.65"/>
+                <dgm:constr type="connDist"/>
+                <dgm:constr type="begPad" refType="connDist" fact="0.2"/>
+                <dgm:constr type="endPad" refType="connDist" fact="0.2"/>
+              </dgm:constrLst>
+              <dgm:ruleLst/>
+            </dgm:layoutNode>
+          </dgm:forEach>
+        </dgm:if>
+        <dgm:else name="Name16"/>
+      </dgm:choose>
+    </dgm:forEach>
+  </dgm:layoutNode>
+</dgm:layoutDef>
+</file>
+
+<file path=ppt/diagrams/quickStyle1.xml><?xml version="1.0" encoding="utf-8"?>
+<dgm:styleDef xmlns:dgm="http://schemas.openxmlformats.org/drawingml/2006/diagram" xmlns:a="http://schemas.openxmlformats.org/drawingml/2006/main" uniqueId="urn:microsoft.com/office/officeart/2005/8/quickstyle/simple1">
+  <dgm:title val=""/>
+  <dgm:desc val=""/>
+  <dgm:catLst>
+    <dgm:cat type="simple" pri="10100"/>
+  </dgm:catLst>
+  <dgm:scene3d>
+    <a:camera prst="orthographicFront"/>
+    <a:lightRig rig="threePt" dir="t"/>
+  </dgm:scene3d>
+  <dgm:styleLbl name="node0">
+    <dgm:scene3d>
+      <a:camera prst="orthographicFront"/>
+      <a:lightRig rig="threePt" dir="t"/>
+    </dgm:scene3d>
+    <dgm:sp3d/>
+    <dgm:txPr/>
+    <dgm:style>
+      <a:lnRef idx="2">
+        <a:scrgbClr r="0" g="0" b="0"/>
+      </a:lnRef>
+      <a:fillRef idx="1">
+        <a:scrgbClr r="0" g="0" b="0"/>
+      </a:fillRef>
+      <a:effectRef idx="0">
+        <a:scrgbClr r="0" g="0" b="0"/>
+      </a:effectRef>
+      <a:fontRef idx="minor">
+        <a:schemeClr val="lt1"/>
+      </a:fontRef>
+    </dgm:style>
+  </dgm:styleLbl>
+  <dgm:styleLbl name="lnNode1">
+    <dgm:scene3d>
+      <a:camera prst="orthographicFront"/>
+      <a:lightRig rig="threePt" dir="t"/>
+    </dgm:scene3d>
+    <dgm:sp3d/>
+    <dgm:txPr/>
+    <dgm:style>
+      <a:lnRef idx="2">
+        <a:scrgbClr r="0" g="0" b="0"/>
+      </a:lnRef>
+      <a:fillRef idx="1">
+        <a:scrgbClr r="0" g="0" b="0"/>
+      </a:fillRef>
+      <a:effectRef idx="0">
+        <a:scrgbClr r="0" g="0" b="0"/>
+      </a:effectRef>
+      <a:fontRef idx="minor">
+        <a:schemeClr val="lt1"/>
+      </a:fontRef>
+    </dgm:style>
+  </dgm:styleLbl>
+  <dgm:styleLbl name="vennNode1">
+    <dgm:scene3d>
+      <a:camera prst="orthographicFront"/>
+      <a:lightRig rig="threePt" dir="t"/>
+    </dgm:scene3d>
+    <dgm:sp3d/>
+    <dgm:txPr/>
+    <dgm:style>
+      <a:lnRef idx="2">
+        <a:scrgbClr r="0" g="0" b="0"/>
+      </a:lnRef>
+      <a:fillRef idx="1">
+        <a:scrgbClr r="0" g="0" b="0"/>
+      </a:fillRef>
+      <a:effectRef idx="0">
+        <a:scrgbClr r="0" g="0" b="0"/>
+      </a:effectRef>
+      <a:fontRef idx="minor">
+        <a:schemeClr val="tx1"/>
+      </a:fontRef>
+    </dgm:style>
+  </dgm:styleLbl>
+  <dgm:styleLbl name="alignNode1">
+    <dgm:scene3d>
+      <a:camera prst="orthographicFront"/>
+      <a:lightRig rig="threePt" dir="t"/>
+    </dgm:scene3d>
+    <dgm:sp3d/>
+    <dgm:txPr/>
+    <dgm:style>
+      <a:lnRef idx="2">
+        <a:scrgbClr r="0" g="0" b="0"/>
+      </a:lnRef>
+      <a:fillRef idx="1">
+        <a:scrgbClr r="0" g="0" b="0"/>
+      </a:fillRef>
+      <a:effectRef idx="0">
+        <a:scrgbClr r="0" g="0" b="0"/>
+      </a:effectRef>
+      <a:fontRef idx="minor">
+        <a:schemeClr val="lt1"/>
+      </a:fontRef>
+    </dgm:style>
+  </dgm:styleLbl>
+  <dgm:styleLbl name="node1">
+    <dgm:scene3d>
+      <a:camera prst="orthographicFront"/>
+      <a:lightRig rig="threePt" dir="t"/>
+    </dgm:scene3d>
+    <dgm:sp3d/>
+    <dgm:txPr/>
+    <dgm:style>
+      <a:lnRef idx="2">
+        <a:scrgbClr r="0" g="0" b="0"/>
+      </a:lnRef>
+      <a:fillRef idx="1">
+        <a:scrgbClr r="0" g="0" b="0"/>
+      </a:fillRef>
+      <a:effectRef idx="0">
+        <a:scrgbClr r="0" g="0" b="0"/>
+      </a:effectRef>
+      <a:fontRef idx="minor">
+        <a:schemeClr val="lt1"/>
+      </a:fontRef>
+    </dgm:style>
+  </dgm:styleLbl>
+  <dgm:styleLbl name="node2">
+    <dgm:scene3d>
+      <a:camera prst="orthographicFront"/>
+      <a:lightRig rig="threePt" dir="t"/>
+    </dgm:scene3d>
+    <dgm:sp3d/>
+    <dgm:txPr/>
+    <dgm:style>
+      <a:lnRef idx="2">
+        <a:scrgbClr r="0" g="0" b="0"/>
+      </a:lnRef>
+      <a:fillRef idx="1">
+        <a:scrgbClr r="0" g="0" b="0"/>
+      </a:fillRef>
+      <a:effectRef idx="0">
+        <a:scrgbClr r="0" g="0" b="0"/>
+      </a:effectRef>
+      <a:fontRef idx="minor">
+        <a:schemeClr val="lt1"/>
+      </a:fontRef>
+    </dgm:style>
+  </dgm:styleLbl>
+  <dgm:styleLbl name="node3">
+    <dgm:scene3d>
+      <a:camera prst="orthographicFront"/>
+      <a:lightRig rig="threePt" dir="t"/>
+    </dgm:scene3d>
+    <dgm:sp3d/>
+    <dgm:txPr/>
+    <dgm:style>
+      <a:lnRef idx="2">
+        <a:scrgbClr r="0" g="0" b="0"/>
+      </a:lnRef>
+      <a:fillRef idx="1">
+        <a:scrgbClr r="0" g="0" b="0"/>
+      </a:fillRef>
+      <a:effectRef idx="0">
+        <a:scrgbClr r="0" g="0" b="0"/>
+      </a:effectRef>
+      <a:fontRef idx="minor">
+        <a:schemeClr val="lt1"/>
+      </a:fontRef>
+    </dgm:style>
+  </dgm:styleLbl>
+  <dgm:styleLbl name="node4">
+    <dgm:scene3d>
+      <a:camera prst="orthographicFront"/>
+      <a:lightRig rig="threePt" dir="t"/>
+    </dgm:scene3d>
+    <dgm:sp3d/>
+    <dgm:txPr/>
+    <dgm:style>
+      <a:lnRef idx="2">
+        <a:scrgbClr r="0" g="0" b="0"/>
+      </a:lnRef>
+      <a:fillRef idx="1">
+        <a:scrgbClr r="0" g="0" b="0"/>
+      </a:fillRef>
+      <a:effectRef idx="0">
+        <a:scrgbClr r="0" g="0" b="0"/>
+      </a:effectRef>
+      <a:fontRef idx="minor">
+        <a:schemeClr val="lt1"/>
+      </a:fontRef>
+    </dgm:style>
+  </dgm:styleLbl>
+  <dgm:styleLbl name="fgImgPlace1">
+    <dgm:scene3d>
+      <a:camera prst="orthographicFront"/>
+      <a:lightRig rig="threePt" dir="t"/>
+    </dgm:scene3d>
+    <dgm:sp3d/>
+    <dgm:txPr/>
+    <dgm:style>
+      <a:lnRef idx="2">
+        <a:scrgbClr r="0" g="0" b="0"/>
+      </a:lnRef>
+      <a:fillRef idx="1">
+        <a:scrgbClr r="0" g="0" b="0"/>
+      </a:fillRef>
+      <a:effectRef idx="0">
+        <a:scrgbClr r="0" g="0" b="0"/>
+      </a:effectRef>
+      <a:fontRef idx="minor"/>
+    </dgm:style>
+  </dgm:styleLbl>
+  <dgm:styleLbl name="alignImgPlace1">
+    <dgm:scene3d>
+      <a:camera prst="orthographicFront"/>
+      <a:lightRig rig="threePt" dir="t"/>
+    </dgm:scene3d>
+    <dgm:sp3d/>
+    <dgm:txPr/>
+    <dgm:style>
+      <a:lnRef idx="2">
+        <a:scrgbClr r="0" g="0" b="0"/>
+      </a:lnRef>
+      <a:fillRef idx="1">
+        <a:scrgbClr r="0" g="0" b="0"/>
+      </a:fillRef>
+      <a:effectRef idx="0">
+        <a:scrgbClr r="0" g="0" b="0"/>
+      </a:effectRef>
+      <a:fontRef idx="minor"/>
+    </dgm:style>
+  </dgm:styleLbl>
+  <dgm:styleLbl name="bgImgPlace1">
+    <dgm:scene3d>
+      <a:camera prst="orthographicFront"/>
+      <a:lightRig rig="threePt" dir="t"/>
+    </dgm:scene3d>
+    <dgm:sp3d/>
+    <dgm:txPr/>
+    <dgm:style>
+      <a:lnRef idx="2">
+        <a:scrgbClr r="0" g="0" b="0"/>
+      </a:lnRef>
+      <a:fillRef idx="1">
+        <a:scrgbClr r="0" g="0" b="0"/>
+      </a:fillRef>
+      <a:effectRef idx="0">
+        <a:scrgbClr r="0" g="0" b="0"/>
+      </a:effectRef>
+      <a:fontRef idx="minor"/>
+    </dgm:style>
+  </dgm:styleLbl>
+  <dgm:styleLbl name="sibTrans2D1">
+    <dgm:scene3d>
+      <a:camera prst="orthographicFront"/>
+      <a:lightRig rig="threePt" dir="t"/>
+    </dgm:scene3d>
+    <dgm:sp3d/>
+    <dgm:txPr/>
+    <dgm:style>
+      <a:lnRef idx="0">
+        <a:scrgbClr r="0" g="0" b="0"/>
+      </a:lnRef>
+      <a:fillRef idx="1">
+        <a:scrgbClr r="0" g="0" b="0"/>
+      </a:fillRef>
+      <a:effectRef idx="0">
+        <a:scrgbClr r="0" g="0" b="0"/>
+      </a:effectRef>
+      <a:fontRef idx="minor">
+        <a:schemeClr val="lt1"/>
+      </a:fontRef>
+    </dgm:style>
+  </dgm:styleLbl>
+  <dgm:styleLbl name="fgSibTrans2D1">
+    <dgm:scene3d>
+      <a:camera prst="orthographicFront"/>
+      <a:lightRig rig="threePt" dir="t"/>
+    </dgm:scene3d>
+    <dgm:sp3d/>
+    <dgm:txPr/>
+    <dgm:style>
+      <a:lnRef idx="0">
+        <a:scrgbClr r="0" g="0" b="0"/>
+      </a:lnRef>
+      <a:fillRef idx="1">
+        <a:scrgbClr r="0" g="0" b="0"/>
+      </a:fillRef>
+      <a:effectRef idx="0">
+        <a:scrgbClr r="0" g="0" b="0"/>
+      </a:effectRef>
+      <a:fontRef idx="minor">
+        <a:schemeClr val="lt1"/>
+      </a:fontRef>
+    </dgm:style>
+  </dgm:styleLbl>
+  <dgm:styleLbl name="bgSibTrans2D1">
+    <dgm:scene3d>
+      <a:camera prst="orthographicFront"/>
+      <a:lightRig rig="threePt" dir="t"/>
+    </dgm:scene3d>
+    <dgm:sp3d/>
+    <dgm:txPr/>
+    <dgm:style>
+      <a:lnRef idx="0">
+        <a:scrgbClr r="0" g="0" b="0"/>
+      </a:lnRef>
+      <a:fillRef idx="1">
+        <a:scrgbClr r="0" g="0" b="0"/>
+      </a:fillRef>
+      <a:effectRef idx="0">
+        <a:scrgbClr r="0" g="0" b="0"/>
+      </a:effectRef>
+      <a:fontRef idx="minor">
+        <a:schemeClr val="lt1"/>
+      </a:fontRef>
+    </dgm:style>
+  </dgm:styleLbl>
+  <dgm:styleLbl name="sibTrans1D1">
+    <dgm:scene3d>
+      <a:camera prst="orthographicFront"/>
+      <a:lightRig rig="threePt" dir="t"/>
+    </dgm:scene3d>
+    <dgm:sp3d/>
+    <dgm:txPr/>
+    <dgm:style>
+      <a:lnRef idx="1">
+        <a:scrgbClr r="0" g="0" b="0"/>
+      </a:lnRef>
+      <a:fillRef idx="0">
+        <a:scrgbClr r="0" g="0" b="0"/>
+      </a:fillRef>
+      <a:effectRef idx="0">
+        <a:scrgbClr r="0" g="0" b="0"/>
+      </a:effectRef>
+      <a:fontRef idx="minor"/>
+    </dgm:style>
+  </dgm:styleLbl>
+  <dgm:styleLbl name="callout">
+    <dgm:scene3d>
+      <a:camera prst="orthographicFront"/>
+      <a:lightRig rig="threePt" dir="t"/>
+    </dgm:scene3d>
+    <dgm:sp3d/>
+    <dgm:txPr/>
+    <dgm:style>
+      <a:lnRef idx="2">
+        <a:scrgbClr r="0" g="0" b="0"/>
+      </a:lnRef>
+      <a:fillRef idx="1">
+        <a:scrgbClr r="0" g="0" b="0"/>
+      </a:fillRef>
+      <a:effectRef idx="0">
+        <a:scrgbClr r="0" g="0" b="0"/>
+      </a:effectRef>
+      <a:fontRef idx="minor"/>
+    </dgm:style>
+  </dgm:styleLbl>
+  <dgm:styleLbl name="asst0">
+    <dgm:scene3d>
+      <a:camera prst="orthographicFront"/>
+      <a:lightRig rig="threePt" dir="t"/>
+    </dgm:scene3d>
+    <dgm:sp3d/>
+    <dgm:txPr/>
+    <dgm:style>
+      <a:lnRef idx="2">
+        <a:scrgbClr r="0" g="0" b="0"/>
+      </a:lnRef>
+      <a:fillRef idx="1">
+        <a:scrgbClr r="0" g="0" b="0"/>
+      </a:fillRef>
+      <a:effectRef idx="0">
+        <a:scrgbClr r="0" g="0" b="0"/>
+      </a:effectRef>
+      <a:fontRef idx="minor">
+        <a:schemeClr val="lt1"/>
+      </a:fontRef>
+    </dgm:style>
+  </dgm:styleLbl>
+  <dgm:styleLbl name="asst1">
+    <dgm:scene3d>
+      <a:camera prst="orthographicFront"/>
+      <a:lightRig rig="threePt" dir="t"/>
+    </dgm:scene3d>
+    <dgm:sp3d/>
+    <dgm:txPr/>
+    <dgm:style>
+      <a:lnRef idx="2">
+        <a:scrgbClr r="0" g="0" b="0"/>
+      </a:lnRef>
+      <a:fillRef idx="1">
+        <a:scrgbClr r="0" g="0" b="0"/>
+      </a:fillRef>
+      <a:effectRef idx="0">
+        <a:scrgbClr r="0" g="0" b="0"/>
+      </a:effectRef>
+      <a:fontRef idx="minor">
+        <a:schemeClr val="lt1"/>
+      </a:fontRef>
+    </dgm:style>
+  </dgm:styleLbl>
+  <dgm:styleLbl name="asst2">
+    <dgm:scene3d>
+      <a:camera prst="orthographicFront"/>
+      <a:lightRig rig="threePt" dir="t"/>
+    </dgm:scene3d>
+    <dgm:sp3d/>
+    <dgm:txPr/>
+    <dgm:style>
+      <a:lnRef idx="2">
+        <a:scrgbClr r="0" g="0" b="0"/>
+      </a:lnRef>
+      <a:fillRef idx="1">
+        <a:scrgbClr r="0" g="0" b="0"/>
+      </a:fillRef>
+      <a:effectRef idx="0">
+        <a:scrgbClr r="0" g="0" b="0"/>
+      </a:effectRef>
+      <a:fontRef idx="minor">
+        <a:schemeClr val="lt1"/>
+      </a:fontRef>
+    </dgm:style>
+  </dgm:styleLbl>
+  <dgm:styleLbl name="asst3">
+    <dgm:scene3d>
+      <a:camera prst="orthographicFront"/>
+      <a:lightRig rig="threePt" dir="t"/>
+    </dgm:scene3d>
+    <dgm:sp3d/>
+    <dgm:txPr/>
+    <dgm:style>
+      <a:lnRef idx="2">
+        <a:scrgbClr r="0" g="0" b="0"/>
+      </a:lnRef>
+      <a:fillRef idx="1">
+        <a:scrgbClr r="0" g="0" b="0"/>
+      </a:fillRef>
+      <a:effectRef idx="0">
+        <a:scrgbClr r="0" g="0" b="0"/>
+      </a:effectRef>
+      <a:fontRef idx="minor">
+        <a:schemeClr val="lt1"/>
+      </a:fontRef>
+    </dgm:style>
+  </dgm:styleLbl>
+  <dgm:styleLbl name="asst4">
+    <dgm:scene3d>
+      <a:camera prst="orthographicFront"/>
+      <a:lightRig rig="threePt" dir="t"/>
+    </dgm:scene3d>
+    <dgm:sp3d/>
+    <dgm:txPr/>
+    <dgm:style>
+      <a:lnRef idx="2">
+        <a:scrgbClr r="0" g="0" b="0"/>
+      </a:lnRef>
+      <a:fillRef idx="1">
+        <a:scrgbClr r="0" g="0" b="0"/>
+      </a:fillRef>
+      <a:effectRef idx="0">
+        <a:scrgbClr r="0" g="0" b="0"/>
+      </a:effectRef>
+      <a:fontRef idx="minor">
+        <a:schemeClr val="lt1"/>
+      </a:fontRef>
+    </dgm:style>
+  </dgm:styleLbl>
+  <dgm:styleLbl name="parChTrans2D1">
+    <dgm:scene3d>
+      <a:camera prst="orthographicFront"/>
+      <a:lightRig rig="threePt" dir="t"/>
+    </dgm:scene3d>
+    <dgm:sp3d/>
+    <dgm:txPr/>
+    <dgm:style>
+      <a:lnRef idx="2">
+        <a:scrgbClr r="0" g="0" b="0"/>
+      </a:lnRef>
+      <a:fillRef idx="1">
+        <a:scrgbClr r="0" g="0" b="0"/>
+      </a:fillRef>
+      <a:effectRef idx="0">
+        <a:scrgbClr r="0" g="0" b="0"/>
+      </a:effectRef>
+      <a:fontRef idx="minor">
+        <a:schemeClr val="lt1"/>
+      </a:fontRef>
+    </dgm:style>
+  </dgm:styleLbl>
+  <dgm:styleLbl name="parChTrans2D2">
+    <dgm:scene3d>
+      <a:camera prst="orthographicFront"/>
+      <a:lightRig rig="threePt" dir="t"/>
+    </dgm:scene3d>
+    <dgm:sp3d/>
+    <dgm:txPr/>
+    <dgm:style>
+      <a:lnRef idx="2">
+        <a:scrgbClr r="0" g="0" b="0"/>
+      </a:lnRef>
+      <a:fillRef idx="1">
+        <a:scrgbClr r="0" g="0" b="0"/>
+      </a:fillRef>
+      <a:effectRef idx="0">
+        <a:scrgbClr r="0" g="0" b="0"/>
+      </a:effectRef>
+      <a:fontRef idx="minor">
+        <a:schemeClr val="lt1"/>
+      </a:fontRef>
+    </dgm:style>
+  </dgm:styleLbl>
+  <dgm:styleLbl name="parChTrans2D3">
+    <dgm:scene3d>
+      <a:camera prst="orthographicFront"/>
+      <a:lightRig rig="threePt" dir="t"/>
+    </dgm:scene3d>
+    <dgm:sp3d/>
+    <dgm:txPr/>
+    <dgm:style>
+      <a:lnRef idx="2">
+        <a:scrgbClr r="0" g="0" b="0"/>
+      </a:lnRef>
+      <a:fillRef idx="1">
+        <a:scrgbClr r="0" g="0" b="0"/>
+      </a:fillRef>
+      <a:effectRef idx="0">
+        <a:scrgbClr r="0" g="0" b="0"/>
+      </a:effectRef>
+      <a:fontRef idx="minor">
+        <a:schemeClr val="lt1"/>
+      </a:fontRef>
+    </dgm:style>
+  </dgm:styleLbl>
+  <dgm:styleLbl name="parChTrans2D4">
+    <dgm:scene3d>
+      <a:camera prst="orthographicFront"/>
+      <a:lightRig rig="threePt" dir="t"/>
+    </dgm:scene3d>
+    <dgm:sp3d/>
+    <dgm:txPr/>
+    <dgm:style>
+      <a:lnRef idx="2">
+        <a:scrgbClr r="0" g="0" b="0"/>
+      </a:lnRef>
+      <a:fillRef idx="1">
+        <a:scrgbClr r="0" g="0" b="0"/>
+      </a:fillRef>
+      <a:effectRef idx="0">
+        <a:scrgbClr r="0" g="0" b="0"/>
+      </a:effectRef>
+      <a:fontRef idx="minor">
+        <a:schemeClr val="lt1"/>
+      </a:fontRef>
+    </dgm:style>
+  </dgm:styleLbl>
+  <dgm:styleLbl name="parChTrans1D1">
+    <dgm:scene3d>
+      <a:camera prst="orthographicFront"/>
+      <a:lightRig rig="threePt" dir="t"/>
+    </dgm:scene3d>
+    <dgm:sp3d/>
+    <dgm:txPr/>
+    <dgm:style>
+      <a:lnRef idx="2">
+        <a:scrgbClr r="0" g="0" b="0"/>
+      </a:lnRef>
+      <a:fillRef idx="0">
+        <a:scrgbClr r="0" g="0" b="0"/>
+      </a:fillRef>
+      <a:effectRef idx="0">
+        <a:scrgbClr r="0" g="0" b="0"/>
+      </a:effectRef>
+      <a:fontRef idx="minor"/>
+    </dgm:style>
+  </dgm:styleLbl>
+  <dgm:styleLbl name="parChTrans1D2">
+    <dgm:scene3d>
+      <a:camera prst="orthographicFront"/>
+      <a:lightRig rig="threePt" dir="t"/>
+    </dgm:scene3d>
+    <dgm:sp3d/>
+    <dgm:txPr/>
+    <dgm:style>
+      <a:lnRef idx="2">
+        <a:scrgbClr r="0" g="0" b="0"/>
+      </a:lnRef>
+      <a:fillRef idx="0">
+        <a:scrgbClr r="0" g="0" b="0"/>
+      </a:fillRef>
+      <a:effectRef idx="0">
+        <a:scrgbClr r="0" g="0" b="0"/>
+      </a:effectRef>
+      <a:fontRef idx="minor"/>
+    </dgm:style>
+  </dgm:styleLbl>
+  <dgm:styleLbl name="parChTrans1D3">
+    <dgm:scene3d>
+      <a:camera prst="orthographicFront"/>
+      <a:lightRig rig="threePt" dir="t"/>
+    </dgm:scene3d>
+    <dgm:sp3d/>
+    <dgm:txPr/>
+    <dgm:style>
+      <a:lnRef idx="2">
+        <a:scrgbClr r="0" g="0" b="0"/>
+      </a:lnRef>
+      <a:fillRef idx="0">
+        <a:scrgbClr r="0" g="0" b="0"/>
+      </a:fillRef>
+      <a:effectRef idx="0">
+        <a:scrgbClr r="0" g="0" b="0"/>
+      </a:effectRef>
+      <a:fontRef idx="minor"/>
+    </dgm:style>
+  </dgm:styleLbl>
+  <dgm:styleLbl name="parChTrans1D4">
+    <dgm:scene3d>
+      <a:camera prst="orthographicFront"/>
+      <a:lightRig rig="threePt" dir="t"/>
+    </dgm:scene3d>
+    <dgm:sp3d/>
+    <dgm:txPr/>
+    <dgm:style>
+      <a:lnRef idx="2">
+        <a:scrgbClr r="0" g="0" b="0"/>
+      </a:lnRef>
+      <a:fillRef idx="0">
+        <a:scrgbClr r="0" g="0" b="0"/>
+      </a:fillRef>
+      <a:effectRef idx="0">
+        <a:scrgbClr r="0" g="0" b="0"/>
+      </a:effectRef>
+      <a:fontRef idx="minor"/>
+    </dgm:style>
+  </dgm:styleLbl>
+  <dgm:styleLbl name="fgAcc1">
+    <dgm:scene3d>
+      <a:camera prst="orthographicFront"/>
+      <a:lightRig rig="threePt" dir="t"/>
+    </dgm:scene3d>
+    <dgm:sp3d/>
+    <dgm:txPr/>
+    <dgm:style>
+      <a:lnRef idx="2">
+        <a:scrgbClr r="0" g="0" b="0"/>
+      </a:lnRef>
+      <a:fillRef idx="1">
+        <a:scrgbClr r="0" g="0" b="0"/>
+      </a:fillRef>
+      <a:effectRef idx="0">
+        <a:scrgbClr r="0" g="0" b="0"/>
+      </a:effectRef>
+      <a:fontRef idx="minor"/>
+    </dgm:style>
+  </dgm:styleLbl>
+  <dgm:styleLbl name="conFgAcc1">
+    <dgm:scene3d>
+      <a:camera prst="orthographicFront"/>
+      <a:lightRig rig="threePt" dir="t"/>
+    </dgm:scene3d>
+    <dgm:sp3d/>
+    <dgm:txPr/>
+    <dgm:style>
+      <a:lnRef idx="2">
+        <a:scrgbClr r="0" g="0" b="0"/>
+      </a:lnRef>
+      <a:fillRef idx="1">
+        <a:scrgbClr r="0" g="0" b="0"/>
+      </a:fillRef>
+      <a:effectRef idx="0">
+        <a:scrgbClr r="0" g="0" b="0"/>
+      </a:effectRef>
+      <a:fontRef idx="minor"/>
+    </dgm:style>
+  </dgm:styleLbl>
+  <dgm:styleLbl name="alignAcc1">
+    <dgm:scene3d>
+      <a:camera prst="orthographicFront"/>
+      <a:lightRig rig="threePt" dir="t"/>
+    </dgm:scene3d>
+    <dgm:sp3d/>
+    <dgm:txPr/>
+    <dgm:style>
+      <a:lnRef idx="2">
+        <a:scrgbClr r="0" g="0" b="0"/>
+      </a:lnRef>
+      <a:fillRef idx="1">
+        <a:scrgbClr r="0" g="0" b="0"/>
+      </a:fillRef>
+      <a:effectRef idx="0">
+        <a:scrgbClr r="0" g="0" b="0"/>
+      </a:effectRef>
+      <a:fontRef idx="minor"/>
+    </dgm:style>
+  </dgm:styleLbl>
+  <dgm:styleLbl name="trAlignAcc1">
+    <dgm:scene3d>
+      <a:camera prst="orthographicFront"/>
+      <a:lightRig rig="threePt" dir="t"/>
+    </dgm:scene3d>
+    <dgm:sp3d/>
+    <dgm:txPr/>
+    <dgm:style>
+      <a:lnRef idx="1">
+        <a:scrgbClr r="0" g="0" b="0"/>
+      </a:lnRef>
+      <a:fillRef idx="1">
+        <a:scrgbClr r="0" g="0" b="0"/>
+      </a:fillRef>
+      <a:effectRef idx="0">
+        <a:scrgbClr r="0" g="0" b="0"/>
+      </a:effectRef>
+      <a:fontRef idx="minor"/>
+    </dgm:style>
+  </dgm:styleLbl>
+  <dgm:styleLbl name="bgAcc1">
+    <dgm:scene3d>
+      <a:camera prst="orthographicFront"/>
+      <a:lightRig rig="threePt" dir="t"/>
+    </dgm:scene3d>
+    <dgm:sp3d/>
+    <dgm:txPr/>
+    <dgm:style>
+      <a:lnRef idx="2">
+        <a:scrgbClr r="0" g="0" b="0"/>
+      </a:lnRef>
+      <a:fillRef idx="1">
+        <a:scrgbClr r="0" g="0" b="0"/>
+      </a:fillRef>
+      <a:effectRef idx="0">
+        <a:scrgbClr r="0" g="0" b="0"/>
+      </a:effectRef>
+      <a:fontRef idx="minor"/>
+    </dgm:style>
+  </dgm:styleLbl>
+  <dgm:styleLbl name="solidFgAcc1">
+    <dgm:scene3d>
+      <a:camera prst="orthographicFront"/>
+      <a:lightRig rig="threePt" dir="t"/>
+    </dgm:scene3d>
+    <dgm:sp3d/>
+    <dgm:txPr/>
+    <dgm:style>
+      <a:lnRef idx="2">
+        <a:scrgbClr r="0" g="0" b="0"/>
+      </a:lnRef>
+      <a:fillRef idx="1">
+        <a:scrgbClr r="0" g="0" b="0"/>
+      </a:fillRef>
+      <a:effectRef idx="0">
+        <a:scrgbClr r="0" g="0" b="0"/>
+      </a:effectRef>
+      <a:fontRef idx="minor"/>
+    </dgm:style>
+  </dgm:styleLbl>
+  <dgm:styleLbl name="solidAlignAcc1">
+    <dgm:scene3d>
+      <a:camera prst="orthographicFront"/>
+      <a:lightRig rig="threePt" dir="t"/>
+    </dgm:scene3d>
+    <dgm:sp3d/>
+    <dgm:txPr/>
+    <dgm:style>
+      <a:lnRef idx="2">
+        <a:scrgbClr r="0" g="0" b="0"/>
+      </a:lnRef>
+      <a:fillRef idx="1">
+        <a:scrgbClr r="0" g="0" b="0"/>
+      </a:fillRef>
+      <a:effectRef idx="0">
+        <a:scrgbClr r="0" g="0" b="0"/>
+      </a:effectRef>
+      <a:fontRef idx="minor"/>
+    </dgm:style>
+  </dgm:styleLbl>
+  <dgm:styleLbl name="solidBgAcc1">
+    <dgm:scene3d>
+      <a:camera prst="orthographicFront"/>
+      <a:lightRig rig="threePt" dir="t"/>
+    </dgm:scene3d>
+    <dgm:sp3d/>
+    <dgm:txPr/>
+    <dgm:style>
+      <a:lnRef idx="2">
+        <a:scrgbClr r="0" g="0" b="0"/>
+      </a:lnRef>
+      <a:fillRef idx="1">
+        <a:scrgbClr r="0" g="0" b="0"/>
+      </a:fillRef>
+      <a:effectRef idx="0">
+        <a:scrgbClr r="0" g="0" b="0"/>
+      </a:effectRef>
+      <a:fontRef idx="minor"/>
+    </dgm:style>
+  </dgm:styleLbl>
+  <dgm:styleLbl name="fgAccFollowNode1">
+    <dgm:scene3d>
+      <a:camera prst="orthographicFront"/>
+      <a:lightRig rig="threePt" dir="t"/>
+    </dgm:scene3d>
+    <dgm:sp3d/>
+    <dgm:txPr/>
+    <dgm:style>
+      <a:lnRef idx="2">
+        <a:scrgbClr r="0" g="0" b="0"/>
+      </a:lnRef>
+      <a:fillRef idx="1">
+        <a:scrgbClr r="0" g="0" b="0"/>
+      </a:fillRef>
+      <a:effectRef idx="0">
+        <a:scrgbClr r="0" g="0" b="0"/>
+      </a:effectRef>
+      <a:fontRef idx="minor"/>
+    </dgm:style>
+  </dgm:styleLbl>
+  <dgm:styleLbl name="alignAccFollowNode1">
+    <dgm:scene3d>
+      <a:camera prst="orthographicFront"/>
+      <a:lightRig rig="threePt" dir="t"/>
+    </dgm:scene3d>
+    <dgm:sp3d/>
+    <dgm:txPr/>
+    <dgm:style>
+      <a:lnRef idx="2">
+        <a:scrgbClr r="0" g="0" b="0"/>
+      </a:lnRef>
+      <a:fillRef idx="1">
+        <a:scrgbClr r="0" g="0" b="0"/>
+      </a:fillRef>
+      <a:effectRef idx="0">
+        <a:scrgbClr r="0" g="0" b="0"/>
+      </a:effectRef>
+      <a:fontRef idx="minor"/>
+    </dgm:style>
+  </dgm:styleLbl>
+  <dgm:styleLbl name="bgAccFollowNode1">
+    <dgm:scene3d>
+      <a:camera prst="orthographicFront"/>
+      <a:lightRig rig="threePt" dir="t"/>
+    </dgm:scene3d>
+    <dgm:sp3d/>
+    <dgm:txPr/>
+    <dgm:style>
+      <a:lnRef idx="2">
+        <a:scrgbClr r="0" g="0" b="0"/>
+      </a:lnRef>
+      <a:fillRef idx="1">
+        <a:scrgbClr r="0" g="0" b="0"/>
+      </a:fillRef>
+      <a:effectRef idx="0">
+        <a:scrgbClr r="0" g="0" b="0"/>
+      </a:effectRef>
+      <a:fontRef idx="minor"/>
+    </dgm:style>
+  </dgm:styleLbl>
+  <dgm:styleLbl name="fgAcc0">
+    <dgm:scene3d>
+      <a:camera prst="orthographicFront"/>
+      <a:lightRig rig="threePt" dir="t"/>
+    </dgm:scene3d>
+    <dgm:sp3d/>
+    <dgm:txPr/>
+    <dgm:style>
+      <a:lnRef idx="2">
+        <a:scrgbClr r="0" g="0" b="0"/>
+      </a:lnRef>
+      <a:fillRef idx="1">
+        <a:scrgbClr r="0" g="0" b="0"/>
+      </a:fillRef>
+      <a:effectRef idx="0">
+        <a:scrgbClr r="0" g="0" b="0"/>
+      </a:effectRef>
+      <a:fontRef idx="minor"/>
+    </dgm:style>
+  </dgm:styleLbl>
+  <dgm:styleLbl name="fgAcc2">
+    <dgm:scene3d>
+      <a:camera prst="orthographicFront"/>
+      <a:lightRig rig="threePt" dir="t"/>
+    </dgm:scene3d>
+    <dgm:sp3d/>
+    <dgm:txPr/>
+    <dgm:style>
+      <a:lnRef idx="2">
+        <a:scrgbClr r="0" g="0" b="0"/>
+      </a:lnRef>
+      <a:fillRef idx="1">
+        <a:scrgbClr r="0" g="0" b="0"/>
+      </a:fillRef>
+      <a:effectRef idx="0">
+        <a:scrgbClr r="0" g="0" b="0"/>
+      </a:effectRef>
+      <a:fontRef idx="minor"/>
+    </dgm:style>
+  </dgm:styleLbl>
+  <dgm:styleLbl name="fgAcc3">
+    <dgm:scene3d>
+      <a:camera prst="orthographicFront"/>
+      <a:lightRig rig="threePt" dir="t"/>
+    </dgm:scene3d>
+    <dgm:sp3d/>
+    <dgm:txPr/>
+    <dgm:style>
+      <a:lnRef idx="2">
+        <a:scrgbClr r="0" g="0" b="0"/>
+      </a:lnRef>
+      <a:fillRef idx="1">
+        <a:scrgbClr r="0" g="0" b="0"/>
+      </a:fillRef>
+      <a:effectRef idx="0">
+        <a:scrgbClr r="0" g="0" b="0"/>
+      </a:effectRef>
+      <a:fontRef idx="minor"/>
+    </dgm:style>
+  </dgm:styleLbl>
+  <dgm:styleLbl name="fgAcc4">
+    <dgm:scene3d>
+      <a:camera prst="orthographicFront"/>
+      <a:lightRig rig="threePt" dir="t"/>
+    </dgm:scene3d>
+    <dgm:sp3d/>
+    <dgm:txPr/>
+    <dgm:style>
+      <a:lnRef idx="2">
+        <a:scrgbClr r="0" g="0" b="0"/>
+      </a:lnRef>
+      <a:fillRef idx="1">
+        <a:scrgbClr r="0" g="0" b="0"/>
+      </a:fillRef>
+      <a:effectRef idx="0">
+        <a:scrgbClr r="0" g="0" b="0"/>
+      </a:effectRef>
+      <a:fontRef idx="minor"/>
+    </dgm:style>
+  </dgm:styleLbl>
+  <dgm:styleLbl name="bgShp">
+    <dgm:scene3d>
+      <a:camera prst="orthographicFront"/>
+      <a:lightRig rig="threePt" dir="t"/>
+    </dgm:scene3d>
+    <dgm:sp3d/>
+    <dgm:txPr/>
+    <dgm:style>
+      <a:lnRef idx="0">
+        <a:scrgbClr r="0" g="0" b="0"/>
+      </a:lnRef>
+      <a:fillRef idx="1">
+        <a:scrgbClr r="0" g="0" b="0"/>
+      </a:fillRef>
+      <a:effectRef idx="0">
+        <a:scrgbClr r="0" g="0" b="0"/>
+      </a:effectRef>
+      <a:fontRef idx="minor"/>
+    </dgm:style>
+  </dgm:styleLbl>
+  <dgm:styleLbl name="dkBgShp">
+    <dgm:scene3d>
+      <a:camera prst="orthographicFront"/>
+      <a:lightRig rig="threePt" dir="t"/>
+    </dgm:scene3d>
+    <dgm:sp3d/>
+    <dgm:txPr/>
+    <dgm:style>
+      <a:lnRef idx="0">
+        <a:scrgbClr r="0" g="0" b="0"/>
+      </a:lnRef>
+      <a:fillRef idx="1">
+        <a:scrgbClr r="0" g="0" b="0"/>
+      </a:fillRef>
+      <a:effectRef idx="0">
+        <a:scrgbClr r="0" g="0" b="0"/>
+      </a:effectRef>
+      <a:fontRef idx="minor"/>
+    </dgm:style>
+  </dgm:styleLbl>
+  <dgm:styleLbl name="trBgShp">
+    <dgm:scene3d>
+      <a:camera prst="orthographicFront"/>
+      <a:lightRig rig="threePt" dir="t"/>
+    </dgm:scene3d>
+    <dgm:sp3d/>
+    <dgm:txPr/>
+    <dgm:style>
+      <a:lnRef idx="0">
+        <a:scrgbClr r="0" g="0" b="0"/>
+      </a:lnRef>
+      <a:fillRef idx="1">
+        <a:scrgbClr r="0" g="0" b="0"/>
+      </a:fillRef>
+      <a:effectRef idx="0">
+        <a:scrgbClr r="0" g="0" b="0"/>
+      </a:effectRef>
+      <a:fontRef idx="minor"/>
+    </dgm:style>
+  </dgm:styleLbl>
+  <dgm:styleLbl name="fgShp">
+    <dgm:scene3d>
+      <a:camera prst="orthographicFront"/>
+      <a:lightRig rig="threePt" dir="t"/>
+    </dgm:scene3d>
+    <dgm:sp3d/>
+    <dgm:txPr/>
+    <dgm:style>
+      <a:lnRef idx="2">
+        <a:scrgbClr r="0" g="0" b="0"/>
+      </a:lnRef>
+      <a:fillRef idx="1">
+        <a:scrgbClr r="0" g="0" b="0"/>
+      </a:fillRef>
+      <a:effectRef idx="0">
+        <a:scrgbClr r="0" g="0" b="0"/>
+      </a:effectRef>
+      <a:fontRef idx="minor"/>
+    </dgm:style>
+  </dgm:styleLbl>
+  <dgm:styleLbl name="revTx">
+    <dgm:scene3d>
+      <a:camera prst="orthographicFront"/>
+      <a:lightRig rig="threePt" dir="t"/>
+    </dgm:scene3d>
+    <dgm:sp3d/>
+    <dgm:txPr/>
+    <dgm:style>
+      <a:lnRef idx="0">
+        <a:scrgbClr r="0" g="0" b="0"/>
+      </a:lnRef>
+      <a:fillRef idx="0">
+        <a:scrgbClr r="0" g="0" b="0"/>
+      </a:fillRef>
+      <a:effectRef idx="0">
+        <a:scrgbClr r="0" g="0" b="0"/>
+      </a:effectRef>
+      <a:fontRef idx="minor"/>
+    </dgm:style>
+  </dgm:styleLbl>
+</dgm:styleDef>
+</file>
+
+<file path=ppt/diagrams/quickStyle2.xml><?xml version="1.0" encoding="utf-8"?>
+<dgm:styleDef xmlns:dgm="http://schemas.openxmlformats.org/drawingml/2006/diagram" xmlns:a="http://schemas.openxmlformats.org/drawingml/2006/main" uniqueId="urn:microsoft.com/office/officeart/2005/8/quickstyle/simple1">
+  <dgm:title val=""/>
+  <dgm:desc val=""/>
+  <dgm:catLst>
+    <dgm:cat type="simple" pri="10100"/>
+  </dgm:catLst>
+  <dgm:scene3d>
+    <a:camera prst="orthographicFront"/>
+    <a:lightRig rig="threePt" dir="t"/>
+  </dgm:scene3d>
+  <dgm:styleLbl name="node0">
+    <dgm:scene3d>
+      <a:camera prst="orthographicFront"/>
+      <a:lightRig rig="threePt" dir="t"/>
+    </dgm:scene3d>
+    <dgm:sp3d/>
+    <dgm:txPr/>
+    <dgm:style>
+      <a:lnRef idx="2">
+        <a:scrgbClr r="0" g="0" b="0"/>
+      </a:lnRef>
+      <a:fillRef idx="1">
+        <a:scrgbClr r="0" g="0" b="0"/>
+      </a:fillRef>
+      <a:effectRef idx="0">
+        <a:scrgbClr r="0" g="0" b="0"/>
+      </a:effectRef>
+      <a:fontRef idx="minor">
+        <a:schemeClr val="lt1"/>
+      </a:fontRef>
+    </dgm:style>
+  </dgm:styleLbl>
+  <dgm:styleLbl name="lnNode1">
+    <dgm:scene3d>
+      <a:camera prst="orthographicFront"/>
+      <a:lightRig rig="threePt" dir="t"/>
+    </dgm:scene3d>
+    <dgm:sp3d/>
+    <dgm:txPr/>
+    <dgm:style>
+      <a:lnRef idx="2">
+        <a:scrgbClr r="0" g="0" b="0"/>
+      </a:lnRef>
+      <a:fillRef idx="1">
+        <a:scrgbClr r="0" g="0" b="0"/>
+      </a:fillRef>
+      <a:effectRef idx="0">
+        <a:scrgbClr r="0" g="0" b="0"/>
+      </a:effectRef>
+      <a:fontRef idx="minor">
+        <a:schemeClr val="lt1"/>
+      </a:fontRef>
+    </dgm:style>
+  </dgm:styleLbl>
+  <dgm:styleLbl name="vennNode1">
+    <dgm:scene3d>
+      <a:camera prst="orthographicFront"/>
+      <a:lightRig rig="threePt" dir="t"/>
+    </dgm:scene3d>
+    <dgm:sp3d/>
+    <dgm:txPr/>
+    <dgm:style>
+      <a:lnRef idx="2">
+        <a:scrgbClr r="0" g="0" b="0"/>
+      </a:lnRef>
+      <a:fillRef idx="1">
+        <a:scrgbClr r="0" g="0" b="0"/>
+      </a:fillRef>
+      <a:effectRef idx="0">
+        <a:scrgbClr r="0" g="0" b="0"/>
+      </a:effectRef>
+      <a:fontRef idx="minor">
+        <a:schemeClr val="tx1"/>
+      </a:fontRef>
+    </dgm:style>
+  </dgm:styleLbl>
+  <dgm:styleLbl name="alignNode1">
+    <dgm:scene3d>
+      <a:camera prst="orthographicFront"/>
+      <a:lightRig rig="threePt" dir="t"/>
+    </dgm:scene3d>
+    <dgm:sp3d/>
+    <dgm:txPr/>
+    <dgm:style>
+      <a:lnRef idx="2">
+        <a:scrgbClr r="0" g="0" b="0"/>
+      </a:lnRef>
+      <a:fillRef idx="1">
+        <a:scrgbClr r="0" g="0" b="0"/>
+      </a:fillRef>
+      <a:effectRef idx="0">
+        <a:scrgbClr r="0" g="0" b="0"/>
+      </a:effectRef>
+      <a:fontRef idx="minor">
+        <a:schemeClr val="lt1"/>
+      </a:fontRef>
+    </dgm:style>
+  </dgm:styleLbl>
+  <dgm:styleLbl name="node1">
+    <dgm:scene3d>
+      <a:camera prst="orthographicFront"/>
+      <a:lightRig rig="threePt" dir="t"/>
+    </dgm:scene3d>
+    <dgm:sp3d/>
+    <dgm:txPr/>
+    <dgm:style>
+      <a:lnRef idx="2">
+        <a:scrgbClr r="0" g="0" b="0"/>
+      </a:lnRef>
+      <a:fillRef idx="1">
+        <a:scrgbClr r="0" g="0" b="0"/>
+      </a:fillRef>
+      <a:effectRef idx="0">
+        <a:scrgbClr r="0" g="0" b="0"/>
+      </a:effectRef>
+      <a:fontRef idx="minor">
+        <a:schemeClr val="lt1"/>
+      </a:fontRef>
+    </dgm:style>
+  </dgm:styleLbl>
+  <dgm:styleLbl name="node2">
+    <dgm:scene3d>
+      <a:camera prst="orthographicFront"/>
+      <a:lightRig rig="threePt" dir="t"/>
+    </dgm:scene3d>
+    <dgm:sp3d/>
+    <dgm:txPr/>
+    <dgm:style>
+      <a:lnRef idx="2">
+        <a:scrgbClr r="0" g="0" b="0"/>
+      </a:lnRef>
+      <a:fillRef idx="1">
+        <a:scrgbClr r="0" g="0" b="0"/>
+      </a:fillRef>
+      <a:effectRef idx="0">
+        <a:scrgbClr r="0" g="0" b="0"/>
+      </a:effectRef>
+      <a:fontRef idx="minor">
+        <a:schemeClr val="lt1"/>
+      </a:fontRef>
+    </dgm:style>
+  </dgm:styleLbl>
+  <dgm:styleLbl name="node3">
+    <dgm:scene3d>
+      <a:camera prst="orthographicFront"/>
+      <a:lightRig rig="threePt" dir="t"/>
+    </dgm:scene3d>
+    <dgm:sp3d/>
+    <dgm:txPr/>
+    <dgm:style>
+      <a:lnRef idx="2">
+        <a:scrgbClr r="0" g="0" b="0"/>
+      </a:lnRef>
+      <a:fillRef idx="1">
+        <a:scrgbClr r="0" g="0" b="0"/>
+      </a:fillRef>
+      <a:effectRef idx="0">
+        <a:scrgbClr r="0" g="0" b="0"/>
+      </a:effectRef>
+      <a:fontRef idx="minor">
+        <a:schemeClr val="lt1"/>
+      </a:fontRef>
+    </dgm:style>
+  </dgm:styleLbl>
+  <dgm:styleLbl name="node4">
+    <dgm:scene3d>
+      <a:camera prst="orthographicFront"/>
+      <a:lightRig rig="threePt" dir="t"/>
+    </dgm:scene3d>
+    <dgm:sp3d/>
+    <dgm:txPr/>
+    <dgm:style>
+      <a:lnRef idx="2">
+        <a:scrgbClr r="0" g="0" b="0"/>
+      </a:lnRef>
+      <a:fillRef idx="1">
+        <a:scrgbClr r="0" g="0" b="0"/>
+      </a:fillRef>
+      <a:effectRef idx="0">
+        <a:scrgbClr r="0" g="0" b="0"/>
+      </a:effectRef>
+      <a:fontRef idx="minor">
+        <a:schemeClr val="lt1"/>
+      </a:fontRef>
+    </dgm:style>
+  </dgm:styleLbl>
+  <dgm:styleLbl name="fgImgPlace1">
+    <dgm:scene3d>
+      <a:camera prst="orthographicFront"/>
+      <a:lightRig rig="threePt" dir="t"/>
+    </dgm:scene3d>
+    <dgm:sp3d/>
+    <dgm:txPr/>
+    <dgm:style>
+      <a:lnRef idx="2">
+        <a:scrgbClr r="0" g="0" b="0"/>
+      </a:lnRef>
+      <a:fillRef idx="1">
+        <a:scrgbClr r="0" g="0" b="0"/>
+      </a:fillRef>
+      <a:effectRef idx="0">
+        <a:scrgbClr r="0" g="0" b="0"/>
+      </a:effectRef>
+      <a:fontRef idx="minor"/>
+    </dgm:style>
+  </dgm:styleLbl>
+  <dgm:styleLbl name="alignImgPlace1">
+    <dgm:scene3d>
+      <a:camera prst="orthographicFront"/>
+      <a:lightRig rig="threePt" dir="t"/>
+    </dgm:scene3d>
+    <dgm:sp3d/>
+    <dgm:txPr/>
+    <dgm:style>
+      <a:lnRef idx="2">
+        <a:scrgbClr r="0" g="0" b="0"/>
+      </a:lnRef>
+      <a:fillRef idx="1">
+        <a:scrgbClr r="0" g="0" b="0"/>
+      </a:fillRef>
+      <a:effectRef idx="0">
+        <a:scrgbClr r="0" g="0" b="0"/>
+      </a:effectRef>
+      <a:fontRef idx="minor"/>
+    </dgm:style>
+  </dgm:styleLbl>
+  <dgm:styleLbl name="bgImgPlace1">
+    <dgm:scene3d>
+      <a:camera prst="orthographicFront"/>
+      <a:lightRig rig="threePt" dir="t"/>
+    </dgm:scene3d>
+    <dgm:sp3d/>
+    <dgm:txPr/>
+    <dgm:style>
+      <a:lnRef idx="2">
+        <a:scrgbClr r="0" g="0" b="0"/>
+      </a:lnRef>
+      <a:fillRef idx="1">
+        <a:scrgbClr r="0" g="0" b="0"/>
+      </a:fillRef>
+      <a:effectRef idx="0">
+        <a:scrgbClr r="0" g="0" b="0"/>
+      </a:effectRef>
+      <a:fontRef idx="minor"/>
+    </dgm:style>
+  </dgm:styleLbl>
+  <dgm:styleLbl name="sibTrans2D1">
+    <dgm:scene3d>
+      <a:camera prst="orthographicFront"/>
+      <a:lightRig rig="threePt" dir="t"/>
+    </dgm:scene3d>
+    <dgm:sp3d/>
+    <dgm:txPr/>
+    <dgm:style>
+      <a:lnRef idx="0">
+        <a:scrgbClr r="0" g="0" b="0"/>
+      </a:lnRef>
+      <a:fillRef idx="1">
+        <a:scrgbClr r="0" g="0" b="0"/>
+      </a:fillRef>
+      <a:effectRef idx="0">
+        <a:scrgbClr r="0" g="0" b="0"/>
+      </a:effectRef>
+      <a:fontRef idx="minor">
+        <a:schemeClr val="lt1"/>
+      </a:fontRef>
+    </dgm:style>
+  </dgm:styleLbl>
+  <dgm:styleLbl name="fgSibTrans2D1">
+    <dgm:scene3d>
+      <a:camera prst="orthographicFront"/>
+      <a:lightRig rig="threePt" dir="t"/>
+    </dgm:scene3d>
+    <dgm:sp3d/>
+    <dgm:txPr/>
+    <dgm:style>
+      <a:lnRef idx="0">
+        <a:scrgbClr r="0" g="0" b="0"/>
+      </a:lnRef>
+      <a:fillRef idx="1">
+        <a:scrgbClr r="0" g="0" b="0"/>
+      </a:fillRef>
+      <a:effectRef idx="0">
+        <a:scrgbClr r="0" g="0" b="0"/>
+      </a:effectRef>
+      <a:fontRef idx="minor">
+        <a:schemeClr val="lt1"/>
+      </a:fontRef>
+    </dgm:style>
+  </dgm:styleLbl>
+  <dgm:styleLbl name="bgSibTrans2D1">
+    <dgm:scene3d>
+      <a:camera prst="orthographicFront"/>
+      <a:lightRig rig="threePt" dir="t"/>
+    </dgm:scene3d>
+    <dgm:sp3d/>
+    <dgm:txPr/>
+    <dgm:style>
+      <a:lnRef idx="0">
+        <a:scrgbClr r="0" g="0" b="0"/>
+      </a:lnRef>
+      <a:fillRef idx="1">
+        <a:scrgbClr r="0" g="0" b="0"/>
+      </a:fillRef>
+      <a:effectRef idx="0">
+        <a:scrgbClr r="0" g="0" b="0"/>
+      </a:effectRef>
+      <a:fontRef idx="minor">
+        <a:schemeClr val="lt1"/>
+      </a:fontRef>
+    </dgm:style>
+  </dgm:styleLbl>
+  <dgm:styleLbl name="sibTrans1D1">
+    <dgm:scene3d>
+      <a:camera prst="orthographicFront"/>
+      <a:lightRig rig="threePt" dir="t"/>
+    </dgm:scene3d>
+    <dgm:sp3d/>
+    <dgm:txPr/>
+    <dgm:style>
+      <a:lnRef idx="1">
+        <a:scrgbClr r="0" g="0" b="0"/>
+      </a:lnRef>
+      <a:fillRef idx="0">
+        <a:scrgbClr r="0" g="0" b="0"/>
+      </a:fillRef>
+      <a:effectRef idx="0">
+        <a:scrgbClr r="0" g="0" b="0"/>
+      </a:effectRef>
+      <a:fontRef idx="minor"/>
+    </dgm:style>
+  </dgm:styleLbl>
+  <dgm:styleLbl name="callout">
+    <dgm:scene3d>
+      <a:camera prst="orthographicFront"/>
+      <a:lightRig rig="threePt" dir="t"/>
+    </dgm:scene3d>
+    <dgm:sp3d/>
+    <dgm:txPr/>
+    <dgm:style>
+      <a:lnRef idx="2">
+        <a:scrgbClr r="0" g="0" b="0"/>
+      </a:lnRef>
+      <a:fillRef idx="1">
+        <a:scrgbClr r="0" g="0" b="0"/>
+      </a:fillRef>
+      <a:effectRef idx="0">
+        <a:scrgbClr r="0" g="0" b="0"/>
+      </a:effectRef>
+      <a:fontRef idx="minor"/>
+    </dgm:style>
+  </dgm:styleLbl>
+  <dgm:styleLbl name="asst0">
+    <dgm:scene3d>
+      <a:camera prst="orthographicFront"/>
+      <a:lightRig rig="threePt" dir="t"/>
+    </dgm:scene3d>
+    <dgm:sp3d/>
+    <dgm:txPr/>
+    <dgm:style>
+      <a:lnRef idx="2">
+        <a:scrgbClr r="0" g="0" b="0"/>
+      </a:lnRef>
+      <a:fillRef idx="1">
+        <a:scrgbClr r="0" g="0" b="0"/>
+      </a:fillRef>
+      <a:effectRef idx="0">
+        <a:scrgbClr r="0" g="0" b="0"/>
+      </a:effectRef>
+      <a:fontRef idx="minor">
+        <a:schemeClr val="lt1"/>
+      </a:fontRef>
+    </dgm:style>
+  </dgm:styleLbl>
+  <dgm:styleLbl name="asst1">
+    <dgm:scene3d>
+      <a:camera prst="orthographicFront"/>
+      <a:lightRig rig="threePt" dir="t"/>
+    </dgm:scene3d>
+    <dgm:sp3d/>
+    <dgm:txPr/>
+    <dgm:style>
+      <a:lnRef idx="2">
+        <a:scrgbClr r="0" g="0" b="0"/>
+      </a:lnRef>
+      <a:fillRef idx="1">
+        <a:scrgbClr r="0" g="0" b="0"/>
+      </a:fillRef>
+      <a:effectRef idx="0">
+        <a:scrgbClr r="0" g="0" b="0"/>
+      </a:effectRef>
+      <a:fontRef idx="minor">
+        <a:schemeClr val="lt1"/>
+      </a:fontRef>
+    </dgm:style>
+  </dgm:styleLbl>
+  <dgm:styleLbl name="asst2">
+    <dgm:scene3d>
+      <a:camera prst="orthographicFront"/>
+      <a:lightRig rig="threePt" dir="t"/>
+    </dgm:scene3d>
+    <dgm:sp3d/>
+    <dgm:txPr/>
+    <dgm:style>
+      <a:lnRef idx="2">
+        <a:scrgbClr r="0" g="0" b="0"/>
+      </a:lnRef>
+      <a:fillRef idx="1">
+        <a:scrgbClr r="0" g="0" b="0"/>
+      </a:fillRef>
+      <a:effectRef idx="0">
+        <a:scrgbClr r="0" g="0" b="0"/>
+      </a:effectRef>
+      <a:fontRef idx="minor">
+        <a:schemeClr val="lt1"/>
+      </a:fontRef>
+    </dgm:style>
+  </dgm:styleLbl>
+  <dgm:styleLbl name="asst3">
+    <dgm:scene3d>
+      <a:camera prst="orthographicFront"/>
+      <a:lightRig rig="threePt" dir="t"/>
+    </dgm:scene3d>
+    <dgm:sp3d/>
+    <dgm:txPr/>
+    <dgm:style>
+      <a:lnRef idx="2">
+        <a:scrgbClr r="0" g="0" b="0"/>
+      </a:lnRef>
+      <a:fillRef idx="1">
+        <a:scrgbClr r="0" g="0" b="0"/>
+      </a:fillRef>
+      <a:effectRef idx="0">
+        <a:scrgbClr r="0" g="0" b="0"/>
+      </a:effectRef>
+      <a:fontRef idx="minor">
+        <a:schemeClr val="lt1"/>
+      </a:fontRef>
+    </dgm:style>
+  </dgm:styleLbl>
+  <dgm:styleLbl name="asst4">
+    <dgm:scene3d>
+      <a:camera prst="orthographicFront"/>
+      <a:lightRig rig="threePt" dir="t"/>
+    </dgm:scene3d>
+    <dgm:sp3d/>
+    <dgm:txPr/>
+    <dgm:style>
+      <a:lnRef idx="2">
+        <a:scrgbClr r="0" g="0" b="0"/>
+      </a:lnRef>
+      <a:fillRef idx="1">
+        <a:scrgbClr r="0" g="0" b="0"/>
+      </a:fillRef>
+      <a:effectRef idx="0">
+        <a:scrgbClr r="0" g="0" b="0"/>
+      </a:effectRef>
+      <a:fontRef idx="minor">
+        <a:schemeClr val="lt1"/>
+      </a:fontRef>
+    </dgm:style>
+  </dgm:styleLbl>
+  <dgm:styleLbl name="parChTrans2D1">
+    <dgm:scene3d>
+      <a:camera prst="orthographicFront"/>
+      <a:lightRig rig="threePt" dir="t"/>
+    </dgm:scene3d>
+    <dgm:sp3d/>
+    <dgm:txPr/>
+    <dgm:style>
+      <a:lnRef idx="2">
+        <a:scrgbClr r="0" g="0" b="0"/>
+      </a:lnRef>
+      <a:fillRef idx="1">
+        <a:scrgbClr r="0" g="0" b="0"/>
+      </a:fillRef>
+      <a:effectRef idx="0">
+        <a:scrgbClr r="0" g="0" b="0"/>
+      </a:effectRef>
+      <a:fontRef idx="minor">
+        <a:schemeClr val="lt1"/>
+      </a:fontRef>
+    </dgm:style>
+  </dgm:styleLbl>
+  <dgm:styleLbl name="parChTrans2D2">
+    <dgm:scene3d>
+      <a:camera prst="orthographicFront"/>
+      <a:lightRig rig="threePt" dir="t"/>
+    </dgm:scene3d>
+    <dgm:sp3d/>
+    <dgm:txPr/>
+    <dgm:style>
+      <a:lnRef idx="2">
+        <a:scrgbClr r="0" g="0" b="0"/>
+      </a:lnRef>
+      <a:fillRef idx="1">
+        <a:scrgbClr r="0" g="0" b="0"/>
+      </a:fillRef>
+      <a:effectRef idx="0">
+        <a:scrgbClr r="0" g="0" b="0"/>
+      </a:effectRef>
+      <a:fontRef idx="minor">
+        <a:schemeClr val="lt1"/>
+      </a:fontRef>
+    </dgm:style>
+  </dgm:styleLbl>
+  <dgm:styleLbl name="parChTrans2D3">
+    <dgm:scene3d>
+      <a:camera prst="orthographicFront"/>
+      <a:lightRig rig="threePt" dir="t"/>
+    </dgm:scene3d>
+    <dgm:sp3d/>
+    <dgm:txPr/>
+    <dgm:style>
+      <a:lnRef idx="2">
+        <a:scrgbClr r="0" g="0" b="0"/>
+      </a:lnRef>
+      <a:fillRef idx="1">
+        <a:scrgbClr r="0" g="0" b="0"/>
+      </a:fillRef>
+      <a:effectRef idx="0">
+        <a:scrgbClr r="0" g="0" b="0"/>
+      </a:effectRef>
+      <a:fontRef idx="minor">
+        <a:schemeClr val="lt1"/>
+      </a:fontRef>
+    </dgm:style>
+  </dgm:styleLbl>
+  <dgm:styleLbl name="parChTrans2D4">
+    <dgm:scene3d>
+      <a:camera prst="orthographicFront"/>
+      <a:lightRig rig="threePt" dir="t"/>
+    </dgm:scene3d>
+    <dgm:sp3d/>
+    <dgm:txPr/>
+    <dgm:style>
+      <a:lnRef idx="2">
+        <a:scrgbClr r="0" g="0" b="0"/>
+      </a:lnRef>
+      <a:fillRef idx="1">
+        <a:scrgbClr r="0" g="0" b="0"/>
+      </a:fillRef>
+      <a:effectRef idx="0">
+        <a:scrgbClr r="0" g="0" b="0"/>
+      </a:effectRef>
+      <a:fontRef idx="minor">
+        <a:schemeClr val="lt1"/>
+      </a:fontRef>
+    </dgm:style>
+  </dgm:styleLbl>
+  <dgm:styleLbl name="parChTrans1D1">
+    <dgm:scene3d>
+      <a:camera prst="orthographicFront"/>
+      <a:lightRig rig="threePt" dir="t"/>
+    </dgm:scene3d>
+    <dgm:sp3d/>
+    <dgm:txPr/>
+    <dgm:style>
+      <a:lnRef idx="2">
+        <a:scrgbClr r="0" g="0" b="0"/>
+      </a:lnRef>
+      <a:fillRef idx="0">
+        <a:scrgbClr r="0" g="0" b="0"/>
+      </a:fillRef>
+      <a:effectRef idx="0">
+        <a:scrgbClr r="0" g="0" b="0"/>
+      </a:effectRef>
+      <a:fontRef idx="minor"/>
+    </dgm:style>
+  </dgm:styleLbl>
+  <dgm:styleLbl name="parChTrans1D2">
+    <dgm:scene3d>
+      <a:camera prst="orthographicFront"/>
+      <a:lightRig rig="threePt" dir="t"/>
+    </dgm:scene3d>
+    <dgm:sp3d/>
+    <dgm:txPr/>
+    <dgm:style>
+      <a:lnRef idx="2">
+        <a:scrgbClr r="0" g="0" b="0"/>
+      </a:lnRef>
+      <a:fillRef idx="0">
+        <a:scrgbClr r="0" g="0" b="0"/>
+      </a:fillRef>
+      <a:effectRef idx="0">
+        <a:scrgbClr r="0" g="0" b="0"/>
+      </a:effectRef>
+      <a:fontRef idx="minor"/>
+    </dgm:style>
+  </dgm:styleLbl>
+  <dgm:styleLbl name="parChTrans1D3">
+    <dgm:scene3d>
+      <a:camera prst="orthographicFront"/>
+      <a:lightRig rig="threePt" dir="t"/>
+    </dgm:scene3d>
+    <dgm:sp3d/>
+    <dgm:txPr/>
+    <dgm:style>
+      <a:lnRef idx="2">
+        <a:scrgbClr r="0" g="0" b="0"/>
+      </a:lnRef>
+      <a:fillRef idx="0">
+        <a:scrgbClr r="0" g="0" b="0"/>
+      </a:fillRef>
+      <a:effectRef idx="0">
+        <a:scrgbClr r="0" g="0" b="0"/>
+      </a:effectRef>
+      <a:fontRef idx="minor"/>
+    </dgm:style>
+  </dgm:styleLbl>
+  <dgm:styleLbl name="parChTrans1D4">
+    <dgm:scene3d>
+      <a:camera prst="orthographicFront"/>
+      <a:lightRig rig="threePt" dir="t"/>
+    </dgm:scene3d>
+    <dgm:sp3d/>
+    <dgm:txPr/>
+    <dgm:style>
+      <a:lnRef idx="2">
+        <a:scrgbClr r="0" g="0" b="0"/>
+      </a:lnRef>
+      <a:fillRef idx="0">
+        <a:scrgbClr r="0" g="0" b="0"/>
+      </a:fillRef>
+      <a:effectRef idx="0">
+        <a:scrgbClr r="0" g="0" b="0"/>
+      </a:effectRef>
+      <a:fontRef idx="minor"/>
+    </dgm:style>
+  </dgm:styleLbl>
+  <dgm:styleLbl name="fgAcc1">
+    <dgm:scene3d>
+      <a:camera prst="orthographicFront"/>
+      <a:lightRig rig="threePt" dir="t"/>
+    </dgm:scene3d>
+    <dgm:sp3d/>
+    <dgm:txPr/>
+    <dgm:style>
+      <a:lnRef idx="2">
+        <a:scrgbClr r="0" g="0" b="0"/>
+      </a:lnRef>
+      <a:fillRef idx="1">
+        <a:scrgbClr r="0" g="0" b="0"/>
+      </a:fillRef>
+      <a:effectRef idx="0">
+        <a:scrgbClr r="0" g="0" b="0"/>
+      </a:effectRef>
+      <a:fontRef idx="minor"/>
+    </dgm:style>
+  </dgm:styleLbl>
+  <dgm:styleLbl name="conFgAcc1">
+    <dgm:scene3d>
+      <a:camera prst="orthographicFront"/>
+      <a:lightRig rig="threePt" dir="t"/>
+    </dgm:scene3d>
+    <dgm:sp3d/>
+    <dgm:txPr/>
+    <dgm:style>
+      <a:lnRef idx="2">
+        <a:scrgbClr r="0" g="0" b="0"/>
+      </a:lnRef>
+      <a:fillRef idx="1">
+        <a:scrgbClr r="0" g="0" b="0"/>
+      </a:fillRef>
+      <a:effectRef idx="0">
+        <a:scrgbClr r="0" g="0" b="0"/>
+      </a:effectRef>
+      <a:fontRef idx="minor"/>
+    </dgm:style>
+  </dgm:styleLbl>
+  <dgm:styleLbl name="alignAcc1">
+    <dgm:scene3d>
+      <a:camera prst="orthographicFront"/>
+      <a:lightRig rig="threePt" dir="t"/>
+    </dgm:scene3d>
+    <dgm:sp3d/>
+    <dgm:txPr/>
+    <dgm:style>
+      <a:lnRef idx="2">
+        <a:scrgbClr r="0" g="0" b="0"/>
+      </a:lnRef>
+      <a:fillRef idx="1">
+        <a:scrgbClr r="0" g="0" b="0"/>
+      </a:fillRef>
+      <a:effectRef idx="0">
+        <a:scrgbClr r="0" g="0" b="0"/>
+      </a:effectRef>
+      <a:fontRef idx="minor"/>
+    </dgm:style>
+  </dgm:styleLbl>
+  <dgm:styleLbl name="trAlignAcc1">
+    <dgm:scene3d>
+      <a:camera prst="orthographicFront"/>
+      <a:lightRig rig="threePt" dir="t"/>
+    </dgm:scene3d>
+    <dgm:sp3d/>
+    <dgm:txPr/>
+    <dgm:style>
+      <a:lnRef idx="1">
+        <a:scrgbClr r="0" g="0" b="0"/>
+      </a:lnRef>
+      <a:fillRef idx="1">
+        <a:scrgbClr r="0" g="0" b="0"/>
+      </a:fillRef>
+      <a:effectRef idx="0">
+        <a:scrgbClr r="0" g="0" b="0"/>
+      </a:effectRef>
+      <a:fontRef idx="minor"/>
+    </dgm:style>
+  </dgm:styleLbl>
+  <dgm:styleLbl name="bgAcc1">
+    <dgm:scene3d>
+      <a:camera prst="orthographicFront"/>
+      <a:lightRig rig="threePt" dir="t"/>
+    </dgm:scene3d>
+    <dgm:sp3d/>
+    <dgm:txPr/>
+    <dgm:style>
+      <a:lnRef idx="2">
+        <a:scrgbClr r="0" g="0" b="0"/>
+      </a:lnRef>
+      <a:fillRef idx="1">
+        <a:scrgbClr r="0" g="0" b="0"/>
+      </a:fillRef>
+      <a:effectRef idx="0">
+        <a:scrgbClr r="0" g="0" b="0"/>
+      </a:effectRef>
+      <a:fontRef idx="minor"/>
+    </dgm:style>
+  </dgm:styleLbl>
+  <dgm:styleLbl name="solidFgAcc1">
+    <dgm:scene3d>
+      <a:camera prst="orthographicFront"/>
+      <a:lightRig rig="threePt" dir="t"/>
+    </dgm:scene3d>
+    <dgm:sp3d/>
+    <dgm:txPr/>
+    <dgm:style>
+      <a:lnRef idx="2">
+        <a:scrgbClr r="0" g="0" b="0"/>
+      </a:lnRef>
+      <a:fillRef idx="1">
+        <a:scrgbClr r="0" g="0" b="0"/>
+      </a:fillRef>
+      <a:effectRef idx="0">
+        <a:scrgbClr r="0" g="0" b="0"/>
+      </a:effectRef>
+      <a:fontRef idx="minor"/>
+    </dgm:style>
+  </dgm:styleLbl>
+  <dgm:styleLbl name="solidAlignAcc1">
+    <dgm:scene3d>
+      <a:camera prst="orthographicFront"/>
+      <a:lightRig rig="threePt" dir="t"/>
+    </dgm:scene3d>
+    <dgm:sp3d/>
+    <dgm:txPr/>
+    <dgm:style>
+      <a:lnRef idx="2">
+        <a:scrgbClr r="0" g="0" b="0"/>
+      </a:lnRef>
+      <a:fillRef idx="1">
+        <a:scrgbClr r="0" g="0" b="0"/>
+      </a:fillRef>
+      <a:effectRef idx="0">
+        <a:scrgbClr r="0" g="0" b="0"/>
+      </a:effectRef>
+      <a:fontRef idx="minor"/>
+    </dgm:style>
+  </dgm:styleLbl>
+  <dgm:styleLbl name="solidBgAcc1">
+    <dgm:scene3d>
+      <a:camera prst="orthographicFront"/>
+      <a:lightRig rig="threePt" dir="t"/>
+    </dgm:scene3d>
+    <dgm:sp3d/>
+    <dgm:txPr/>
+    <dgm:style>
+      <a:lnRef idx="2">
+        <a:scrgbClr r="0" g="0" b="0"/>
+      </a:lnRef>
+      <a:fillRef idx="1">
+        <a:scrgbClr r="0" g="0" b="0"/>
+      </a:fillRef>
+      <a:effectRef idx="0">
+        <a:scrgbClr r="0" g="0" b="0"/>
+      </a:effectRef>
+      <a:fontRef idx="minor"/>
+    </dgm:style>
+  </dgm:styleLbl>
+  <dgm:styleLbl name="fgAccFollowNode1">
+    <dgm:scene3d>
+      <a:camera prst="orthographicFront"/>
+      <a:lightRig rig="threePt" dir="t"/>
+    </dgm:scene3d>
+    <dgm:sp3d/>
+    <dgm:txPr/>
+    <dgm:style>
+      <a:lnRef idx="2">
+        <a:scrgbClr r="0" g="0" b="0"/>
+      </a:lnRef>
+      <a:fillRef idx="1">
+        <a:scrgbClr r="0" g="0" b="0"/>
+      </a:fillRef>
+      <a:effectRef idx="0">
+        <a:scrgbClr r="0" g="0" b="0"/>
+      </a:effectRef>
+      <a:fontRef idx="minor"/>
+    </dgm:style>
+  </dgm:styleLbl>
+  <dgm:styleLbl name="alignAccFollowNode1">
+    <dgm:scene3d>
+      <a:camera prst="orthographicFront"/>
+      <a:lightRig rig="threePt" dir="t"/>
+    </dgm:scene3d>
+    <dgm:sp3d/>
+    <dgm:txPr/>
+    <dgm:style>
+      <a:lnRef idx="2">
+        <a:scrgbClr r="0" g="0" b="0"/>
+      </a:lnRef>
+      <a:fillRef idx="1">
+        <a:scrgbClr r="0" g="0" b="0"/>
+      </a:fillRef>
+      <a:effectRef idx="0">
+        <a:scrgbClr r="0" g="0" b="0"/>
+      </a:effectRef>
+      <a:fontRef idx="minor"/>
+    </dgm:style>
+  </dgm:styleLbl>
+  <dgm:styleLbl name="bgAccFollowNode1">
+    <dgm:scene3d>
+      <a:camera prst="orthographicFront"/>
+      <a:lightRig rig="threePt" dir="t"/>
+    </dgm:scene3d>
+    <dgm:sp3d/>
+    <dgm:txPr/>
+    <dgm:style>
+      <a:lnRef idx="2">
+        <a:scrgbClr r="0" g="0" b="0"/>
+      </a:lnRef>
+      <a:fillRef idx="1">
+        <a:scrgbClr r="0" g="0" b="0"/>
+      </a:fillRef>
+      <a:effectRef idx="0">
+        <a:scrgbClr r="0" g="0" b="0"/>
+      </a:effectRef>
+      <a:fontRef idx="minor"/>
+    </dgm:style>
+  </dgm:styleLbl>
+  <dgm:styleLbl name="fgAcc0">
+    <dgm:scene3d>
+      <a:camera prst="orthographicFront"/>
+      <a:lightRig rig="threePt" dir="t"/>
+    </dgm:scene3d>
+    <dgm:sp3d/>
+    <dgm:txPr/>
+    <dgm:style>
+      <a:lnRef idx="2">
+        <a:scrgbClr r="0" g="0" b="0"/>
+      </a:lnRef>
+      <a:fillRef idx="1">
+        <a:scrgbClr r="0" g="0" b="0"/>
+      </a:fillRef>
+      <a:effectRef idx="0">
+        <a:scrgbClr r="0" g="0" b="0"/>
+      </a:effectRef>
+      <a:fontRef idx="minor"/>
+    </dgm:style>
+  </dgm:styleLbl>
+  <dgm:styleLbl name="fgAcc2">
+    <dgm:scene3d>
+      <a:camera prst="orthographicFront"/>
+      <a:lightRig rig="threePt" dir="t"/>
+    </dgm:scene3d>
+    <dgm:sp3d/>
+    <dgm:txPr/>
+    <dgm:style>
+      <a:lnRef idx="2">
+        <a:scrgbClr r="0" g="0" b="0"/>
+      </a:lnRef>
+      <a:fillRef idx="1">
+        <a:scrgbClr r="0" g="0" b="0"/>
+      </a:fillRef>
+      <a:effectRef idx="0">
+        <a:scrgbClr r="0" g="0" b="0"/>
+      </a:effectRef>
+      <a:fontRef idx="minor"/>
+    </dgm:style>
+  </dgm:styleLbl>
+  <dgm:styleLbl name="fgAcc3">
+    <dgm:scene3d>
+      <a:camera prst="orthographicFront"/>
+      <a:lightRig rig="threePt" dir="t"/>
+    </dgm:scene3d>
+    <dgm:sp3d/>
+    <dgm:txPr/>
+    <dgm:style>
+      <a:lnRef idx="2">
+        <a:scrgbClr r="0" g="0" b="0"/>
+      </a:lnRef>
+      <a:fillRef idx="1">
+        <a:scrgbClr r="0" g="0" b="0"/>
+      </a:fillRef>
+      <a:effectRef idx="0">
+        <a:scrgbClr r="0" g="0" b="0"/>
+      </a:effectRef>
+      <a:fontRef idx="minor"/>
+    </dgm:style>
+  </dgm:styleLbl>
+  <dgm:styleLbl name="fgAcc4">
+    <dgm:scene3d>
+      <a:camera prst="orthographicFront"/>
+      <a:lightRig rig="threePt" dir="t"/>
+    </dgm:scene3d>
+    <dgm:sp3d/>
+    <dgm:txPr/>
+    <dgm:style>
+      <a:lnRef idx="2">
+        <a:scrgbClr r="0" g="0" b="0"/>
+      </a:lnRef>
+      <a:fillRef idx="1">
+        <a:scrgbClr r="0" g="0" b="0"/>
+      </a:fillRef>
+      <a:effectRef idx="0">
+        <a:scrgbClr r="0" g="0" b="0"/>
+      </a:effectRef>
+      <a:fontRef idx="minor"/>
+    </dgm:style>
+  </dgm:styleLbl>
+  <dgm:styleLbl name="bgShp">
+    <dgm:scene3d>
+      <a:camera prst="orthographicFront"/>
+      <a:lightRig rig="threePt" dir="t"/>
+    </dgm:scene3d>
+    <dgm:sp3d/>
+    <dgm:txPr/>
+    <dgm:style>
+      <a:lnRef idx="0">
+        <a:scrgbClr r="0" g="0" b="0"/>
+      </a:lnRef>
+      <a:fillRef idx="1">
+        <a:scrgbClr r="0" g="0" b="0"/>
+      </a:fillRef>
+      <a:effectRef idx="0">
+        <a:scrgbClr r="0" g="0" b="0"/>
+      </a:effectRef>
+      <a:fontRef idx="minor"/>
+    </dgm:style>
+  </dgm:styleLbl>
+  <dgm:styleLbl name="dkBgShp">
+    <dgm:scene3d>
+      <a:camera prst="orthographicFront"/>
+      <a:lightRig rig="threePt" dir="t"/>
+    </dgm:scene3d>
+    <dgm:sp3d/>
+    <dgm:txPr/>
+    <dgm:style>
+      <a:lnRef idx="0">
+        <a:scrgbClr r="0" g="0" b="0"/>
+      </a:lnRef>
+      <a:fillRef idx="1">
+        <a:scrgbClr r="0" g="0" b="0"/>
+      </a:fillRef>
+      <a:effectRef idx="0">
+        <a:scrgbClr r="0" g="0" b="0"/>
+      </a:effectRef>
+      <a:fontRef idx="minor"/>
+    </dgm:style>
+  </dgm:styleLbl>
+  <dgm:styleLbl name="trBgShp">
+    <dgm:scene3d>
+      <a:camera prst="orthographicFront"/>
+      <a:lightRig rig="threePt" dir="t"/>
+    </dgm:scene3d>
+    <dgm:sp3d/>
+    <dgm:txPr/>
+    <dgm:style>
+      <a:lnRef idx="0">
+        <a:scrgbClr r="0" g="0" b="0"/>
+      </a:lnRef>
+      <a:fillRef idx="1">
+        <a:scrgbClr r="0" g="0" b="0"/>
+      </a:fillRef>
+      <a:effectRef idx="0">
+        <a:scrgbClr r="0" g="0" b="0"/>
+      </a:effectRef>
+      <a:fontRef idx="minor"/>
+    </dgm:style>
+  </dgm:styleLbl>
+  <dgm:styleLbl name="fgShp">
+    <dgm:scene3d>
+      <a:camera prst="orthographicFront"/>
+      <a:lightRig rig="threePt" dir="t"/>
+    </dgm:scene3d>
+    <dgm:sp3d/>
+    <dgm:txPr/>
+    <dgm:style>
+      <a:lnRef idx="2">
+        <a:scrgbClr r="0" g="0" b="0"/>
+      </a:lnRef>
+      <a:fillRef idx="1">
+        <a:scrgbClr r="0" g="0" b="0"/>
+      </a:fillRef>
+      <a:effectRef idx="0">
+        <a:scrgbClr r="0" g="0" b="0"/>
+      </a:effectRef>
+      <a:fontRef idx="minor"/>
+    </dgm:style>
+  </dgm:styleLbl>
+  <dgm:styleLbl name="revTx">
+    <dgm:scene3d>
+      <a:camera prst="orthographicFront"/>
+      <a:lightRig rig="threePt" dir="t"/>
+    </dgm:scene3d>
+    <dgm:sp3d/>
+    <dgm:txPr/>
+    <dgm:style>
+      <a:lnRef idx="0">
+        <a:scrgbClr r="0" g="0" b="0"/>
+      </a:lnRef>
+      <a:fillRef idx="0">
+        <a:scrgbClr r="0" g="0" b="0"/>
+      </a:fillRef>
+      <a:effectRef idx="0">
+        <a:scrgbClr r="0" g="0" b="0"/>
+      </a:effectRef>
+      <a:fontRef idx="minor"/>
+    </dgm:style>
+  </dgm:styleLbl>
+</dgm:styleDef>
 </file>
 
 <file path=ppt/slideLayouts/slideLayout1.xml><?xml version="1.0" encoding="utf-8"?>
@@ -256,7 +6677,7 @@
           <a:p>
             <a:fld id="{85C9B555-08B4-40A8-BBAB-879833AA5A7D}" type="datetimeFigureOut">
               <a:rPr lang="en-AU" smtClean="0"/>
-              <a:t>13/12/2021</a:t>
+              <a:t>4/02/2022</a:t>
             </a:fld>
             <a:endParaRPr lang="en-AU"/>
           </a:p>
@@ -456,7 +6877,7 @@
           <a:p>
             <a:fld id="{85C9B555-08B4-40A8-BBAB-879833AA5A7D}" type="datetimeFigureOut">
               <a:rPr lang="en-AU" smtClean="0"/>
-              <a:t>13/12/2021</a:t>
+              <a:t>4/02/2022</a:t>
             </a:fld>
             <a:endParaRPr lang="en-AU"/>
           </a:p>
@@ -666,7 +7087,7 @@
           <a:p>
             <a:fld id="{85C9B555-08B4-40A8-BBAB-879833AA5A7D}" type="datetimeFigureOut">
               <a:rPr lang="en-AU" smtClean="0"/>
-              <a:t>13/12/2021</a:t>
+              <a:t>4/02/2022</a:t>
             </a:fld>
             <a:endParaRPr lang="en-AU"/>
           </a:p>
@@ -866,7 +7287,7 @@
           <a:p>
             <a:fld id="{85C9B555-08B4-40A8-BBAB-879833AA5A7D}" type="datetimeFigureOut">
               <a:rPr lang="en-AU" smtClean="0"/>
-              <a:t>13/12/2021</a:t>
+              <a:t>4/02/2022</a:t>
             </a:fld>
             <a:endParaRPr lang="en-AU"/>
           </a:p>
@@ -1142,7 +7563,7 @@
           <a:p>
             <a:fld id="{85C9B555-08B4-40A8-BBAB-879833AA5A7D}" type="datetimeFigureOut">
               <a:rPr lang="en-AU" smtClean="0"/>
-              <a:t>13/12/2021</a:t>
+              <a:t>4/02/2022</a:t>
             </a:fld>
             <a:endParaRPr lang="en-AU"/>
           </a:p>
@@ -1410,7 +7831,7 @@
           <a:p>
             <a:fld id="{85C9B555-08B4-40A8-BBAB-879833AA5A7D}" type="datetimeFigureOut">
               <a:rPr lang="en-AU" smtClean="0"/>
-              <a:t>13/12/2021</a:t>
+              <a:t>4/02/2022</a:t>
             </a:fld>
             <a:endParaRPr lang="en-AU"/>
           </a:p>
@@ -1825,7 +8246,7 @@
           <a:p>
             <a:fld id="{85C9B555-08B4-40A8-BBAB-879833AA5A7D}" type="datetimeFigureOut">
               <a:rPr lang="en-AU" smtClean="0"/>
-              <a:t>13/12/2021</a:t>
+              <a:t>4/02/2022</a:t>
             </a:fld>
             <a:endParaRPr lang="en-AU"/>
           </a:p>
@@ -1967,7 +8388,7 @@
           <a:p>
             <a:fld id="{85C9B555-08B4-40A8-BBAB-879833AA5A7D}" type="datetimeFigureOut">
               <a:rPr lang="en-AU" smtClean="0"/>
-              <a:t>13/12/2021</a:t>
+              <a:t>4/02/2022</a:t>
             </a:fld>
             <a:endParaRPr lang="en-AU"/>
           </a:p>
@@ -2080,7 +8501,7 @@
           <a:p>
             <a:fld id="{85C9B555-08B4-40A8-BBAB-879833AA5A7D}" type="datetimeFigureOut">
               <a:rPr lang="en-AU" smtClean="0"/>
-              <a:t>13/12/2021</a:t>
+              <a:t>4/02/2022</a:t>
             </a:fld>
             <a:endParaRPr lang="en-AU"/>
           </a:p>
@@ -2393,7 +8814,7 @@
           <a:p>
             <a:fld id="{85C9B555-08B4-40A8-BBAB-879833AA5A7D}" type="datetimeFigureOut">
               <a:rPr lang="en-AU" smtClean="0"/>
-              <a:t>13/12/2021</a:t>
+              <a:t>4/02/2022</a:t>
             </a:fld>
             <a:endParaRPr lang="en-AU"/>
           </a:p>
@@ -2682,7 +9103,7 @@
           <a:p>
             <a:fld id="{85C9B555-08B4-40A8-BBAB-879833AA5A7D}" type="datetimeFigureOut">
               <a:rPr lang="en-AU" smtClean="0"/>
-              <a:t>13/12/2021</a:t>
+              <a:t>4/02/2022</a:t>
             </a:fld>
             <a:endParaRPr lang="en-AU"/>
           </a:p>
@@ -2925,7 +9346,7 @@
           <a:p>
             <a:fld id="{85C9B555-08B4-40A8-BBAB-879833AA5A7D}" type="datetimeFigureOut">
               <a:rPr lang="en-AU" smtClean="0"/>
-              <a:t>13/12/2021</a:t>
+              <a:t>4/02/2022</a:t>
             </a:fld>
             <a:endParaRPr lang="en-AU"/>
           </a:p>
@@ -3356,7 +9777,7 @@
         </p:nvSpPr>
         <p:spPr>
           <a:xfrm>
-            <a:off x="1438182" y="640119"/>
+            <a:off x="3266984" y="1119514"/>
             <a:ext cx="2059619" cy="159798"/>
           </a:xfrm>
           <a:prstGeom prst="rect">
@@ -3402,7 +9823,7 @@
         </p:nvSpPr>
         <p:spPr>
           <a:xfrm>
-            <a:off x="1438182" y="799917"/>
+            <a:off x="3266984" y="1279312"/>
             <a:ext cx="2059619" cy="1056447"/>
           </a:xfrm>
           <a:prstGeom prst="rect">
@@ -3448,7 +9869,7 @@
         </p:nvSpPr>
         <p:spPr>
           <a:xfrm>
-            <a:off x="1811043" y="806848"/>
+            <a:off x="3639845" y="1286243"/>
             <a:ext cx="1313895" cy="2418428"/>
           </a:xfrm>
           <a:custGeom>
@@ -3545,7 +9966,7 @@
         </p:nvSpPr>
         <p:spPr>
           <a:xfrm>
-            <a:off x="1438180" y="2447826"/>
+            <a:off x="3266982" y="2927221"/>
             <a:ext cx="2059619" cy="852261"/>
           </a:xfrm>
           <a:prstGeom prst="rect">
@@ -3591,7 +10012,7 @@
         </p:nvSpPr>
         <p:spPr>
           <a:xfrm>
-            <a:off x="2046301" y="1282968"/>
+            <a:off x="3875103" y="1762363"/>
             <a:ext cx="843378" cy="3733061"/>
           </a:xfrm>
           <a:prstGeom prst="triangle">
@@ -3643,7 +10064,7 @@
         </p:nvSpPr>
         <p:spPr>
           <a:xfrm>
-            <a:off x="1385015" y="4637453"/>
+            <a:off x="3213817" y="5116848"/>
             <a:ext cx="2175030" cy="1686757"/>
           </a:xfrm>
           <a:prstGeom prst="rect">
@@ -3692,7 +10113,7 @@
         </p:nvCxnSpPr>
         <p:spPr>
           <a:xfrm>
-            <a:off x="2467993" y="80826"/>
+            <a:off x="4296795" y="560221"/>
             <a:ext cx="4537" cy="6243384"/>
           </a:xfrm>
           <a:prstGeom prst="line">
@@ -3738,7 +10159,7 @@
         </p:nvCxnSpPr>
         <p:spPr>
           <a:xfrm flipH="1">
-            <a:off x="1385015" y="5480832"/>
+            <a:off x="3213817" y="5960227"/>
             <a:ext cx="2175030" cy="0"/>
           </a:xfrm>
           <a:prstGeom prst="line">
@@ -3780,7 +10201,7 @@
         </p:nvSpPr>
         <p:spPr>
           <a:xfrm>
-            <a:off x="2567601" y="7325"/>
+            <a:off x="3882693" y="564791"/>
             <a:ext cx="454412" cy="369332"/>
           </a:xfrm>
           <a:prstGeom prst="rect">
@@ -3795,10 +10216,22 @@
           <a:lstStyle/>
           <a:p>
             <a:r>
-              <a:rPr lang="en-US" dirty="0"/>
+              <a:rPr lang="en-US" dirty="0">
+                <a:solidFill>
+                  <a:schemeClr val="accent1">
+                    <a:lumMod val="75000"/>
+                  </a:schemeClr>
+                </a:solidFill>
+              </a:rPr>
               <a:t>e-</a:t>
             </a:r>
-            <a:endParaRPr lang="en-AU" dirty="0"/>
+            <a:endParaRPr lang="en-AU" dirty="0">
+              <a:solidFill>
+                <a:schemeClr val="accent1">
+                  <a:lumMod val="75000"/>
+                </a:schemeClr>
+              </a:solidFill>
+            </a:endParaRPr>
           </a:p>
         </p:txBody>
       </p:sp>
@@ -3816,13 +10249,16 @@
         </p:nvCxnSpPr>
         <p:spPr>
           <a:xfrm>
-            <a:off x="2546498" y="102092"/>
+            <a:off x="4215504" y="581487"/>
             <a:ext cx="0" cy="461434"/>
           </a:xfrm>
           <a:prstGeom prst="straightConnector1">
             <a:avLst/>
           </a:prstGeom>
           <a:ln>
+            <a:solidFill>
+              <a:srgbClr val="2F5597"/>
+            </a:solidFill>
             <a:tailEnd type="triangle"/>
           </a:ln>
         </p:spPr>
@@ -3855,7 +10291,7 @@
         </p:nvSpPr>
         <p:spPr>
           <a:xfrm>
-            <a:off x="3497799" y="535352"/>
+            <a:off x="5326601" y="1014747"/>
             <a:ext cx="1903021" cy="369332"/>
           </a:xfrm>
           <a:prstGeom prst="rect">
@@ -3891,7 +10327,7 @@
         </p:nvSpPr>
         <p:spPr>
           <a:xfrm>
-            <a:off x="3555508" y="1143474"/>
+            <a:off x="5384310" y="1622869"/>
             <a:ext cx="1903021" cy="369332"/>
           </a:xfrm>
           <a:prstGeom prst="rect">
@@ -3927,7 +10363,7 @@
         </p:nvSpPr>
         <p:spPr>
           <a:xfrm>
-            <a:off x="3555508" y="2589433"/>
+            <a:off x="5384310" y="3068828"/>
             <a:ext cx="1903021" cy="646331"/>
           </a:xfrm>
           <a:prstGeom prst="rect">
@@ -3965,7 +10401,7 @@
         </p:nvCxnSpPr>
         <p:spPr>
           <a:xfrm>
-            <a:off x="2341451" y="2447826"/>
+            <a:off x="4170253" y="2927221"/>
             <a:ext cx="266700" cy="0"/>
           </a:xfrm>
           <a:prstGeom prst="straightConnector1">
@@ -4010,7 +10446,7 @@
         </p:nvCxnSpPr>
         <p:spPr>
           <a:xfrm>
-            <a:off x="2255723" y="3300087"/>
+            <a:off x="4084525" y="3779482"/>
             <a:ext cx="442917" cy="0"/>
           </a:xfrm>
           <a:prstGeom prst="straightConnector1">
@@ -4055,7 +10491,7 @@
         </p:nvCxnSpPr>
         <p:spPr>
           <a:xfrm>
-            <a:off x="1385015" y="2430555"/>
+            <a:off x="3213817" y="2909950"/>
             <a:ext cx="0" cy="874295"/>
           </a:xfrm>
           <a:prstGeom prst="straightConnector1">
@@ -4098,7 +10534,7 @@
         </p:nvSpPr>
         <p:spPr>
           <a:xfrm>
-            <a:off x="3555508" y="5054971"/>
+            <a:off x="5384310" y="5534366"/>
             <a:ext cx="1903021" cy="369332"/>
           </a:xfrm>
           <a:prstGeom prst="rect">
@@ -4134,7 +10570,7 @@
         </p:nvSpPr>
         <p:spPr>
           <a:xfrm>
-            <a:off x="2442803" y="2112918"/>
+            <a:off x="4271605" y="2592313"/>
             <a:ext cx="2777345" cy="369332"/>
           </a:xfrm>
           <a:prstGeom prst="rect">
@@ -4149,14 +10585,14 @@
           <a:lstStyle/>
           <a:p>
             <a:r>
-              <a:rPr lang="en-US" i="1" dirty="0">
+              <a:rPr lang="en-US" b="1" i="1" dirty="0">
                 <a:solidFill>
                   <a:srgbClr val="FF0000"/>
                 </a:solidFill>
               </a:rPr>
               <a:t>Up-stream aperture radius</a:t>
             </a:r>
-            <a:endParaRPr lang="en-AU" i="1" dirty="0">
+            <a:endParaRPr lang="en-AU" b="1" i="1" dirty="0">
               <a:solidFill>
                 <a:srgbClr val="FF0000"/>
               </a:solidFill>
@@ -4178,7 +10614,7 @@
         </p:nvSpPr>
         <p:spPr>
           <a:xfrm>
-            <a:off x="2413187" y="3293279"/>
+            <a:off x="4241989" y="3772674"/>
             <a:ext cx="2777345" cy="646331"/>
           </a:xfrm>
           <a:prstGeom prst="rect">
@@ -4193,14 +10629,14 @@
           <a:lstStyle/>
           <a:p>
             <a:r>
-              <a:rPr lang="en-US" i="1" dirty="0">
+              <a:rPr lang="en-US" b="1" i="1" dirty="0">
                 <a:solidFill>
                   <a:srgbClr val="FF0000"/>
                 </a:solidFill>
               </a:rPr>
               <a:t>Down-stream aperture radius</a:t>
             </a:r>
-            <a:endParaRPr lang="en-AU" i="1" dirty="0">
+            <a:endParaRPr lang="en-AU" b="1" i="1" dirty="0">
               <a:solidFill>
                 <a:srgbClr val="FF0000"/>
               </a:solidFill>
@@ -4222,7 +10658,7 @@
         </p:nvSpPr>
         <p:spPr>
           <a:xfrm>
-            <a:off x="393795" y="2151992"/>
+            <a:off x="2222597" y="2631387"/>
             <a:ext cx="1206779" cy="646331"/>
           </a:xfrm>
           <a:prstGeom prst="rect">
@@ -4237,18 +10673,109 @@
           <a:lstStyle/>
           <a:p>
             <a:r>
-              <a:rPr lang="en-US" i="1" dirty="0">
+              <a:rPr lang="en-US" b="1" i="1" dirty="0">
                 <a:solidFill>
                   <a:srgbClr val="FF0000"/>
                 </a:solidFill>
               </a:rPr>
               <a:t>Collimator Thickness</a:t>
             </a:r>
-            <a:endParaRPr lang="en-AU" i="1" dirty="0">
+            <a:endParaRPr lang="en-AU" b="1" i="1" dirty="0">
               <a:solidFill>
                 <a:srgbClr val="FF0000"/>
               </a:solidFill>
             </a:endParaRPr>
+          </a:p>
+        </p:txBody>
+      </p:sp>
+      <p:sp>
+        <p:nvSpPr>
+          <p:cNvPr id="24" name="TextBox 23">
+            <a:extLst>
+              <a:ext uri="{FF2B5EF4-FFF2-40B4-BE49-F238E27FC236}">
+                <a16:creationId xmlns:a16="http://schemas.microsoft.com/office/drawing/2014/main" id="{E9D31A13-E480-47CD-90DB-4505E99A4ABA}"/>
+              </a:ext>
+            </a:extLst>
+          </p:cNvPr>
+          <p:cNvSpPr txBox="1"/>
+          <p:nvPr/>
+        </p:nvSpPr>
+        <p:spPr>
+          <a:xfrm>
+            <a:off x="3038201" y="-62182"/>
+            <a:ext cx="3831077" cy="923330"/>
+          </a:xfrm>
+          <a:prstGeom prst="rect">
+            <a:avLst/>
+          </a:prstGeom>
+          <a:noFill/>
+        </p:spPr>
+        <p:txBody>
+          <a:bodyPr wrap="square">
+            <a:spAutoFit/>
+          </a:bodyPr>
+          <a:lstStyle/>
+          <a:p>
+            <a:r>
+              <a:rPr lang="en-AU" dirty="0">
+                <a:solidFill>
+                  <a:schemeClr val="accent1">
+                    <a:lumMod val="75000"/>
+                  </a:schemeClr>
+                </a:solidFill>
+              </a:rPr>
+              <a:t>{</a:t>
+            </a:r>
+            <a:r>
+              <a:rPr lang="en-AU" b="1" dirty="0">
+                <a:solidFill>
+                  <a:schemeClr val="accent1">
+                    <a:lumMod val="75000"/>
+                  </a:schemeClr>
+                </a:solidFill>
+              </a:rPr>
+              <a:t>Energy, Position </a:t>
+            </a:r>
+            <a:r>
+              <a:rPr lang="en-AU" b="1" dirty="0" err="1">
+                <a:solidFill>
+                  <a:schemeClr val="accent1">
+                    <a:lumMod val="75000"/>
+                  </a:schemeClr>
+                </a:solidFill>
+              </a:rPr>
+              <a:t>Cutoff</a:t>
+            </a:r>
+            <a:r>
+              <a:rPr lang="en-AU" b="1" dirty="0">
+                <a:solidFill>
+                  <a:schemeClr val="accent1">
+                    <a:lumMod val="75000"/>
+                  </a:schemeClr>
+                </a:solidFill>
+              </a:rPr>
+              <a:t>, Position Spread, Angular Spread, Angular </a:t>
+            </a:r>
+            <a:r>
+              <a:rPr lang="en-AU" b="1" dirty="0" err="1">
+                <a:solidFill>
+                  <a:schemeClr val="accent1">
+                    <a:lumMod val="75000"/>
+                  </a:schemeClr>
+                </a:solidFill>
+              </a:rPr>
+              <a:t>Cutoff</a:t>
+            </a:r>
+            <a:r>
+              <a:rPr lang="en-AU" dirty="0">
+                <a:solidFill>
+                  <a:schemeClr val="accent1">
+                    <a:lumMod val="75000"/>
+                  </a:schemeClr>
+                </a:solidFill>
+              </a:rPr>
+              <a:t>}</a:t>
+            </a:r>
           </a:p>
         </p:txBody>
       </p:sp>
@@ -4256,6 +10783,202 @@
     <p:extLst>
       <p:ext uri="{BB962C8B-B14F-4D97-AF65-F5344CB8AC3E}">
         <p14:creationId xmlns:p14="http://schemas.microsoft.com/office/powerpoint/2010/main" val="390776149"/>
+      </p:ext>
+    </p:extLst>
+  </p:cSld>
+  <p:clrMapOvr>
+    <a:masterClrMapping/>
+  </p:clrMapOvr>
+</p:sld>
+</file>
+
+<file path=ppt/slides/slide2.xml><?xml version="1.0" encoding="utf-8"?>
+<p:sld xmlns:a="http://schemas.openxmlformats.org/drawingml/2006/main" xmlns:r="http://schemas.openxmlformats.org/officeDocument/2006/relationships" xmlns:p="http://schemas.openxmlformats.org/presentationml/2006/main">
+  <p:cSld>
+    <p:spTree>
+      <p:nvGrpSpPr>
+        <p:cNvPr id="1" name=""/>
+        <p:cNvGrpSpPr/>
+        <p:nvPr/>
+      </p:nvGrpSpPr>
+      <p:grpSpPr>
+        <a:xfrm>
+          <a:off x="0" y="0"/>
+          <a:ext cx="0" cy="0"/>
+          <a:chOff x="0" y="0"/>
+          <a:chExt cx="0" cy="0"/>
+        </a:xfrm>
+      </p:grpSpPr>
+      <p:graphicFrame>
+        <p:nvGraphicFramePr>
+          <p:cNvPr id="4" name="Diagram 3">
+            <a:extLst>
+              <a:ext uri="{FF2B5EF4-FFF2-40B4-BE49-F238E27FC236}">
+                <a16:creationId xmlns:a16="http://schemas.microsoft.com/office/drawing/2014/main" id="{51173D95-15B8-4888-B154-6931C59B1635}"/>
+              </a:ext>
+            </a:extLst>
+          </p:cNvPr>
+          <p:cNvGraphicFramePr/>
+          <p:nvPr>
+            <p:extLst>
+              <p:ext uri="{D42A27DB-BD31-4B8C-83A1-F6EECF244321}">
+                <p14:modId xmlns:p14="http://schemas.microsoft.com/office/powerpoint/2010/main" val="1303067807"/>
+              </p:ext>
+            </p:extLst>
+          </p:nvPr>
+        </p:nvGraphicFramePr>
+        <p:xfrm>
+          <a:off x="1339541" y="461639"/>
+          <a:ext cx="8128000" cy="5418667"/>
+        </p:xfrm>
+        <a:graphic>
+          <a:graphicData uri="http://schemas.openxmlformats.org/drawingml/2006/diagram">
+            <dgm:relIds xmlns:dgm="http://schemas.openxmlformats.org/drawingml/2006/diagram" xmlns:r="http://schemas.openxmlformats.org/officeDocument/2006/relationships" r:dm="rId2" r:lo="rId3" r:qs="rId4" r:cs="rId5"/>
+          </a:graphicData>
+        </a:graphic>
+      </p:graphicFrame>
+      <p:sp>
+        <p:nvSpPr>
+          <p:cNvPr id="5" name="TextBox 4">
+            <a:extLst>
+              <a:ext uri="{FF2B5EF4-FFF2-40B4-BE49-F238E27FC236}">
+                <a16:creationId xmlns:a16="http://schemas.microsoft.com/office/drawing/2014/main" id="{2075E3C3-9E41-4815-81AA-B597F2294733}"/>
+              </a:ext>
+            </a:extLst>
+          </p:cNvPr>
+          <p:cNvSpPr txBox="1"/>
+          <p:nvPr/>
+        </p:nvSpPr>
+        <p:spPr>
+          <a:xfrm>
+            <a:off x="6880194" y="568170"/>
+            <a:ext cx="3568823" cy="1477328"/>
+          </a:xfrm>
+          <a:prstGeom prst="rect">
+            <a:avLst/>
+          </a:prstGeom>
+          <a:noFill/>
+        </p:spPr>
+        <p:txBody>
+          <a:bodyPr wrap="square" rtlCol="0">
+            <a:spAutoFit/>
+          </a:bodyPr>
+          <a:lstStyle/>
+          <a:p>
+            <a:pPr marL="285750" indent="-285750">
+              <a:buFontTx/>
+              <a:buChar char="-"/>
+            </a:pPr>
+            <a:r>
+              <a:rPr lang="en-US" dirty="0"/>
+              <a:t>Set up directory structure</a:t>
+            </a:r>
+          </a:p>
+          <a:p>
+            <a:pPr marL="285750" indent="-285750">
+              <a:buFontTx/>
+              <a:buChar char="-"/>
+            </a:pPr>
+            <a:r>
+              <a:rPr lang="en-US" dirty="0"/>
+              <a:t>Model generation</a:t>
+            </a:r>
+          </a:p>
+          <a:p>
+            <a:pPr marL="285750" indent="-285750">
+              <a:buFontTx/>
+              <a:buChar char="-"/>
+            </a:pPr>
+            <a:r>
+              <a:rPr lang="en-US" dirty="0"/>
+              <a:t>Run model</a:t>
+            </a:r>
+          </a:p>
+          <a:p>
+            <a:pPr marL="285750" indent="-285750">
+              <a:buFontTx/>
+              <a:buChar char="-"/>
+            </a:pPr>
+            <a:r>
+              <a:rPr lang="en-US" dirty="0"/>
+              <a:t>Find and call </a:t>
+            </a:r>
+            <a:r>
+              <a:rPr lang="en-US"/>
+              <a:t>objective function</a:t>
+            </a:r>
+          </a:p>
+          <a:p>
+            <a:pPr marL="285750" indent="-285750">
+              <a:buFontTx/>
+              <a:buChar char="-"/>
+            </a:pPr>
+            <a:endParaRPr lang="en-US" dirty="0"/>
+          </a:p>
+        </p:txBody>
+      </p:sp>
+    </p:spTree>
+    <p:extLst>
+      <p:ext uri="{BB962C8B-B14F-4D97-AF65-F5344CB8AC3E}">
+        <p14:creationId xmlns:p14="http://schemas.microsoft.com/office/powerpoint/2010/main" val="3089301398"/>
+      </p:ext>
+    </p:extLst>
+  </p:cSld>
+  <p:clrMapOvr>
+    <a:masterClrMapping/>
+  </p:clrMapOvr>
+</p:sld>
+</file>
+
+<file path=ppt/slides/slide3.xml><?xml version="1.0" encoding="utf-8"?>
+<p:sld xmlns:a="http://schemas.openxmlformats.org/drawingml/2006/main" xmlns:r="http://schemas.openxmlformats.org/officeDocument/2006/relationships" xmlns:p="http://schemas.openxmlformats.org/presentationml/2006/main">
+  <p:cSld>
+    <p:spTree>
+      <p:nvGrpSpPr>
+        <p:cNvPr id="1" name=""/>
+        <p:cNvGrpSpPr/>
+        <p:nvPr/>
+      </p:nvGrpSpPr>
+      <p:grpSpPr>
+        <a:xfrm>
+          <a:off x="0" y="0"/>
+          <a:ext cx="0" cy="0"/>
+          <a:chOff x="0" y="0"/>
+          <a:chExt cx="0" cy="0"/>
+        </a:xfrm>
+      </p:grpSpPr>
+      <p:graphicFrame>
+        <p:nvGraphicFramePr>
+          <p:cNvPr id="4" name="Diagram 3">
+            <a:extLst>
+              <a:ext uri="{FF2B5EF4-FFF2-40B4-BE49-F238E27FC236}">
+                <a16:creationId xmlns:a16="http://schemas.microsoft.com/office/drawing/2014/main" id="{FBBFFC07-7E70-47E8-87C0-C3410F09EC39}"/>
+              </a:ext>
+            </a:extLst>
+          </p:cNvPr>
+          <p:cNvGraphicFramePr/>
+          <p:nvPr>
+            <p:extLst>
+              <p:ext uri="{D42A27DB-BD31-4B8C-83A1-F6EECF244321}">
+                <p14:modId xmlns:p14="http://schemas.microsoft.com/office/powerpoint/2010/main" val="1246964549"/>
+              </p:ext>
+            </p:extLst>
+          </p:nvPr>
+        </p:nvGraphicFramePr>
+        <p:xfrm>
+          <a:off x="2032000" y="719666"/>
+          <a:ext cx="8128000" cy="5418667"/>
+        </p:xfrm>
+        <a:graphic>
+          <a:graphicData uri="http://schemas.openxmlformats.org/drawingml/2006/diagram">
+            <dgm:relIds xmlns:dgm="http://schemas.openxmlformats.org/drawingml/2006/diagram" xmlns:r="http://schemas.openxmlformats.org/officeDocument/2006/relationships" r:dm="rId2" r:lo="rId3" r:qs="rId4" r:cs="rId5"/>
+          </a:graphicData>
+        </a:graphic>
+      </p:graphicFrame>
+    </p:spTree>
+    <p:extLst>
+      <p:ext uri="{BB962C8B-B14F-4D97-AF65-F5344CB8AC3E}">
+        <p14:creationId xmlns:p14="http://schemas.microsoft.com/office/powerpoint/2010/main" val="438006853"/>
       </p:ext>
     </p:extLst>
   </p:cSld>
